--- a/0. 모듈시험자료/[모듈] 7. 서버프로그램 구현.pptx
+++ b/0. 모듈시험자료/[모듈] 7. 서버프로그램 구현.pptx
@@ -9,12 +9,19 @@
     <p:sldId id="257" r:id="rId3"/>
     <p:sldId id="293" r:id="rId4"/>
     <p:sldId id="292" r:id="rId5"/>
-    <p:sldId id="294" r:id="rId6"/>
-    <p:sldId id="287" r:id="rId7"/>
-    <p:sldId id="296" r:id="rId8"/>
-    <p:sldId id="295" r:id="rId9"/>
-    <p:sldId id="290" r:id="rId10"/>
-    <p:sldId id="286" r:id="rId11"/>
+    <p:sldId id="302" r:id="rId6"/>
+    <p:sldId id="303" r:id="rId7"/>
+    <p:sldId id="294" r:id="rId8"/>
+    <p:sldId id="296" r:id="rId9"/>
+    <p:sldId id="295" r:id="rId10"/>
+    <p:sldId id="287" r:id="rId11"/>
+    <p:sldId id="297" r:id="rId12"/>
+    <p:sldId id="298" r:id="rId13"/>
+    <p:sldId id="300" r:id="rId14"/>
+    <p:sldId id="301" r:id="rId15"/>
+    <p:sldId id="290" r:id="rId16"/>
+    <p:sldId id="299" r:id="rId17"/>
+    <p:sldId id="286" r:id="rId18"/>
   </p:sldIdLst>
   <p:sldSz cx="12192000" cy="6858000"/>
   <p:notesSz cx="6858000" cy="9144000"/>
@@ -268,7 +275,7 @@
           <a:p>
             <a:fld id="{1D5F23D8-EC25-4018-9CD7-C53C9D694542}" type="datetimeFigureOut">
               <a:rPr lang="ko-KR" altLang="en-US" smtClean="0"/>
-              <a:t>2025-08-29</a:t>
+              <a:t>2025-09-01</a:t>
             </a:fld>
             <a:endParaRPr lang="ko-KR" altLang="en-US"/>
           </a:p>
@@ -466,7 +473,7 @@
           <a:p>
             <a:fld id="{1D5F23D8-EC25-4018-9CD7-C53C9D694542}" type="datetimeFigureOut">
               <a:rPr lang="ko-KR" altLang="en-US" smtClean="0"/>
-              <a:t>2025-08-29</a:t>
+              <a:t>2025-09-01</a:t>
             </a:fld>
             <a:endParaRPr lang="ko-KR" altLang="en-US"/>
           </a:p>
@@ -674,7 +681,7 @@
           <a:p>
             <a:fld id="{1D5F23D8-EC25-4018-9CD7-C53C9D694542}" type="datetimeFigureOut">
               <a:rPr lang="ko-KR" altLang="en-US" smtClean="0"/>
-              <a:t>2025-08-29</a:t>
+              <a:t>2025-09-01</a:t>
             </a:fld>
             <a:endParaRPr lang="ko-KR" altLang="en-US"/>
           </a:p>
@@ -872,7 +879,7 @@
           <a:p>
             <a:fld id="{1D5F23D8-EC25-4018-9CD7-C53C9D694542}" type="datetimeFigureOut">
               <a:rPr lang="ko-KR" altLang="en-US" smtClean="0"/>
-              <a:t>2025-08-29</a:t>
+              <a:t>2025-09-01</a:t>
             </a:fld>
             <a:endParaRPr lang="ko-KR" altLang="en-US"/>
           </a:p>
@@ -1147,7 +1154,7 @@
           <a:p>
             <a:fld id="{1D5F23D8-EC25-4018-9CD7-C53C9D694542}" type="datetimeFigureOut">
               <a:rPr lang="ko-KR" altLang="en-US" smtClean="0"/>
-              <a:t>2025-08-29</a:t>
+              <a:t>2025-09-01</a:t>
             </a:fld>
             <a:endParaRPr lang="ko-KR" altLang="en-US"/>
           </a:p>
@@ -1412,7 +1419,7 @@
           <a:p>
             <a:fld id="{1D5F23D8-EC25-4018-9CD7-C53C9D694542}" type="datetimeFigureOut">
               <a:rPr lang="ko-KR" altLang="en-US" smtClean="0"/>
-              <a:t>2025-08-29</a:t>
+              <a:t>2025-09-01</a:t>
             </a:fld>
             <a:endParaRPr lang="ko-KR" altLang="en-US"/>
           </a:p>
@@ -1824,7 +1831,7 @@
           <a:p>
             <a:fld id="{1D5F23D8-EC25-4018-9CD7-C53C9D694542}" type="datetimeFigureOut">
               <a:rPr lang="ko-KR" altLang="en-US" smtClean="0"/>
-              <a:t>2025-08-29</a:t>
+              <a:t>2025-09-01</a:t>
             </a:fld>
             <a:endParaRPr lang="ko-KR" altLang="en-US"/>
           </a:p>
@@ -1965,7 +1972,7 @@
           <a:p>
             <a:fld id="{1D5F23D8-EC25-4018-9CD7-C53C9D694542}" type="datetimeFigureOut">
               <a:rPr lang="ko-KR" altLang="en-US" smtClean="0"/>
-              <a:t>2025-08-29</a:t>
+              <a:t>2025-09-01</a:t>
             </a:fld>
             <a:endParaRPr lang="ko-KR" altLang="en-US"/>
           </a:p>
@@ -2078,7 +2085,7 @@
           <a:p>
             <a:fld id="{1D5F23D8-EC25-4018-9CD7-C53C9D694542}" type="datetimeFigureOut">
               <a:rPr lang="ko-KR" altLang="en-US" smtClean="0"/>
-              <a:t>2025-08-29</a:t>
+              <a:t>2025-09-01</a:t>
             </a:fld>
             <a:endParaRPr lang="ko-KR" altLang="en-US"/>
           </a:p>
@@ -2389,7 +2396,7 @@
           <a:p>
             <a:fld id="{1D5F23D8-EC25-4018-9CD7-C53C9D694542}" type="datetimeFigureOut">
               <a:rPr lang="ko-KR" altLang="en-US" smtClean="0"/>
-              <a:t>2025-08-29</a:t>
+              <a:t>2025-09-01</a:t>
             </a:fld>
             <a:endParaRPr lang="ko-KR" altLang="en-US"/>
           </a:p>
@@ -2677,7 +2684,7 @@
           <a:p>
             <a:fld id="{1D5F23D8-EC25-4018-9CD7-C53C9D694542}" type="datetimeFigureOut">
               <a:rPr lang="ko-KR" altLang="en-US" smtClean="0"/>
-              <a:t>2025-08-29</a:t>
+              <a:t>2025-09-01</a:t>
             </a:fld>
             <a:endParaRPr lang="ko-KR" altLang="en-US"/>
           </a:p>
@@ -2918,7 +2925,7 @@
           <a:p>
             <a:fld id="{1D5F23D8-EC25-4018-9CD7-C53C9D694542}" type="datetimeFigureOut">
               <a:rPr lang="ko-KR" altLang="en-US" smtClean="0"/>
-              <a:t>2025-08-29</a:t>
+              <a:t>2025-09-01</a:t>
             </a:fld>
             <a:endParaRPr lang="ko-KR" altLang="en-US"/>
           </a:p>
@@ -3361,8 +3368,8 @@
         </p:nvSpPr>
         <p:spPr>
           <a:xfrm>
-            <a:off x="9707134" y="5098820"/>
-            <a:ext cx="2247122" cy="1462871"/>
+            <a:off x="9707134" y="5409213"/>
+            <a:ext cx="2247122" cy="1261535"/>
           </a:xfrm>
         </p:spPr>
         <p:txBody>
@@ -3440,26 +3447,6 @@
                 <a:latin typeface="+mn-ea"/>
               </a:rPr>
               <a:t>박준형</a:t>
-            </a:r>
-            <a:endParaRPr lang="en-US" altLang="ko-KR" sz="1400" b="1" dirty="0">
-              <a:solidFill>
-                <a:schemeClr val="bg1"/>
-              </a:solidFill>
-              <a:latin typeface="+mn-ea"/>
-            </a:endParaRPr>
-          </a:p>
-          <a:p>
-            <a:pPr marL="0" indent="0" algn="r">
-              <a:buNone/>
-            </a:pPr>
-            <a:r>
-              <a:rPr lang="ko-KR" altLang="en-US" sz="1400" b="1" dirty="0">
-                <a:solidFill>
-                  <a:schemeClr val="bg1"/>
-                </a:solidFill>
-                <a:latin typeface="+mn-ea"/>
-              </a:rPr>
-              <a:t>최지원</a:t>
             </a:r>
             <a:endParaRPr lang="en-US" altLang="ko-KR" sz="1400" b="1" dirty="0">
               <a:solidFill>
@@ -4019,6 +4006,3064 @@
 </file>
 
 <file path=ppt/slides/slide10.xml><?xml version="1.0" encoding="utf-8"?>
+<p:sld xmlns:a="http://schemas.openxmlformats.org/drawingml/2006/main" xmlns:r="http://schemas.openxmlformats.org/officeDocument/2006/relationships" xmlns:p="http://schemas.openxmlformats.org/presentationml/2006/main">
+  <p:cSld>
+    <p:bg>
+      <p:bgPr>
+        <a:solidFill>
+          <a:srgbClr val="2C3930"/>
+        </a:solidFill>
+        <a:effectLst/>
+      </p:bgPr>
+    </p:bg>
+    <p:spTree>
+      <p:nvGrpSpPr>
+        <p:cNvPr id="1" name=""/>
+        <p:cNvGrpSpPr/>
+        <p:nvPr/>
+      </p:nvGrpSpPr>
+      <p:grpSpPr>
+        <a:xfrm>
+          <a:off x="0" y="0"/>
+          <a:ext cx="0" cy="0"/>
+          <a:chOff x="0" y="0"/>
+          <a:chExt cx="0" cy="0"/>
+        </a:xfrm>
+      </p:grpSpPr>
+      <p:sp>
+        <p:nvSpPr>
+          <p:cNvPr id="28" name="제목 27">
+            <a:extLst>
+              <a:ext uri="{FF2B5EF4-FFF2-40B4-BE49-F238E27FC236}">
+                <a16:creationId xmlns:a16="http://schemas.microsoft.com/office/drawing/2014/main" id="{915036D7-6872-454E-9683-74DC284D3DD7}"/>
+              </a:ext>
+            </a:extLst>
+          </p:cNvPr>
+          <p:cNvSpPr>
+            <a:spLocks noGrp="1"/>
+          </p:cNvSpPr>
+          <p:nvPr>
+            <p:ph type="title"/>
+          </p:nvPr>
+        </p:nvSpPr>
+        <p:spPr>
+          <a:xfrm>
+            <a:off x="838200" y="365125"/>
+            <a:ext cx="10653660" cy="1353422"/>
+          </a:xfrm>
+        </p:spPr>
+        <p:txBody>
+          <a:bodyPr/>
+          <a:lstStyle/>
+          <a:p>
+            <a:endParaRPr lang="ko-KR" altLang="en-US"/>
+          </a:p>
+        </p:txBody>
+      </p:sp>
+      <p:sp>
+        <p:nvSpPr>
+          <p:cNvPr id="16" name="제목 1">
+            <a:extLst>
+              <a:ext uri="{FF2B5EF4-FFF2-40B4-BE49-F238E27FC236}">
+                <a16:creationId xmlns:a16="http://schemas.microsoft.com/office/drawing/2014/main" id="{DC70CEF2-FC29-4B06-A003-15A4A4202666}"/>
+              </a:ext>
+            </a:extLst>
+          </p:cNvPr>
+          <p:cNvSpPr txBox="1">
+            <a:spLocks/>
+          </p:cNvSpPr>
+          <p:nvPr/>
+        </p:nvSpPr>
+        <p:spPr>
+          <a:xfrm>
+            <a:off x="0" y="1"/>
+            <a:ext cx="12191999" cy="1453881"/>
+          </a:xfrm>
+          <a:prstGeom prst="rect">
+            <a:avLst/>
+          </a:prstGeom>
+          <a:solidFill>
+            <a:schemeClr val="bg1"/>
+          </a:solidFill>
+        </p:spPr>
+        <p:txBody>
+          <a:bodyPr vert="horz" lIns="91440" tIns="45720" rIns="91440" bIns="45720" rtlCol="0" anchor="ctr">
+            <a:normAutofit/>
+          </a:bodyPr>
+          <a:lstStyle>
+            <a:lvl1pPr algn="l" defTabSz="914400" rtl="0" eaLnBrk="1" latinLnBrk="1" hangingPunct="1">
+              <a:lnSpc>
+                <a:spcPct val="90000"/>
+              </a:lnSpc>
+              <a:spcBef>
+                <a:spcPct val="0"/>
+              </a:spcBef>
+              <a:buNone/>
+              <a:defRPr sz="4400" kern="1200">
+                <a:solidFill>
+                  <a:schemeClr val="tx1"/>
+                </a:solidFill>
+                <a:latin typeface="+mj-lt"/>
+                <a:ea typeface="+mj-ea"/>
+                <a:cs typeface="+mj-cs"/>
+              </a:defRPr>
+            </a:lvl1pPr>
+          </a:lstStyle>
+          <a:p>
+            <a:pPr algn="ctr"/>
+            <a:r>
+              <a:rPr lang="en-US" altLang="ko-KR" dirty="0"/>
+              <a:t>4. DbUtils.java </a:t>
+            </a:r>
+            <a:r>
+              <a:rPr lang="ko-KR" altLang="en-US" dirty="0"/>
+              <a:t>구현 및 동작 설명</a:t>
+            </a:r>
+          </a:p>
+        </p:txBody>
+      </p:sp>
+      <p:pic>
+        <p:nvPicPr>
+          <p:cNvPr id="3" name="그림 2" descr="일러스트레이션, 선그림, 디자인이(가) 표시된 사진&#10;&#10;AI 생성 콘텐츠는 정확하지 않을 수 있습니다.">
+            <a:extLst>
+              <a:ext uri="{FF2B5EF4-FFF2-40B4-BE49-F238E27FC236}">
+                <a16:creationId xmlns:a16="http://schemas.microsoft.com/office/drawing/2014/main" id="{AA32B8ED-B3D2-BC65-A7A7-B9656606C411}"/>
+              </a:ext>
+            </a:extLst>
+          </p:cNvPr>
+          <p:cNvPicPr>
+            <a:picLocks noChangeAspect="1"/>
+          </p:cNvPicPr>
+          <p:nvPr/>
+        </p:nvPicPr>
+        <p:blipFill>
+          <a:blip r:embed="rId2">
+            <a:extLst>
+              <a:ext uri="{28A0092B-C50C-407E-A947-70E740481C1C}">
+                <a14:useLocalDpi xmlns:a14="http://schemas.microsoft.com/office/drawing/2010/main" val="0"/>
+              </a:ext>
+            </a:extLst>
+          </a:blip>
+          <a:stretch>
+            <a:fillRect/>
+          </a:stretch>
+        </p:blipFill>
+        <p:spPr>
+          <a:xfrm>
+            <a:off x="312511" y="319316"/>
+            <a:ext cx="815249" cy="815249"/>
+          </a:xfrm>
+          <a:prstGeom prst="rect">
+            <a:avLst/>
+          </a:prstGeom>
+        </p:spPr>
+      </p:pic>
+      <p:sp>
+        <p:nvSpPr>
+          <p:cNvPr id="8" name="TextBox 4">
+            <a:extLst>
+              <a:ext uri="{FF2B5EF4-FFF2-40B4-BE49-F238E27FC236}">
+                <a16:creationId xmlns:a16="http://schemas.microsoft.com/office/drawing/2014/main" id="{6494E9D6-DE83-49B9-8060-F3459DEDC648}"/>
+              </a:ext>
+            </a:extLst>
+          </p:cNvPr>
+          <p:cNvSpPr txBox="1"/>
+          <p:nvPr/>
+        </p:nvSpPr>
+        <p:spPr>
+          <a:xfrm>
+            <a:off x="761624" y="1071943"/>
+            <a:ext cx="11027428" cy="5856475"/>
+          </a:xfrm>
+          <a:prstGeom prst="rect">
+            <a:avLst/>
+          </a:prstGeom>
+        </p:spPr>
+        <p:txBody>
+          <a:bodyPr lIns="33867" tIns="33867" rIns="33867" bIns="33867" rtlCol="0" anchor="ctr"/>
+          <a:lstStyle/>
+          <a:p>
+            <a:pPr algn="ctr" defTabSz="609630" latinLnBrk="0">
+              <a:lnSpc>
+                <a:spcPts val="1773"/>
+              </a:lnSpc>
+              <a:spcBef>
+                <a:spcPct val="0"/>
+              </a:spcBef>
+            </a:pPr>
+            <a:endParaRPr sz="1200">
+              <a:solidFill>
+                <a:prstClr val="black"/>
+              </a:solidFill>
+              <a:latin typeface="Calibri"/>
+            </a:endParaRPr>
+          </a:p>
+        </p:txBody>
+      </p:sp>
+      <p:sp>
+        <p:nvSpPr>
+          <p:cNvPr id="32" name="TextBox 31">
+            <a:extLst>
+              <a:ext uri="{FF2B5EF4-FFF2-40B4-BE49-F238E27FC236}">
+                <a16:creationId xmlns:a16="http://schemas.microsoft.com/office/drawing/2014/main" id="{67A86133-2F05-4C44-81DE-79C0A129E336}"/>
+              </a:ext>
+            </a:extLst>
+          </p:cNvPr>
+          <p:cNvSpPr txBox="1"/>
+          <p:nvPr/>
+        </p:nvSpPr>
+        <p:spPr>
+          <a:xfrm>
+            <a:off x="11513819" y="6389609"/>
+            <a:ext cx="678180" cy="369332"/>
+          </a:xfrm>
+          <a:prstGeom prst="rect">
+            <a:avLst/>
+          </a:prstGeom>
+          <a:noFill/>
+        </p:spPr>
+        <p:txBody>
+          <a:bodyPr wrap="square" rtlCol="0">
+            <a:spAutoFit/>
+          </a:bodyPr>
+          <a:lstStyle/>
+          <a:p>
+            <a:pPr algn="ctr"/>
+            <a:r>
+              <a:rPr lang="en-US" altLang="ko-KR" dirty="0">
+                <a:solidFill>
+                  <a:schemeClr val="bg1"/>
+                </a:solidFill>
+              </a:rPr>
+              <a:t>9</a:t>
+            </a:r>
+            <a:endParaRPr lang="ko-KR" altLang="en-US" dirty="0">
+              <a:solidFill>
+                <a:schemeClr val="bg1"/>
+              </a:solidFill>
+            </a:endParaRPr>
+          </a:p>
+        </p:txBody>
+      </p:sp>
+      <p:pic>
+        <p:nvPicPr>
+          <p:cNvPr id="4" name="그림 3">
+            <a:extLst>
+              <a:ext uri="{FF2B5EF4-FFF2-40B4-BE49-F238E27FC236}">
+                <a16:creationId xmlns:a16="http://schemas.microsoft.com/office/drawing/2014/main" id="{BCA28F0C-523D-44E3-AB7C-9FCECEA4FEAD}"/>
+              </a:ext>
+            </a:extLst>
+          </p:cNvPr>
+          <p:cNvPicPr>
+            <a:picLocks noChangeAspect="1"/>
+          </p:cNvPicPr>
+          <p:nvPr/>
+        </p:nvPicPr>
+        <p:blipFill>
+          <a:blip r:embed="rId3">
+            <a:extLst>
+              <a:ext uri="{28A0092B-C50C-407E-A947-70E740481C1C}">
+                <a14:useLocalDpi xmlns:a14="http://schemas.microsoft.com/office/drawing/2010/main" val="0"/>
+              </a:ext>
+            </a:extLst>
+          </a:blip>
+          <a:stretch>
+            <a:fillRect/>
+          </a:stretch>
+        </p:blipFill>
+        <p:spPr>
+          <a:xfrm>
+            <a:off x="2464051" y="1567574"/>
+            <a:ext cx="7401958" cy="5115866"/>
+          </a:xfrm>
+          <a:prstGeom prst="rect">
+            <a:avLst/>
+          </a:prstGeom>
+        </p:spPr>
+      </p:pic>
+    </p:spTree>
+    <p:extLst>
+      <p:ext uri="{BB962C8B-B14F-4D97-AF65-F5344CB8AC3E}">
+        <p14:creationId xmlns:p14="http://schemas.microsoft.com/office/powerpoint/2010/main" val="80129858"/>
+      </p:ext>
+    </p:extLst>
+  </p:cSld>
+  <p:clrMapOvr>
+    <a:masterClrMapping/>
+  </p:clrMapOvr>
+</p:sld>
+</file>
+
+<file path=ppt/slides/slide11.xml><?xml version="1.0" encoding="utf-8"?>
+<p:sld xmlns:a="http://schemas.openxmlformats.org/drawingml/2006/main" xmlns:r="http://schemas.openxmlformats.org/officeDocument/2006/relationships" xmlns:p="http://schemas.openxmlformats.org/presentationml/2006/main">
+  <p:cSld>
+    <p:bg>
+      <p:bgPr>
+        <a:solidFill>
+          <a:srgbClr val="2C3930"/>
+        </a:solidFill>
+        <a:effectLst/>
+      </p:bgPr>
+    </p:bg>
+    <p:spTree>
+      <p:nvGrpSpPr>
+        <p:cNvPr id="1" name=""/>
+        <p:cNvGrpSpPr/>
+        <p:nvPr/>
+      </p:nvGrpSpPr>
+      <p:grpSpPr>
+        <a:xfrm>
+          <a:off x="0" y="0"/>
+          <a:ext cx="0" cy="0"/>
+          <a:chOff x="0" y="0"/>
+          <a:chExt cx="0" cy="0"/>
+        </a:xfrm>
+      </p:grpSpPr>
+      <p:sp>
+        <p:nvSpPr>
+          <p:cNvPr id="28" name="제목 27">
+            <a:extLst>
+              <a:ext uri="{FF2B5EF4-FFF2-40B4-BE49-F238E27FC236}">
+                <a16:creationId xmlns:a16="http://schemas.microsoft.com/office/drawing/2014/main" id="{915036D7-6872-454E-9683-74DC284D3DD7}"/>
+              </a:ext>
+            </a:extLst>
+          </p:cNvPr>
+          <p:cNvSpPr>
+            <a:spLocks noGrp="1"/>
+          </p:cNvSpPr>
+          <p:nvPr>
+            <p:ph type="title"/>
+          </p:nvPr>
+        </p:nvSpPr>
+        <p:spPr>
+          <a:xfrm>
+            <a:off x="838200" y="365125"/>
+            <a:ext cx="10653660" cy="1353422"/>
+          </a:xfrm>
+        </p:spPr>
+        <p:txBody>
+          <a:bodyPr/>
+          <a:lstStyle/>
+          <a:p>
+            <a:endParaRPr lang="ko-KR" altLang="en-US"/>
+          </a:p>
+        </p:txBody>
+      </p:sp>
+      <p:sp>
+        <p:nvSpPr>
+          <p:cNvPr id="16" name="제목 1">
+            <a:extLst>
+              <a:ext uri="{FF2B5EF4-FFF2-40B4-BE49-F238E27FC236}">
+                <a16:creationId xmlns:a16="http://schemas.microsoft.com/office/drawing/2014/main" id="{DC70CEF2-FC29-4B06-A003-15A4A4202666}"/>
+              </a:ext>
+            </a:extLst>
+          </p:cNvPr>
+          <p:cNvSpPr txBox="1">
+            <a:spLocks/>
+          </p:cNvSpPr>
+          <p:nvPr/>
+        </p:nvSpPr>
+        <p:spPr>
+          <a:xfrm>
+            <a:off x="0" y="1"/>
+            <a:ext cx="12191999" cy="1453881"/>
+          </a:xfrm>
+          <a:prstGeom prst="rect">
+            <a:avLst/>
+          </a:prstGeom>
+          <a:solidFill>
+            <a:schemeClr val="bg1"/>
+          </a:solidFill>
+        </p:spPr>
+        <p:txBody>
+          <a:bodyPr vert="horz" lIns="91440" tIns="45720" rIns="91440" bIns="45720" rtlCol="0" anchor="ctr">
+            <a:normAutofit/>
+          </a:bodyPr>
+          <a:lstStyle>
+            <a:lvl1pPr algn="l" defTabSz="914400" rtl="0" eaLnBrk="1" latinLnBrk="1" hangingPunct="1">
+              <a:lnSpc>
+                <a:spcPct val="90000"/>
+              </a:lnSpc>
+              <a:spcBef>
+                <a:spcPct val="0"/>
+              </a:spcBef>
+              <a:buNone/>
+              <a:defRPr sz="4400" kern="1200">
+                <a:solidFill>
+                  <a:schemeClr val="tx1"/>
+                </a:solidFill>
+                <a:latin typeface="+mj-lt"/>
+                <a:ea typeface="+mj-ea"/>
+                <a:cs typeface="+mj-cs"/>
+              </a:defRPr>
+            </a:lvl1pPr>
+          </a:lstStyle>
+          <a:p>
+            <a:pPr algn="ctr"/>
+            <a:r>
+              <a:rPr lang="en-US" altLang="ko-KR" dirty="0"/>
+              <a:t>4. DbUtils.java </a:t>
+            </a:r>
+            <a:r>
+              <a:rPr lang="ko-KR" altLang="en-US" dirty="0"/>
+              <a:t>구현 및 동작 설명</a:t>
+            </a:r>
+          </a:p>
+        </p:txBody>
+      </p:sp>
+      <p:pic>
+        <p:nvPicPr>
+          <p:cNvPr id="3" name="그림 2" descr="일러스트레이션, 선그림, 디자인이(가) 표시된 사진&#10;&#10;AI 생성 콘텐츠는 정확하지 않을 수 있습니다.">
+            <a:extLst>
+              <a:ext uri="{FF2B5EF4-FFF2-40B4-BE49-F238E27FC236}">
+                <a16:creationId xmlns:a16="http://schemas.microsoft.com/office/drawing/2014/main" id="{AA32B8ED-B3D2-BC65-A7A7-B9656606C411}"/>
+              </a:ext>
+            </a:extLst>
+          </p:cNvPr>
+          <p:cNvPicPr>
+            <a:picLocks noChangeAspect="1"/>
+          </p:cNvPicPr>
+          <p:nvPr/>
+        </p:nvPicPr>
+        <p:blipFill>
+          <a:blip r:embed="rId2">
+            <a:extLst>
+              <a:ext uri="{28A0092B-C50C-407E-A947-70E740481C1C}">
+                <a14:useLocalDpi xmlns:a14="http://schemas.microsoft.com/office/drawing/2010/main" val="0"/>
+              </a:ext>
+            </a:extLst>
+          </a:blip>
+          <a:stretch>
+            <a:fillRect/>
+          </a:stretch>
+        </p:blipFill>
+        <p:spPr>
+          <a:xfrm>
+            <a:off x="312511" y="319316"/>
+            <a:ext cx="815249" cy="815249"/>
+          </a:xfrm>
+          <a:prstGeom prst="rect">
+            <a:avLst/>
+          </a:prstGeom>
+        </p:spPr>
+      </p:pic>
+      <p:sp>
+        <p:nvSpPr>
+          <p:cNvPr id="8" name="TextBox 4">
+            <a:extLst>
+              <a:ext uri="{FF2B5EF4-FFF2-40B4-BE49-F238E27FC236}">
+                <a16:creationId xmlns:a16="http://schemas.microsoft.com/office/drawing/2014/main" id="{6494E9D6-DE83-49B9-8060-F3459DEDC648}"/>
+              </a:ext>
+            </a:extLst>
+          </p:cNvPr>
+          <p:cNvSpPr txBox="1"/>
+          <p:nvPr/>
+        </p:nvSpPr>
+        <p:spPr>
+          <a:xfrm>
+            <a:off x="761624" y="1071943"/>
+            <a:ext cx="11027428" cy="5856475"/>
+          </a:xfrm>
+          <a:prstGeom prst="rect">
+            <a:avLst/>
+          </a:prstGeom>
+        </p:spPr>
+        <p:txBody>
+          <a:bodyPr lIns="33867" tIns="33867" rIns="33867" bIns="33867" rtlCol="0" anchor="ctr"/>
+          <a:lstStyle/>
+          <a:p>
+            <a:pPr algn="ctr" defTabSz="609630" latinLnBrk="0">
+              <a:lnSpc>
+                <a:spcPts val="1773"/>
+              </a:lnSpc>
+              <a:spcBef>
+                <a:spcPct val="0"/>
+              </a:spcBef>
+            </a:pPr>
+            <a:endParaRPr sz="1200">
+              <a:solidFill>
+                <a:prstClr val="black"/>
+              </a:solidFill>
+              <a:latin typeface="Calibri"/>
+            </a:endParaRPr>
+          </a:p>
+        </p:txBody>
+      </p:sp>
+      <p:sp>
+        <p:nvSpPr>
+          <p:cNvPr id="32" name="TextBox 31">
+            <a:extLst>
+              <a:ext uri="{FF2B5EF4-FFF2-40B4-BE49-F238E27FC236}">
+                <a16:creationId xmlns:a16="http://schemas.microsoft.com/office/drawing/2014/main" id="{67A86133-2F05-4C44-81DE-79C0A129E336}"/>
+              </a:ext>
+            </a:extLst>
+          </p:cNvPr>
+          <p:cNvSpPr txBox="1"/>
+          <p:nvPr/>
+        </p:nvSpPr>
+        <p:spPr>
+          <a:xfrm>
+            <a:off x="11513819" y="6389609"/>
+            <a:ext cx="678180" cy="369332"/>
+          </a:xfrm>
+          <a:prstGeom prst="rect">
+            <a:avLst/>
+          </a:prstGeom>
+          <a:noFill/>
+        </p:spPr>
+        <p:txBody>
+          <a:bodyPr wrap="square" rtlCol="0">
+            <a:spAutoFit/>
+          </a:bodyPr>
+          <a:lstStyle/>
+          <a:p>
+            <a:pPr algn="ctr"/>
+            <a:r>
+              <a:rPr lang="en-US" altLang="ko-KR" dirty="0">
+                <a:solidFill>
+                  <a:schemeClr val="bg1"/>
+                </a:solidFill>
+              </a:rPr>
+              <a:t>10</a:t>
+            </a:r>
+            <a:endParaRPr lang="ko-KR" altLang="en-US" dirty="0">
+              <a:solidFill>
+                <a:schemeClr val="bg1"/>
+              </a:solidFill>
+            </a:endParaRPr>
+          </a:p>
+        </p:txBody>
+      </p:sp>
+      <p:pic>
+        <p:nvPicPr>
+          <p:cNvPr id="4" name="그림 3">
+            <a:extLst>
+              <a:ext uri="{FF2B5EF4-FFF2-40B4-BE49-F238E27FC236}">
+                <a16:creationId xmlns:a16="http://schemas.microsoft.com/office/drawing/2014/main" id="{84C48C3E-26A8-4F41-8E6A-E401F5DE68EB}"/>
+              </a:ext>
+            </a:extLst>
+          </p:cNvPr>
+          <p:cNvPicPr>
+            <a:picLocks noChangeAspect="1"/>
+          </p:cNvPicPr>
+          <p:nvPr/>
+        </p:nvPicPr>
+        <p:blipFill>
+          <a:blip r:embed="rId3">
+            <a:extLst>
+              <a:ext uri="{28A0092B-C50C-407E-A947-70E740481C1C}">
+                <a14:useLocalDpi xmlns:a14="http://schemas.microsoft.com/office/drawing/2010/main" val="0"/>
+              </a:ext>
+            </a:extLst>
+          </a:blip>
+          <a:stretch>
+            <a:fillRect/>
+          </a:stretch>
+        </p:blipFill>
+        <p:spPr>
+          <a:xfrm>
+            <a:off x="2478340" y="1546732"/>
+            <a:ext cx="7373379" cy="5212209"/>
+          </a:xfrm>
+          <a:prstGeom prst="rect">
+            <a:avLst/>
+          </a:prstGeom>
+        </p:spPr>
+      </p:pic>
+    </p:spTree>
+    <p:extLst>
+      <p:ext uri="{BB962C8B-B14F-4D97-AF65-F5344CB8AC3E}">
+        <p14:creationId xmlns:p14="http://schemas.microsoft.com/office/powerpoint/2010/main" val="1869749912"/>
+      </p:ext>
+    </p:extLst>
+  </p:cSld>
+  <p:clrMapOvr>
+    <a:masterClrMapping/>
+  </p:clrMapOvr>
+</p:sld>
+</file>
+
+<file path=ppt/slides/slide12.xml><?xml version="1.0" encoding="utf-8"?>
+<p:sld xmlns:a="http://schemas.openxmlformats.org/drawingml/2006/main" xmlns:r="http://schemas.openxmlformats.org/officeDocument/2006/relationships" xmlns:p="http://schemas.openxmlformats.org/presentationml/2006/main">
+  <p:cSld>
+    <p:bg>
+      <p:bgPr>
+        <a:solidFill>
+          <a:srgbClr val="2C3930"/>
+        </a:solidFill>
+        <a:effectLst/>
+      </p:bgPr>
+    </p:bg>
+    <p:spTree>
+      <p:nvGrpSpPr>
+        <p:cNvPr id="1" name=""/>
+        <p:cNvGrpSpPr/>
+        <p:nvPr/>
+      </p:nvGrpSpPr>
+      <p:grpSpPr>
+        <a:xfrm>
+          <a:off x="0" y="0"/>
+          <a:ext cx="0" cy="0"/>
+          <a:chOff x="0" y="0"/>
+          <a:chExt cx="0" cy="0"/>
+        </a:xfrm>
+      </p:grpSpPr>
+      <p:sp>
+        <p:nvSpPr>
+          <p:cNvPr id="28" name="제목 27">
+            <a:extLst>
+              <a:ext uri="{FF2B5EF4-FFF2-40B4-BE49-F238E27FC236}">
+                <a16:creationId xmlns:a16="http://schemas.microsoft.com/office/drawing/2014/main" id="{915036D7-6872-454E-9683-74DC284D3DD7}"/>
+              </a:ext>
+            </a:extLst>
+          </p:cNvPr>
+          <p:cNvSpPr>
+            <a:spLocks noGrp="1"/>
+          </p:cNvSpPr>
+          <p:nvPr>
+            <p:ph type="title"/>
+          </p:nvPr>
+        </p:nvSpPr>
+        <p:spPr>
+          <a:xfrm>
+            <a:off x="838200" y="365125"/>
+            <a:ext cx="10653660" cy="1353422"/>
+          </a:xfrm>
+        </p:spPr>
+        <p:txBody>
+          <a:bodyPr/>
+          <a:lstStyle/>
+          <a:p>
+            <a:endParaRPr lang="ko-KR" altLang="en-US"/>
+          </a:p>
+        </p:txBody>
+      </p:sp>
+      <p:sp>
+        <p:nvSpPr>
+          <p:cNvPr id="16" name="제목 1">
+            <a:extLst>
+              <a:ext uri="{FF2B5EF4-FFF2-40B4-BE49-F238E27FC236}">
+                <a16:creationId xmlns:a16="http://schemas.microsoft.com/office/drawing/2014/main" id="{DC70CEF2-FC29-4B06-A003-15A4A4202666}"/>
+              </a:ext>
+            </a:extLst>
+          </p:cNvPr>
+          <p:cNvSpPr txBox="1">
+            <a:spLocks/>
+          </p:cNvSpPr>
+          <p:nvPr/>
+        </p:nvSpPr>
+        <p:spPr>
+          <a:xfrm>
+            <a:off x="0" y="1"/>
+            <a:ext cx="12191999" cy="1453881"/>
+          </a:xfrm>
+          <a:prstGeom prst="rect">
+            <a:avLst/>
+          </a:prstGeom>
+          <a:solidFill>
+            <a:schemeClr val="bg1"/>
+          </a:solidFill>
+        </p:spPr>
+        <p:txBody>
+          <a:bodyPr vert="horz" lIns="91440" tIns="45720" rIns="91440" bIns="45720" rtlCol="0" anchor="ctr">
+            <a:normAutofit/>
+          </a:bodyPr>
+          <a:lstStyle>
+            <a:lvl1pPr algn="l" defTabSz="914400" rtl="0" eaLnBrk="1" latinLnBrk="1" hangingPunct="1">
+              <a:lnSpc>
+                <a:spcPct val="90000"/>
+              </a:lnSpc>
+              <a:spcBef>
+                <a:spcPct val="0"/>
+              </a:spcBef>
+              <a:buNone/>
+              <a:defRPr sz="4400" kern="1200">
+                <a:solidFill>
+                  <a:schemeClr val="tx1"/>
+                </a:solidFill>
+                <a:latin typeface="+mj-lt"/>
+                <a:ea typeface="+mj-ea"/>
+                <a:cs typeface="+mj-cs"/>
+              </a:defRPr>
+            </a:lvl1pPr>
+          </a:lstStyle>
+          <a:p>
+            <a:pPr algn="ctr"/>
+            <a:r>
+              <a:rPr lang="en-US" altLang="ko-KR" dirty="0"/>
+              <a:t>4. DbUtils.java </a:t>
+            </a:r>
+            <a:r>
+              <a:rPr lang="ko-KR" altLang="en-US" dirty="0"/>
+              <a:t>구현 및 동작 설명</a:t>
+            </a:r>
+          </a:p>
+        </p:txBody>
+      </p:sp>
+      <p:pic>
+        <p:nvPicPr>
+          <p:cNvPr id="3" name="그림 2" descr="일러스트레이션, 선그림, 디자인이(가) 표시된 사진&#10;&#10;AI 생성 콘텐츠는 정확하지 않을 수 있습니다.">
+            <a:extLst>
+              <a:ext uri="{FF2B5EF4-FFF2-40B4-BE49-F238E27FC236}">
+                <a16:creationId xmlns:a16="http://schemas.microsoft.com/office/drawing/2014/main" id="{AA32B8ED-B3D2-BC65-A7A7-B9656606C411}"/>
+              </a:ext>
+            </a:extLst>
+          </p:cNvPr>
+          <p:cNvPicPr>
+            <a:picLocks noChangeAspect="1"/>
+          </p:cNvPicPr>
+          <p:nvPr/>
+        </p:nvPicPr>
+        <p:blipFill>
+          <a:blip r:embed="rId2">
+            <a:extLst>
+              <a:ext uri="{28A0092B-C50C-407E-A947-70E740481C1C}">
+                <a14:useLocalDpi xmlns:a14="http://schemas.microsoft.com/office/drawing/2010/main" val="0"/>
+              </a:ext>
+            </a:extLst>
+          </a:blip>
+          <a:stretch>
+            <a:fillRect/>
+          </a:stretch>
+        </p:blipFill>
+        <p:spPr>
+          <a:xfrm>
+            <a:off x="312511" y="319316"/>
+            <a:ext cx="815249" cy="815249"/>
+          </a:xfrm>
+          <a:prstGeom prst="rect">
+            <a:avLst/>
+          </a:prstGeom>
+        </p:spPr>
+      </p:pic>
+      <p:sp>
+        <p:nvSpPr>
+          <p:cNvPr id="8" name="TextBox 4">
+            <a:extLst>
+              <a:ext uri="{FF2B5EF4-FFF2-40B4-BE49-F238E27FC236}">
+                <a16:creationId xmlns:a16="http://schemas.microsoft.com/office/drawing/2014/main" id="{6494E9D6-DE83-49B9-8060-F3459DEDC648}"/>
+              </a:ext>
+            </a:extLst>
+          </p:cNvPr>
+          <p:cNvSpPr txBox="1"/>
+          <p:nvPr/>
+        </p:nvSpPr>
+        <p:spPr>
+          <a:xfrm>
+            <a:off x="761624" y="1071943"/>
+            <a:ext cx="11027428" cy="5856475"/>
+          </a:xfrm>
+          <a:prstGeom prst="rect">
+            <a:avLst/>
+          </a:prstGeom>
+        </p:spPr>
+        <p:txBody>
+          <a:bodyPr lIns="33867" tIns="33867" rIns="33867" bIns="33867" rtlCol="0" anchor="ctr"/>
+          <a:lstStyle/>
+          <a:p>
+            <a:pPr algn="ctr" defTabSz="609630" latinLnBrk="0">
+              <a:lnSpc>
+                <a:spcPts val="1773"/>
+              </a:lnSpc>
+              <a:spcBef>
+                <a:spcPct val="0"/>
+              </a:spcBef>
+            </a:pPr>
+            <a:endParaRPr sz="1200">
+              <a:solidFill>
+                <a:prstClr val="black"/>
+              </a:solidFill>
+              <a:latin typeface="Calibri"/>
+            </a:endParaRPr>
+          </a:p>
+        </p:txBody>
+      </p:sp>
+      <p:sp>
+        <p:nvSpPr>
+          <p:cNvPr id="32" name="TextBox 31">
+            <a:extLst>
+              <a:ext uri="{FF2B5EF4-FFF2-40B4-BE49-F238E27FC236}">
+                <a16:creationId xmlns:a16="http://schemas.microsoft.com/office/drawing/2014/main" id="{67A86133-2F05-4C44-81DE-79C0A129E336}"/>
+              </a:ext>
+            </a:extLst>
+          </p:cNvPr>
+          <p:cNvSpPr txBox="1"/>
+          <p:nvPr/>
+        </p:nvSpPr>
+        <p:spPr>
+          <a:xfrm>
+            <a:off x="11513819" y="6389609"/>
+            <a:ext cx="678180" cy="369332"/>
+          </a:xfrm>
+          <a:prstGeom prst="rect">
+            <a:avLst/>
+          </a:prstGeom>
+          <a:noFill/>
+        </p:spPr>
+        <p:txBody>
+          <a:bodyPr wrap="square" rtlCol="0">
+            <a:spAutoFit/>
+          </a:bodyPr>
+          <a:lstStyle/>
+          <a:p>
+            <a:pPr algn="ctr"/>
+            <a:r>
+              <a:rPr lang="en-US" altLang="ko-KR" dirty="0">
+                <a:solidFill>
+                  <a:schemeClr val="bg1"/>
+                </a:solidFill>
+              </a:rPr>
+              <a:t>11</a:t>
+            </a:r>
+            <a:endParaRPr lang="ko-KR" altLang="en-US" dirty="0">
+              <a:solidFill>
+                <a:schemeClr val="bg1"/>
+              </a:solidFill>
+            </a:endParaRPr>
+          </a:p>
+        </p:txBody>
+      </p:sp>
+      <p:pic>
+        <p:nvPicPr>
+          <p:cNvPr id="4" name="그림 3">
+            <a:extLst>
+              <a:ext uri="{FF2B5EF4-FFF2-40B4-BE49-F238E27FC236}">
+                <a16:creationId xmlns:a16="http://schemas.microsoft.com/office/drawing/2014/main" id="{D65DC76A-7A29-402D-97E9-A6B6EDAA356C}"/>
+              </a:ext>
+            </a:extLst>
+          </p:cNvPr>
+          <p:cNvPicPr>
+            <a:picLocks noChangeAspect="1"/>
+          </p:cNvPicPr>
+          <p:nvPr/>
+        </p:nvPicPr>
+        <p:blipFill>
+          <a:blip r:embed="rId3">
+            <a:extLst>
+              <a:ext uri="{28A0092B-C50C-407E-A947-70E740481C1C}">
+                <a14:useLocalDpi xmlns:a14="http://schemas.microsoft.com/office/drawing/2010/main" val="0"/>
+              </a:ext>
+            </a:extLst>
+          </a:blip>
+          <a:stretch>
+            <a:fillRect/>
+          </a:stretch>
+        </p:blipFill>
+        <p:spPr>
+          <a:xfrm>
+            <a:off x="2404546" y="1877288"/>
+            <a:ext cx="7382905" cy="4363059"/>
+          </a:xfrm>
+          <a:prstGeom prst="rect">
+            <a:avLst/>
+          </a:prstGeom>
+        </p:spPr>
+      </p:pic>
+    </p:spTree>
+    <p:extLst>
+      <p:ext uri="{BB962C8B-B14F-4D97-AF65-F5344CB8AC3E}">
+        <p14:creationId xmlns:p14="http://schemas.microsoft.com/office/powerpoint/2010/main" val="2660524815"/>
+      </p:ext>
+    </p:extLst>
+  </p:cSld>
+  <p:clrMapOvr>
+    <a:masterClrMapping/>
+  </p:clrMapOvr>
+</p:sld>
+</file>
+
+<file path=ppt/slides/slide13.xml><?xml version="1.0" encoding="utf-8"?>
+<p:sld xmlns:a="http://schemas.openxmlformats.org/drawingml/2006/main" xmlns:r="http://schemas.openxmlformats.org/officeDocument/2006/relationships" xmlns:p="http://schemas.openxmlformats.org/presentationml/2006/main">
+  <p:cSld>
+    <p:bg>
+      <p:bgPr>
+        <a:solidFill>
+          <a:srgbClr val="2C3930"/>
+        </a:solidFill>
+        <a:effectLst/>
+      </p:bgPr>
+    </p:bg>
+    <p:spTree>
+      <p:nvGrpSpPr>
+        <p:cNvPr id="1" name=""/>
+        <p:cNvGrpSpPr/>
+        <p:nvPr/>
+      </p:nvGrpSpPr>
+      <p:grpSpPr>
+        <a:xfrm>
+          <a:off x="0" y="0"/>
+          <a:ext cx="0" cy="0"/>
+          <a:chOff x="0" y="0"/>
+          <a:chExt cx="0" cy="0"/>
+        </a:xfrm>
+      </p:grpSpPr>
+      <p:sp>
+        <p:nvSpPr>
+          <p:cNvPr id="16" name="제목 1">
+            <a:extLst>
+              <a:ext uri="{FF2B5EF4-FFF2-40B4-BE49-F238E27FC236}">
+                <a16:creationId xmlns:a16="http://schemas.microsoft.com/office/drawing/2014/main" id="{DC70CEF2-FC29-4B06-A003-15A4A4202666}"/>
+              </a:ext>
+            </a:extLst>
+          </p:cNvPr>
+          <p:cNvSpPr txBox="1">
+            <a:spLocks/>
+          </p:cNvSpPr>
+          <p:nvPr/>
+        </p:nvSpPr>
+        <p:spPr>
+          <a:xfrm>
+            <a:off x="0" y="1"/>
+            <a:ext cx="12191999" cy="1453881"/>
+          </a:xfrm>
+          <a:prstGeom prst="rect">
+            <a:avLst/>
+          </a:prstGeom>
+          <a:solidFill>
+            <a:schemeClr val="bg1"/>
+          </a:solidFill>
+        </p:spPr>
+        <p:txBody>
+          <a:bodyPr vert="horz" lIns="91440" tIns="45720" rIns="91440" bIns="45720" rtlCol="0" anchor="ctr">
+            <a:normAutofit/>
+          </a:bodyPr>
+          <a:lstStyle>
+            <a:lvl1pPr algn="l" defTabSz="914400" rtl="0" eaLnBrk="1" latinLnBrk="1" hangingPunct="1">
+              <a:lnSpc>
+                <a:spcPct val="90000"/>
+              </a:lnSpc>
+              <a:spcBef>
+                <a:spcPct val="0"/>
+              </a:spcBef>
+              <a:buNone/>
+              <a:defRPr sz="4400" kern="1200">
+                <a:solidFill>
+                  <a:schemeClr val="tx1"/>
+                </a:solidFill>
+                <a:latin typeface="+mj-lt"/>
+                <a:ea typeface="+mj-ea"/>
+                <a:cs typeface="+mj-cs"/>
+              </a:defRPr>
+            </a:lvl1pPr>
+          </a:lstStyle>
+          <a:p>
+            <a:pPr marL="0" marR="0" lvl="0" indent="0" algn="ctr" defTabSz="914400" rtl="0" eaLnBrk="1" fontAlgn="auto" latinLnBrk="1" hangingPunct="1">
+              <a:lnSpc>
+                <a:spcPct val="90000"/>
+              </a:lnSpc>
+              <a:spcBef>
+                <a:spcPct val="0"/>
+              </a:spcBef>
+              <a:spcAft>
+                <a:spcPts val="0"/>
+              </a:spcAft>
+              <a:buClrTx/>
+              <a:buSzTx/>
+              <a:buFontTx/>
+              <a:buNone/>
+              <a:tabLst/>
+              <a:defRPr/>
+            </a:pPr>
+            <a:r>
+              <a:rPr kumimoji="0" lang="en-US" altLang="ko-KR" sz="4400" b="0" i="0" u="none" strike="noStrike" kern="1200" cap="none" spc="0" normalizeH="0" baseline="0" noProof="0" dirty="0">
+                <a:ln>
+                  <a:noFill/>
+                </a:ln>
+                <a:solidFill>
+                  <a:prstClr val="black"/>
+                </a:solidFill>
+                <a:effectLst/>
+                <a:uLnTx/>
+                <a:uFillTx/>
+                <a:latin typeface="맑은 고딕" panose="020F0302020204030204"/>
+                <a:ea typeface="맑은 고딕" panose="020B0503020000020004" pitchFamily="50" charset="-127"/>
+                <a:cs typeface="+mj-cs"/>
+              </a:rPr>
+              <a:t>5. 02Join.jsp </a:t>
+            </a:r>
+            <a:r>
+              <a:rPr kumimoji="0" lang="ko-KR" altLang="en-US" sz="4400" b="0" i="0" u="none" strike="noStrike" kern="1200" cap="none" spc="0" normalizeH="0" baseline="0" noProof="0" dirty="0">
+                <a:ln>
+                  <a:noFill/>
+                </a:ln>
+                <a:solidFill>
+                  <a:prstClr val="black"/>
+                </a:solidFill>
+                <a:effectLst/>
+                <a:uLnTx/>
+                <a:uFillTx/>
+                <a:latin typeface="맑은 고딕" panose="020F0302020204030204"/>
+                <a:ea typeface="맑은 고딕" panose="020B0503020000020004" pitchFamily="50" charset="-127"/>
+                <a:cs typeface="+mj-cs"/>
+              </a:rPr>
+              <a:t>구현 및 동작 설명</a:t>
+            </a:r>
+          </a:p>
+        </p:txBody>
+      </p:sp>
+      <p:pic>
+        <p:nvPicPr>
+          <p:cNvPr id="3" name="그림 2" descr="일러스트레이션, 선그림, 디자인이(가) 표시된 사진&#10;&#10;AI 생성 콘텐츠는 정확하지 않을 수 있습니다.">
+            <a:extLst>
+              <a:ext uri="{FF2B5EF4-FFF2-40B4-BE49-F238E27FC236}">
+                <a16:creationId xmlns:a16="http://schemas.microsoft.com/office/drawing/2014/main" id="{AA32B8ED-B3D2-BC65-A7A7-B9656606C411}"/>
+              </a:ext>
+            </a:extLst>
+          </p:cNvPr>
+          <p:cNvPicPr>
+            <a:picLocks noChangeAspect="1"/>
+          </p:cNvPicPr>
+          <p:nvPr/>
+        </p:nvPicPr>
+        <p:blipFill>
+          <a:blip r:embed="rId2">
+            <a:extLst>
+              <a:ext uri="{28A0092B-C50C-407E-A947-70E740481C1C}">
+                <a14:useLocalDpi xmlns:a14="http://schemas.microsoft.com/office/drawing/2010/main" val="0"/>
+              </a:ext>
+            </a:extLst>
+          </a:blip>
+          <a:stretch>
+            <a:fillRect/>
+          </a:stretch>
+        </p:blipFill>
+        <p:spPr>
+          <a:xfrm>
+            <a:off x="312511" y="319316"/>
+            <a:ext cx="815249" cy="815249"/>
+          </a:xfrm>
+          <a:prstGeom prst="rect">
+            <a:avLst/>
+          </a:prstGeom>
+        </p:spPr>
+      </p:pic>
+      <p:sp>
+        <p:nvSpPr>
+          <p:cNvPr id="11" name="TextBox 7">
+            <a:extLst>
+              <a:ext uri="{FF2B5EF4-FFF2-40B4-BE49-F238E27FC236}">
+                <a16:creationId xmlns:a16="http://schemas.microsoft.com/office/drawing/2014/main" id="{3E8ACEFC-BE3F-4B14-BC73-1BCC62CCB99F}"/>
+              </a:ext>
+            </a:extLst>
+          </p:cNvPr>
+          <p:cNvSpPr txBox="1"/>
+          <p:nvPr/>
+        </p:nvSpPr>
+        <p:spPr>
+          <a:xfrm>
+            <a:off x="1095372" y="528831"/>
+            <a:ext cx="16541142" cy="8784712"/>
+          </a:xfrm>
+          <a:prstGeom prst="rect">
+            <a:avLst/>
+          </a:prstGeom>
+        </p:spPr>
+        <p:txBody>
+          <a:bodyPr lIns="50800" tIns="50800" rIns="50800" bIns="50800" rtlCol="0" anchor="ctr"/>
+          <a:lstStyle/>
+          <a:p>
+            <a:pPr marL="0" marR="0" lvl="0" indent="0" algn="ctr" defTabSz="914400" rtl="0" eaLnBrk="1" fontAlgn="auto" latinLnBrk="1" hangingPunct="1">
+              <a:lnSpc>
+                <a:spcPts val="2659"/>
+              </a:lnSpc>
+              <a:spcBef>
+                <a:spcPct val="0"/>
+              </a:spcBef>
+              <a:spcAft>
+                <a:spcPts val="0"/>
+              </a:spcAft>
+              <a:buClrTx/>
+              <a:buSzTx/>
+              <a:buFontTx/>
+              <a:buNone/>
+              <a:tabLst/>
+              <a:defRPr/>
+            </a:pPr>
+            <a:endParaRPr kumimoji="0" sz="1800" b="0" i="0" u="none" strike="noStrike" kern="1200" cap="none" spc="0" normalizeH="0" baseline="0" noProof="0">
+              <a:ln>
+                <a:noFill/>
+              </a:ln>
+              <a:solidFill>
+                <a:prstClr val="black"/>
+              </a:solidFill>
+              <a:effectLst/>
+              <a:uLnTx/>
+              <a:uFillTx/>
+              <a:latin typeface="맑은 고딕" panose="020F0502020204030204"/>
+              <a:ea typeface="+mn-ea"/>
+              <a:cs typeface="+mn-cs"/>
+            </a:endParaRPr>
+          </a:p>
+        </p:txBody>
+      </p:sp>
+      <p:sp>
+        <p:nvSpPr>
+          <p:cNvPr id="23" name="TextBox 22">
+            <a:extLst>
+              <a:ext uri="{FF2B5EF4-FFF2-40B4-BE49-F238E27FC236}">
+                <a16:creationId xmlns:a16="http://schemas.microsoft.com/office/drawing/2014/main" id="{2D3838F2-387F-48AD-91D9-BA84FB29DA12}"/>
+              </a:ext>
+            </a:extLst>
+          </p:cNvPr>
+          <p:cNvSpPr txBox="1"/>
+          <p:nvPr/>
+        </p:nvSpPr>
+        <p:spPr>
+          <a:xfrm>
+            <a:off x="11513819" y="6389609"/>
+            <a:ext cx="678180" cy="369332"/>
+          </a:xfrm>
+          <a:prstGeom prst="rect">
+            <a:avLst/>
+          </a:prstGeom>
+          <a:noFill/>
+        </p:spPr>
+        <p:txBody>
+          <a:bodyPr wrap="square" rtlCol="0">
+            <a:spAutoFit/>
+          </a:bodyPr>
+          <a:lstStyle/>
+          <a:p>
+            <a:pPr marL="0" marR="0" lvl="0" indent="0" algn="ctr" defTabSz="914400" rtl="0" eaLnBrk="1" fontAlgn="auto" latinLnBrk="1" hangingPunct="1">
+              <a:lnSpc>
+                <a:spcPct val="100000"/>
+              </a:lnSpc>
+              <a:spcBef>
+                <a:spcPts val="0"/>
+              </a:spcBef>
+              <a:spcAft>
+                <a:spcPts val="0"/>
+              </a:spcAft>
+              <a:buClrTx/>
+              <a:buSzTx/>
+              <a:buFontTx/>
+              <a:buNone/>
+              <a:tabLst/>
+              <a:defRPr/>
+            </a:pPr>
+            <a:r>
+              <a:rPr lang="en-US" altLang="ko-KR" dirty="0">
+                <a:solidFill>
+                  <a:prstClr val="white"/>
+                </a:solidFill>
+                <a:latin typeface="맑은 고딕" panose="020F0502020204030204"/>
+                <a:ea typeface="맑은 고딕" panose="020B0503020000020004" pitchFamily="50" charset="-127"/>
+              </a:rPr>
+              <a:t>12</a:t>
+            </a:r>
+            <a:endParaRPr kumimoji="0" lang="ko-KR" altLang="en-US" sz="1800" b="0" i="0" u="none" strike="noStrike" kern="1200" cap="none" spc="0" normalizeH="0" baseline="0" noProof="0" dirty="0">
+              <a:ln>
+                <a:noFill/>
+              </a:ln>
+              <a:solidFill>
+                <a:prstClr val="white"/>
+              </a:solidFill>
+              <a:effectLst/>
+              <a:uLnTx/>
+              <a:uFillTx/>
+              <a:latin typeface="맑은 고딕" panose="020F0502020204030204"/>
+              <a:ea typeface="맑은 고딕" panose="020B0503020000020004" pitchFamily="50" charset="-127"/>
+              <a:cs typeface="+mn-cs"/>
+            </a:endParaRPr>
+          </a:p>
+        </p:txBody>
+      </p:sp>
+      <p:pic>
+        <p:nvPicPr>
+          <p:cNvPr id="6" name="그림 5">
+            <a:extLst>
+              <a:ext uri="{FF2B5EF4-FFF2-40B4-BE49-F238E27FC236}">
+                <a16:creationId xmlns:a16="http://schemas.microsoft.com/office/drawing/2014/main" id="{83FCEA46-FAE2-4130-AD44-EE520772378C}"/>
+              </a:ext>
+            </a:extLst>
+          </p:cNvPr>
+          <p:cNvPicPr>
+            <a:picLocks noChangeAspect="1"/>
+          </p:cNvPicPr>
+          <p:nvPr/>
+        </p:nvPicPr>
+        <p:blipFill rotWithShape="1">
+          <a:blip r:embed="rId3"/>
+          <a:srcRect l="12964" t="9143" r="51259" b="18475"/>
+          <a:stretch/>
+        </p:blipFill>
+        <p:spPr>
+          <a:xfrm>
+            <a:off x="1494006" y="1663887"/>
+            <a:ext cx="4361906" cy="4963886"/>
+          </a:xfrm>
+          <a:prstGeom prst="rect">
+            <a:avLst/>
+          </a:prstGeom>
+        </p:spPr>
+      </p:pic>
+      <p:pic>
+        <p:nvPicPr>
+          <p:cNvPr id="8" name="그림 7">
+            <a:extLst>
+              <a:ext uri="{FF2B5EF4-FFF2-40B4-BE49-F238E27FC236}">
+                <a16:creationId xmlns:a16="http://schemas.microsoft.com/office/drawing/2014/main" id="{7BCD1A97-9E6A-40E0-AE4C-6006A4481F1F}"/>
+              </a:ext>
+            </a:extLst>
+          </p:cNvPr>
+          <p:cNvPicPr>
+            <a:picLocks noChangeAspect="1"/>
+          </p:cNvPicPr>
+          <p:nvPr/>
+        </p:nvPicPr>
+        <p:blipFill rotWithShape="1">
+          <a:blip r:embed="rId4"/>
+          <a:srcRect l="12750" t="11619" r="49157" b="17588"/>
+          <a:stretch/>
+        </p:blipFill>
+        <p:spPr>
+          <a:xfrm>
+            <a:off x="5949252" y="1663722"/>
+            <a:ext cx="4748742" cy="4964215"/>
+          </a:xfrm>
+          <a:prstGeom prst="rect">
+            <a:avLst/>
+          </a:prstGeom>
+        </p:spPr>
+      </p:pic>
+    </p:spTree>
+    <p:extLst>
+      <p:ext uri="{BB962C8B-B14F-4D97-AF65-F5344CB8AC3E}">
+        <p14:creationId xmlns:p14="http://schemas.microsoft.com/office/powerpoint/2010/main" val="2705721645"/>
+      </p:ext>
+    </p:extLst>
+  </p:cSld>
+  <p:clrMapOvr>
+    <a:masterClrMapping/>
+  </p:clrMapOvr>
+</p:sld>
+</file>
+
+<file path=ppt/slides/slide14.xml><?xml version="1.0" encoding="utf-8"?>
+<p:sld xmlns:a="http://schemas.openxmlformats.org/drawingml/2006/main" xmlns:r="http://schemas.openxmlformats.org/officeDocument/2006/relationships" xmlns:p="http://schemas.openxmlformats.org/presentationml/2006/main">
+  <p:cSld>
+    <p:bg>
+      <p:bgPr>
+        <a:solidFill>
+          <a:srgbClr val="2C3930"/>
+        </a:solidFill>
+        <a:effectLst/>
+      </p:bgPr>
+    </p:bg>
+    <p:spTree>
+      <p:nvGrpSpPr>
+        <p:cNvPr id="1" name=""/>
+        <p:cNvGrpSpPr/>
+        <p:nvPr/>
+      </p:nvGrpSpPr>
+      <p:grpSpPr>
+        <a:xfrm>
+          <a:off x="0" y="0"/>
+          <a:ext cx="0" cy="0"/>
+          <a:chOff x="0" y="0"/>
+          <a:chExt cx="0" cy="0"/>
+        </a:xfrm>
+      </p:grpSpPr>
+      <p:sp>
+        <p:nvSpPr>
+          <p:cNvPr id="16" name="제목 1">
+            <a:extLst>
+              <a:ext uri="{FF2B5EF4-FFF2-40B4-BE49-F238E27FC236}">
+                <a16:creationId xmlns:a16="http://schemas.microsoft.com/office/drawing/2014/main" id="{DC70CEF2-FC29-4B06-A003-15A4A4202666}"/>
+              </a:ext>
+            </a:extLst>
+          </p:cNvPr>
+          <p:cNvSpPr txBox="1">
+            <a:spLocks/>
+          </p:cNvSpPr>
+          <p:nvPr/>
+        </p:nvSpPr>
+        <p:spPr>
+          <a:xfrm>
+            <a:off x="0" y="1"/>
+            <a:ext cx="12191999" cy="1453881"/>
+          </a:xfrm>
+          <a:prstGeom prst="rect">
+            <a:avLst/>
+          </a:prstGeom>
+          <a:solidFill>
+            <a:schemeClr val="bg1"/>
+          </a:solidFill>
+        </p:spPr>
+        <p:txBody>
+          <a:bodyPr vert="horz" lIns="91440" tIns="45720" rIns="91440" bIns="45720" rtlCol="0" anchor="ctr">
+            <a:normAutofit/>
+          </a:bodyPr>
+          <a:lstStyle>
+            <a:lvl1pPr algn="l" defTabSz="914400" rtl="0" eaLnBrk="1" latinLnBrk="1" hangingPunct="1">
+              <a:lnSpc>
+                <a:spcPct val="90000"/>
+              </a:lnSpc>
+              <a:spcBef>
+                <a:spcPct val="0"/>
+              </a:spcBef>
+              <a:buNone/>
+              <a:defRPr sz="4400" kern="1200">
+                <a:solidFill>
+                  <a:schemeClr val="tx1"/>
+                </a:solidFill>
+                <a:latin typeface="+mj-lt"/>
+                <a:ea typeface="+mj-ea"/>
+                <a:cs typeface="+mj-cs"/>
+              </a:defRPr>
+            </a:lvl1pPr>
+          </a:lstStyle>
+          <a:p>
+            <a:pPr marL="0" marR="0" lvl="0" indent="0" algn="ctr" defTabSz="914400" rtl="0" eaLnBrk="1" fontAlgn="auto" latinLnBrk="1" hangingPunct="1">
+              <a:lnSpc>
+                <a:spcPct val="90000"/>
+              </a:lnSpc>
+              <a:spcBef>
+                <a:spcPct val="0"/>
+              </a:spcBef>
+              <a:spcAft>
+                <a:spcPts val="0"/>
+              </a:spcAft>
+              <a:buClrTx/>
+              <a:buSzTx/>
+              <a:buFontTx/>
+              <a:buNone/>
+              <a:tabLst/>
+              <a:defRPr/>
+            </a:pPr>
+            <a:r>
+              <a:rPr kumimoji="0" lang="en-US" altLang="ko-KR" sz="4400" b="0" i="0" u="none" strike="noStrike" kern="1200" cap="none" spc="0" normalizeH="0" baseline="0" noProof="0" dirty="0">
+                <a:ln>
+                  <a:noFill/>
+                </a:ln>
+                <a:solidFill>
+                  <a:prstClr val="black"/>
+                </a:solidFill>
+                <a:effectLst/>
+                <a:uLnTx/>
+                <a:uFillTx/>
+                <a:latin typeface="맑은 고딕" panose="020F0302020204030204"/>
+                <a:ea typeface="맑은 고딕" panose="020B0503020000020004" pitchFamily="50" charset="-127"/>
+                <a:cs typeface="+mj-cs"/>
+              </a:rPr>
+              <a:t>5. 02Join.jsp </a:t>
+            </a:r>
+            <a:r>
+              <a:rPr kumimoji="0" lang="ko-KR" altLang="en-US" sz="4400" b="0" i="0" u="none" strike="noStrike" kern="1200" cap="none" spc="0" normalizeH="0" baseline="0" noProof="0" dirty="0">
+                <a:ln>
+                  <a:noFill/>
+                </a:ln>
+                <a:solidFill>
+                  <a:prstClr val="black"/>
+                </a:solidFill>
+                <a:effectLst/>
+                <a:uLnTx/>
+                <a:uFillTx/>
+                <a:latin typeface="맑은 고딕" panose="020F0302020204030204"/>
+                <a:ea typeface="맑은 고딕" panose="020B0503020000020004" pitchFamily="50" charset="-127"/>
+                <a:cs typeface="+mj-cs"/>
+              </a:rPr>
+              <a:t>구현 및 동작 설명</a:t>
+            </a:r>
+          </a:p>
+        </p:txBody>
+      </p:sp>
+      <p:pic>
+        <p:nvPicPr>
+          <p:cNvPr id="3" name="그림 2" descr="일러스트레이션, 선그림, 디자인이(가) 표시된 사진&#10;&#10;AI 생성 콘텐츠는 정확하지 않을 수 있습니다.">
+            <a:extLst>
+              <a:ext uri="{FF2B5EF4-FFF2-40B4-BE49-F238E27FC236}">
+                <a16:creationId xmlns:a16="http://schemas.microsoft.com/office/drawing/2014/main" id="{AA32B8ED-B3D2-BC65-A7A7-B9656606C411}"/>
+              </a:ext>
+            </a:extLst>
+          </p:cNvPr>
+          <p:cNvPicPr>
+            <a:picLocks noChangeAspect="1"/>
+          </p:cNvPicPr>
+          <p:nvPr/>
+        </p:nvPicPr>
+        <p:blipFill>
+          <a:blip r:embed="rId2">
+            <a:extLst>
+              <a:ext uri="{28A0092B-C50C-407E-A947-70E740481C1C}">
+                <a14:useLocalDpi xmlns:a14="http://schemas.microsoft.com/office/drawing/2010/main" val="0"/>
+              </a:ext>
+            </a:extLst>
+          </a:blip>
+          <a:stretch>
+            <a:fillRect/>
+          </a:stretch>
+        </p:blipFill>
+        <p:spPr>
+          <a:xfrm>
+            <a:off x="312511" y="319316"/>
+            <a:ext cx="815249" cy="815249"/>
+          </a:xfrm>
+          <a:prstGeom prst="rect">
+            <a:avLst/>
+          </a:prstGeom>
+        </p:spPr>
+      </p:pic>
+      <p:sp>
+        <p:nvSpPr>
+          <p:cNvPr id="11" name="TextBox 7">
+            <a:extLst>
+              <a:ext uri="{FF2B5EF4-FFF2-40B4-BE49-F238E27FC236}">
+                <a16:creationId xmlns:a16="http://schemas.microsoft.com/office/drawing/2014/main" id="{3E8ACEFC-BE3F-4B14-BC73-1BCC62CCB99F}"/>
+              </a:ext>
+            </a:extLst>
+          </p:cNvPr>
+          <p:cNvSpPr txBox="1"/>
+          <p:nvPr/>
+        </p:nvSpPr>
+        <p:spPr>
+          <a:xfrm>
+            <a:off x="1095372" y="528831"/>
+            <a:ext cx="16541142" cy="8784712"/>
+          </a:xfrm>
+          <a:prstGeom prst="rect">
+            <a:avLst/>
+          </a:prstGeom>
+        </p:spPr>
+        <p:txBody>
+          <a:bodyPr lIns="50800" tIns="50800" rIns="50800" bIns="50800" rtlCol="0" anchor="ctr"/>
+          <a:lstStyle/>
+          <a:p>
+            <a:pPr marL="0" marR="0" lvl="0" indent="0" algn="ctr" defTabSz="914400" rtl="0" eaLnBrk="1" fontAlgn="auto" latinLnBrk="1" hangingPunct="1">
+              <a:lnSpc>
+                <a:spcPts val="2659"/>
+              </a:lnSpc>
+              <a:spcBef>
+                <a:spcPct val="0"/>
+              </a:spcBef>
+              <a:spcAft>
+                <a:spcPts val="0"/>
+              </a:spcAft>
+              <a:buClrTx/>
+              <a:buSzTx/>
+              <a:buFontTx/>
+              <a:buNone/>
+              <a:tabLst/>
+              <a:defRPr/>
+            </a:pPr>
+            <a:endParaRPr kumimoji="0" sz="1800" b="0" i="0" u="none" strike="noStrike" kern="1200" cap="none" spc="0" normalizeH="0" baseline="0" noProof="0">
+              <a:ln>
+                <a:noFill/>
+              </a:ln>
+              <a:solidFill>
+                <a:prstClr val="black"/>
+              </a:solidFill>
+              <a:effectLst/>
+              <a:uLnTx/>
+              <a:uFillTx/>
+              <a:latin typeface="맑은 고딕" panose="020F0502020204030204"/>
+              <a:ea typeface="+mn-ea"/>
+              <a:cs typeface="+mn-cs"/>
+            </a:endParaRPr>
+          </a:p>
+        </p:txBody>
+      </p:sp>
+      <p:sp>
+        <p:nvSpPr>
+          <p:cNvPr id="23" name="TextBox 22">
+            <a:extLst>
+              <a:ext uri="{FF2B5EF4-FFF2-40B4-BE49-F238E27FC236}">
+                <a16:creationId xmlns:a16="http://schemas.microsoft.com/office/drawing/2014/main" id="{2D3838F2-387F-48AD-91D9-BA84FB29DA12}"/>
+              </a:ext>
+            </a:extLst>
+          </p:cNvPr>
+          <p:cNvSpPr txBox="1"/>
+          <p:nvPr/>
+        </p:nvSpPr>
+        <p:spPr>
+          <a:xfrm>
+            <a:off x="11513819" y="6389609"/>
+            <a:ext cx="678180" cy="369332"/>
+          </a:xfrm>
+          <a:prstGeom prst="rect">
+            <a:avLst/>
+          </a:prstGeom>
+          <a:noFill/>
+        </p:spPr>
+        <p:txBody>
+          <a:bodyPr wrap="square" rtlCol="0">
+            <a:spAutoFit/>
+          </a:bodyPr>
+          <a:lstStyle/>
+          <a:p>
+            <a:pPr marL="0" marR="0" lvl="0" indent="0" algn="ctr" defTabSz="914400" rtl="0" eaLnBrk="1" fontAlgn="auto" latinLnBrk="1" hangingPunct="1">
+              <a:lnSpc>
+                <a:spcPct val="100000"/>
+              </a:lnSpc>
+              <a:spcBef>
+                <a:spcPts val="0"/>
+              </a:spcBef>
+              <a:spcAft>
+                <a:spcPts val="0"/>
+              </a:spcAft>
+              <a:buClrTx/>
+              <a:buSzTx/>
+              <a:buFontTx/>
+              <a:buNone/>
+              <a:tabLst/>
+              <a:defRPr/>
+            </a:pPr>
+            <a:r>
+              <a:rPr lang="en-US" altLang="ko-KR" dirty="0">
+                <a:solidFill>
+                  <a:prstClr val="white"/>
+                </a:solidFill>
+                <a:latin typeface="맑은 고딕" panose="020F0502020204030204"/>
+                <a:ea typeface="맑은 고딕" panose="020B0503020000020004" pitchFamily="50" charset="-127"/>
+              </a:rPr>
+              <a:t>13</a:t>
+            </a:r>
+            <a:endParaRPr kumimoji="0" lang="ko-KR" altLang="en-US" sz="1800" b="0" i="0" u="none" strike="noStrike" kern="1200" cap="none" spc="0" normalizeH="0" baseline="0" noProof="0" dirty="0">
+              <a:ln>
+                <a:noFill/>
+              </a:ln>
+              <a:solidFill>
+                <a:prstClr val="white"/>
+              </a:solidFill>
+              <a:effectLst/>
+              <a:uLnTx/>
+              <a:uFillTx/>
+              <a:latin typeface="맑은 고딕" panose="020F0502020204030204"/>
+              <a:ea typeface="맑은 고딕" panose="020B0503020000020004" pitchFamily="50" charset="-127"/>
+              <a:cs typeface="+mn-cs"/>
+            </a:endParaRPr>
+          </a:p>
+        </p:txBody>
+      </p:sp>
+      <p:pic>
+        <p:nvPicPr>
+          <p:cNvPr id="4" name="그림 3">
+            <a:extLst>
+              <a:ext uri="{FF2B5EF4-FFF2-40B4-BE49-F238E27FC236}">
+                <a16:creationId xmlns:a16="http://schemas.microsoft.com/office/drawing/2014/main" id="{3D682AD2-7C85-491E-92D0-53E2BB802D00}"/>
+              </a:ext>
+            </a:extLst>
+          </p:cNvPr>
+          <p:cNvPicPr>
+            <a:picLocks noChangeAspect="1"/>
+          </p:cNvPicPr>
+          <p:nvPr/>
+        </p:nvPicPr>
+        <p:blipFill rotWithShape="1">
+          <a:blip r:embed="rId3"/>
+          <a:srcRect l="12827" t="10241" r="48298" b="20193"/>
+          <a:stretch/>
+        </p:blipFill>
+        <p:spPr>
+          <a:xfrm>
+            <a:off x="1246927" y="1773197"/>
+            <a:ext cx="4739640" cy="4770783"/>
+          </a:xfrm>
+          <a:prstGeom prst="rect">
+            <a:avLst/>
+          </a:prstGeom>
+        </p:spPr>
+      </p:pic>
+      <p:pic>
+        <p:nvPicPr>
+          <p:cNvPr id="7" name="그림 6">
+            <a:extLst>
+              <a:ext uri="{FF2B5EF4-FFF2-40B4-BE49-F238E27FC236}">
+                <a16:creationId xmlns:a16="http://schemas.microsoft.com/office/drawing/2014/main" id="{BFFD40FB-32F8-4B9B-8AD1-CCB7A2554C3E}"/>
+              </a:ext>
+            </a:extLst>
+          </p:cNvPr>
+          <p:cNvPicPr>
+            <a:picLocks noChangeAspect="1"/>
+          </p:cNvPicPr>
+          <p:nvPr/>
+        </p:nvPicPr>
+        <p:blipFill rotWithShape="1">
+          <a:blip r:embed="rId4"/>
+          <a:srcRect l="12826" t="19628" r="52500" b="19196"/>
+          <a:stretch/>
+        </p:blipFill>
+        <p:spPr>
+          <a:xfrm>
+            <a:off x="6096000" y="1773197"/>
+            <a:ext cx="4807163" cy="4770782"/>
+          </a:xfrm>
+          <a:prstGeom prst="rect">
+            <a:avLst/>
+          </a:prstGeom>
+        </p:spPr>
+      </p:pic>
+    </p:spTree>
+    <p:extLst>
+      <p:ext uri="{BB962C8B-B14F-4D97-AF65-F5344CB8AC3E}">
+        <p14:creationId xmlns:p14="http://schemas.microsoft.com/office/powerpoint/2010/main" val="4117230594"/>
+      </p:ext>
+    </p:extLst>
+  </p:cSld>
+  <p:clrMapOvr>
+    <a:masterClrMapping/>
+  </p:clrMapOvr>
+</p:sld>
+</file>
+
+<file path=ppt/slides/slide15.xml><?xml version="1.0" encoding="utf-8"?>
+<p:sld xmlns:a="http://schemas.openxmlformats.org/drawingml/2006/main" xmlns:r="http://schemas.openxmlformats.org/officeDocument/2006/relationships" xmlns:p="http://schemas.openxmlformats.org/presentationml/2006/main">
+  <p:cSld>
+    <p:bg>
+      <p:bgPr>
+        <a:solidFill>
+          <a:srgbClr val="2C3930"/>
+        </a:solidFill>
+        <a:effectLst/>
+      </p:bgPr>
+    </p:bg>
+    <p:spTree>
+      <p:nvGrpSpPr>
+        <p:cNvPr id="1" name=""/>
+        <p:cNvGrpSpPr/>
+        <p:nvPr/>
+      </p:nvGrpSpPr>
+      <p:grpSpPr>
+        <a:xfrm>
+          <a:off x="0" y="0"/>
+          <a:ext cx="0" cy="0"/>
+          <a:chOff x="0" y="0"/>
+          <a:chExt cx="0" cy="0"/>
+        </a:xfrm>
+      </p:grpSpPr>
+      <p:sp>
+        <p:nvSpPr>
+          <p:cNvPr id="16" name="제목 1">
+            <a:extLst>
+              <a:ext uri="{FF2B5EF4-FFF2-40B4-BE49-F238E27FC236}">
+                <a16:creationId xmlns:a16="http://schemas.microsoft.com/office/drawing/2014/main" id="{DC70CEF2-FC29-4B06-A003-15A4A4202666}"/>
+              </a:ext>
+            </a:extLst>
+          </p:cNvPr>
+          <p:cNvSpPr txBox="1">
+            <a:spLocks/>
+          </p:cNvSpPr>
+          <p:nvPr/>
+        </p:nvSpPr>
+        <p:spPr>
+          <a:xfrm>
+            <a:off x="0" y="1"/>
+            <a:ext cx="12191999" cy="1453881"/>
+          </a:xfrm>
+          <a:prstGeom prst="rect">
+            <a:avLst/>
+          </a:prstGeom>
+          <a:solidFill>
+            <a:schemeClr val="bg1"/>
+          </a:solidFill>
+        </p:spPr>
+        <p:txBody>
+          <a:bodyPr vert="horz" lIns="91440" tIns="45720" rIns="91440" bIns="45720" rtlCol="0" anchor="ctr">
+            <a:normAutofit/>
+          </a:bodyPr>
+          <a:lstStyle>
+            <a:lvl1pPr algn="l" defTabSz="914400" rtl="0" eaLnBrk="1" latinLnBrk="1" hangingPunct="1">
+              <a:lnSpc>
+                <a:spcPct val="90000"/>
+              </a:lnSpc>
+              <a:spcBef>
+                <a:spcPct val="0"/>
+              </a:spcBef>
+              <a:buNone/>
+              <a:defRPr sz="4400" kern="1200">
+                <a:solidFill>
+                  <a:schemeClr val="tx1"/>
+                </a:solidFill>
+                <a:latin typeface="+mj-lt"/>
+                <a:ea typeface="+mj-ea"/>
+                <a:cs typeface="+mj-cs"/>
+              </a:defRPr>
+            </a:lvl1pPr>
+          </a:lstStyle>
+          <a:p>
+            <a:pPr algn="ctr"/>
+            <a:r>
+              <a:rPr lang="en-US" altLang="ko-KR" dirty="0"/>
+              <a:t>6. </a:t>
+            </a:r>
+            <a:r>
+              <a:rPr lang="ko-KR" altLang="en-US" dirty="0"/>
+              <a:t>회원가입 성공 예시</a:t>
+            </a:r>
+          </a:p>
+        </p:txBody>
+      </p:sp>
+      <p:pic>
+        <p:nvPicPr>
+          <p:cNvPr id="3" name="그림 2" descr="일러스트레이션, 선그림, 디자인이(가) 표시된 사진&#10;&#10;AI 생성 콘텐츠는 정확하지 않을 수 있습니다.">
+            <a:extLst>
+              <a:ext uri="{FF2B5EF4-FFF2-40B4-BE49-F238E27FC236}">
+                <a16:creationId xmlns:a16="http://schemas.microsoft.com/office/drawing/2014/main" id="{AA32B8ED-B3D2-BC65-A7A7-B9656606C411}"/>
+              </a:ext>
+            </a:extLst>
+          </p:cNvPr>
+          <p:cNvPicPr>
+            <a:picLocks noChangeAspect="1"/>
+          </p:cNvPicPr>
+          <p:nvPr/>
+        </p:nvPicPr>
+        <p:blipFill>
+          <a:blip r:embed="rId2">
+            <a:extLst>
+              <a:ext uri="{28A0092B-C50C-407E-A947-70E740481C1C}">
+                <a14:useLocalDpi xmlns:a14="http://schemas.microsoft.com/office/drawing/2010/main" val="0"/>
+              </a:ext>
+            </a:extLst>
+          </a:blip>
+          <a:stretch>
+            <a:fillRect/>
+          </a:stretch>
+        </p:blipFill>
+        <p:spPr>
+          <a:xfrm>
+            <a:off x="312511" y="319316"/>
+            <a:ext cx="815249" cy="815249"/>
+          </a:xfrm>
+          <a:prstGeom prst="rect">
+            <a:avLst/>
+          </a:prstGeom>
+        </p:spPr>
+      </p:pic>
+      <p:sp>
+        <p:nvSpPr>
+          <p:cNvPr id="11" name="TextBox 7">
+            <a:extLst>
+              <a:ext uri="{FF2B5EF4-FFF2-40B4-BE49-F238E27FC236}">
+                <a16:creationId xmlns:a16="http://schemas.microsoft.com/office/drawing/2014/main" id="{3E8ACEFC-BE3F-4B14-BC73-1BCC62CCB99F}"/>
+              </a:ext>
+            </a:extLst>
+          </p:cNvPr>
+          <p:cNvSpPr txBox="1"/>
+          <p:nvPr/>
+        </p:nvSpPr>
+        <p:spPr>
+          <a:xfrm>
+            <a:off x="1095372" y="528831"/>
+            <a:ext cx="16541142" cy="8784712"/>
+          </a:xfrm>
+          <a:prstGeom prst="rect">
+            <a:avLst/>
+          </a:prstGeom>
+        </p:spPr>
+        <p:txBody>
+          <a:bodyPr lIns="50800" tIns="50800" rIns="50800" bIns="50800" rtlCol="0" anchor="ctr"/>
+          <a:lstStyle/>
+          <a:p>
+            <a:pPr algn="ctr">
+              <a:lnSpc>
+                <a:spcPts val="2659"/>
+              </a:lnSpc>
+              <a:spcBef>
+                <a:spcPct val="0"/>
+              </a:spcBef>
+            </a:pPr>
+            <a:endParaRPr/>
+          </a:p>
+        </p:txBody>
+      </p:sp>
+      <p:sp>
+        <p:nvSpPr>
+          <p:cNvPr id="23" name="TextBox 22">
+            <a:extLst>
+              <a:ext uri="{FF2B5EF4-FFF2-40B4-BE49-F238E27FC236}">
+                <a16:creationId xmlns:a16="http://schemas.microsoft.com/office/drawing/2014/main" id="{2D3838F2-387F-48AD-91D9-BA84FB29DA12}"/>
+              </a:ext>
+            </a:extLst>
+          </p:cNvPr>
+          <p:cNvSpPr txBox="1"/>
+          <p:nvPr/>
+        </p:nvSpPr>
+        <p:spPr>
+          <a:xfrm>
+            <a:off x="11513819" y="6389609"/>
+            <a:ext cx="678180" cy="369332"/>
+          </a:xfrm>
+          <a:prstGeom prst="rect">
+            <a:avLst/>
+          </a:prstGeom>
+          <a:noFill/>
+        </p:spPr>
+        <p:txBody>
+          <a:bodyPr wrap="square" rtlCol="0">
+            <a:spAutoFit/>
+          </a:bodyPr>
+          <a:lstStyle/>
+          <a:p>
+            <a:pPr algn="ctr"/>
+            <a:r>
+              <a:rPr lang="en-US" altLang="ko-KR" dirty="0">
+                <a:solidFill>
+                  <a:schemeClr val="bg1"/>
+                </a:solidFill>
+              </a:rPr>
+              <a:t>14</a:t>
+            </a:r>
+            <a:endParaRPr lang="ko-KR" altLang="en-US" dirty="0">
+              <a:solidFill>
+                <a:schemeClr val="bg1"/>
+              </a:solidFill>
+            </a:endParaRPr>
+          </a:p>
+        </p:txBody>
+      </p:sp>
+      <p:pic>
+        <p:nvPicPr>
+          <p:cNvPr id="4" name="그림 3">
+            <a:extLst>
+              <a:ext uri="{FF2B5EF4-FFF2-40B4-BE49-F238E27FC236}">
+                <a16:creationId xmlns:a16="http://schemas.microsoft.com/office/drawing/2014/main" id="{24C23D80-C49C-45D7-8A66-33746DD817B4}"/>
+              </a:ext>
+            </a:extLst>
+          </p:cNvPr>
+          <p:cNvPicPr>
+            <a:picLocks noChangeAspect="1"/>
+          </p:cNvPicPr>
+          <p:nvPr/>
+        </p:nvPicPr>
+        <p:blipFill>
+          <a:blip r:embed="rId3">
+            <a:extLst>
+              <a:ext uri="{28A0092B-C50C-407E-A947-70E740481C1C}">
+                <a14:useLocalDpi xmlns:a14="http://schemas.microsoft.com/office/drawing/2010/main" val="0"/>
+              </a:ext>
+            </a:extLst>
+          </a:blip>
+          <a:stretch>
+            <a:fillRect/>
+          </a:stretch>
+        </p:blipFill>
+        <p:spPr>
+          <a:xfrm>
+            <a:off x="312511" y="1698988"/>
+            <a:ext cx="2599021" cy="4875287"/>
+          </a:xfrm>
+          <a:prstGeom prst="rect">
+            <a:avLst/>
+          </a:prstGeom>
+          <a:ln w="28575">
+            <a:solidFill>
+              <a:schemeClr val="accent4"/>
+            </a:solidFill>
+          </a:ln>
+        </p:spPr>
+      </p:pic>
+      <p:pic>
+        <p:nvPicPr>
+          <p:cNvPr id="6" name="그림 5">
+            <a:extLst>
+              <a:ext uri="{FF2B5EF4-FFF2-40B4-BE49-F238E27FC236}">
+                <a16:creationId xmlns:a16="http://schemas.microsoft.com/office/drawing/2014/main" id="{D281745D-91D1-472C-92BD-C0498CE97209}"/>
+              </a:ext>
+            </a:extLst>
+          </p:cNvPr>
+          <p:cNvPicPr>
+            <a:picLocks noChangeAspect="1"/>
+          </p:cNvPicPr>
+          <p:nvPr/>
+        </p:nvPicPr>
+        <p:blipFill rotWithShape="1">
+          <a:blip r:embed="rId4">
+            <a:extLst>
+              <a:ext uri="{28A0092B-C50C-407E-A947-70E740481C1C}">
+                <a14:useLocalDpi xmlns:a14="http://schemas.microsoft.com/office/drawing/2010/main" val="0"/>
+              </a:ext>
+            </a:extLst>
+          </a:blip>
+          <a:srcRect r="42111"/>
+          <a:stretch/>
+        </p:blipFill>
+        <p:spPr>
+          <a:xfrm>
+            <a:off x="3354772" y="3050086"/>
+            <a:ext cx="3408093" cy="1743318"/>
+          </a:xfrm>
+          <a:prstGeom prst="rect">
+            <a:avLst/>
+          </a:prstGeom>
+          <a:ln w="28575">
+            <a:solidFill>
+              <a:schemeClr val="accent4"/>
+            </a:solidFill>
+          </a:ln>
+        </p:spPr>
+      </p:pic>
+      <p:pic>
+        <p:nvPicPr>
+          <p:cNvPr id="8" name="그림 7">
+            <a:extLst>
+              <a:ext uri="{FF2B5EF4-FFF2-40B4-BE49-F238E27FC236}">
+                <a16:creationId xmlns:a16="http://schemas.microsoft.com/office/drawing/2014/main" id="{39CD5911-6FBA-4CB4-8C89-EAD33528E579}"/>
+              </a:ext>
+            </a:extLst>
+          </p:cNvPr>
+          <p:cNvPicPr>
+            <a:picLocks noChangeAspect="1"/>
+          </p:cNvPicPr>
+          <p:nvPr/>
+        </p:nvPicPr>
+        <p:blipFill>
+          <a:blip r:embed="rId5">
+            <a:extLst>
+              <a:ext uri="{28A0092B-C50C-407E-A947-70E740481C1C}">
+                <a14:useLocalDpi xmlns:a14="http://schemas.microsoft.com/office/drawing/2010/main" val="0"/>
+              </a:ext>
+            </a:extLst>
+          </a:blip>
+          <a:stretch>
+            <a:fillRect/>
+          </a:stretch>
+        </p:blipFill>
+        <p:spPr>
+          <a:xfrm>
+            <a:off x="7206106" y="4346145"/>
+            <a:ext cx="4646801" cy="2043463"/>
+          </a:xfrm>
+          <a:prstGeom prst="rect">
+            <a:avLst/>
+          </a:prstGeom>
+        </p:spPr>
+      </p:pic>
+      <p:pic>
+        <p:nvPicPr>
+          <p:cNvPr id="10" name="그림 9">
+            <a:extLst>
+              <a:ext uri="{FF2B5EF4-FFF2-40B4-BE49-F238E27FC236}">
+                <a16:creationId xmlns:a16="http://schemas.microsoft.com/office/drawing/2014/main" id="{20CD2B9C-AB73-45F9-AA65-78F5F5534CFA}"/>
+              </a:ext>
+            </a:extLst>
+          </p:cNvPr>
+          <p:cNvPicPr>
+            <a:picLocks noChangeAspect="1"/>
+          </p:cNvPicPr>
+          <p:nvPr/>
+        </p:nvPicPr>
+        <p:blipFill>
+          <a:blip r:embed="rId6">
+            <a:extLst>
+              <a:ext uri="{28A0092B-C50C-407E-A947-70E740481C1C}">
+                <a14:useLocalDpi xmlns:a14="http://schemas.microsoft.com/office/drawing/2010/main" val="0"/>
+              </a:ext>
+            </a:extLst>
+          </a:blip>
+          <a:stretch>
+            <a:fillRect/>
+          </a:stretch>
+        </p:blipFill>
+        <p:spPr>
+          <a:xfrm>
+            <a:off x="7206107" y="1757271"/>
+            <a:ext cx="4646801" cy="2379360"/>
+          </a:xfrm>
+          <a:prstGeom prst="rect">
+            <a:avLst/>
+          </a:prstGeom>
+          <a:ln w="28575">
+            <a:solidFill>
+              <a:schemeClr val="accent4"/>
+            </a:solidFill>
+          </a:ln>
+        </p:spPr>
+      </p:pic>
+      <p:cxnSp>
+        <p:nvCxnSpPr>
+          <p:cNvPr id="17" name="연결선: 꺾임 16">
+            <a:extLst>
+              <a:ext uri="{FF2B5EF4-FFF2-40B4-BE49-F238E27FC236}">
+                <a16:creationId xmlns:a16="http://schemas.microsoft.com/office/drawing/2014/main" id="{9A39E46D-FA40-46D1-864F-23B34EB44CCC}"/>
+              </a:ext>
+            </a:extLst>
+          </p:cNvPr>
+          <p:cNvCxnSpPr>
+            <a:cxnSpLocks/>
+            <a:stCxn id="4" idx="3"/>
+            <a:endCxn id="6" idx="1"/>
+          </p:cNvCxnSpPr>
+          <p:nvPr/>
+        </p:nvCxnSpPr>
+        <p:spPr>
+          <a:xfrm flipV="1">
+            <a:off x="2911532" y="3921745"/>
+            <a:ext cx="443240" cy="214887"/>
+          </a:xfrm>
+          <a:prstGeom prst="bentConnector3">
+            <a:avLst/>
+          </a:prstGeom>
+          <a:ln w="28575">
+            <a:solidFill>
+              <a:schemeClr val="accent4"/>
+            </a:solidFill>
+            <a:tailEnd type="triangle"/>
+          </a:ln>
+        </p:spPr>
+        <p:style>
+          <a:lnRef idx="1">
+            <a:schemeClr val="accent1"/>
+          </a:lnRef>
+          <a:fillRef idx="0">
+            <a:schemeClr val="accent1"/>
+          </a:fillRef>
+          <a:effectRef idx="0">
+            <a:schemeClr val="accent1"/>
+          </a:effectRef>
+          <a:fontRef idx="minor">
+            <a:schemeClr val="tx1"/>
+          </a:fontRef>
+        </p:style>
+      </p:cxnSp>
+      <p:cxnSp>
+        <p:nvCxnSpPr>
+          <p:cNvPr id="20" name="연결선: 꺾임 19">
+            <a:extLst>
+              <a:ext uri="{FF2B5EF4-FFF2-40B4-BE49-F238E27FC236}">
+                <a16:creationId xmlns:a16="http://schemas.microsoft.com/office/drawing/2014/main" id="{2F0381D3-3993-41D3-B638-6DD4635C77B5}"/>
+              </a:ext>
+            </a:extLst>
+          </p:cNvPr>
+          <p:cNvCxnSpPr>
+            <a:cxnSpLocks/>
+            <a:stCxn id="6" idx="3"/>
+            <a:endCxn id="10" idx="1"/>
+          </p:cNvCxnSpPr>
+          <p:nvPr/>
+        </p:nvCxnSpPr>
+        <p:spPr>
+          <a:xfrm flipV="1">
+            <a:off x="6762865" y="2946951"/>
+            <a:ext cx="443242" cy="974794"/>
+          </a:xfrm>
+          <a:prstGeom prst="bentConnector3">
+            <a:avLst>
+              <a:gd name="adj1" fmla="val 50000"/>
+            </a:avLst>
+          </a:prstGeom>
+          <a:ln w="28575">
+            <a:solidFill>
+              <a:schemeClr val="accent4"/>
+            </a:solidFill>
+            <a:tailEnd type="triangle"/>
+          </a:ln>
+        </p:spPr>
+        <p:style>
+          <a:lnRef idx="1">
+            <a:schemeClr val="accent1"/>
+          </a:lnRef>
+          <a:fillRef idx="0">
+            <a:schemeClr val="accent1"/>
+          </a:fillRef>
+          <a:effectRef idx="0">
+            <a:schemeClr val="accent1"/>
+          </a:effectRef>
+          <a:fontRef idx="minor">
+            <a:schemeClr val="tx1"/>
+          </a:fontRef>
+        </p:style>
+      </p:cxnSp>
+      <p:sp>
+        <p:nvSpPr>
+          <p:cNvPr id="24" name="직사각형 23">
+            <a:extLst>
+              <a:ext uri="{FF2B5EF4-FFF2-40B4-BE49-F238E27FC236}">
+                <a16:creationId xmlns:a16="http://schemas.microsoft.com/office/drawing/2014/main" id="{AD75E2A9-5004-4956-A415-81D392B54356}"/>
+              </a:ext>
+            </a:extLst>
+          </p:cNvPr>
+          <p:cNvSpPr/>
+          <p:nvPr/>
+        </p:nvSpPr>
+        <p:spPr>
+          <a:xfrm>
+            <a:off x="7116792" y="5037826"/>
+            <a:ext cx="4848046" cy="288486"/>
+          </a:xfrm>
+          <a:prstGeom prst="rect">
+            <a:avLst/>
+          </a:prstGeom>
+          <a:noFill/>
+          <a:ln w="28575">
+            <a:solidFill>
+              <a:schemeClr val="accent4"/>
+            </a:solidFill>
+          </a:ln>
+        </p:spPr>
+        <p:style>
+          <a:lnRef idx="2">
+            <a:schemeClr val="accent1">
+              <a:shade val="50000"/>
+            </a:schemeClr>
+          </a:lnRef>
+          <a:fillRef idx="1">
+            <a:schemeClr val="accent1"/>
+          </a:fillRef>
+          <a:effectRef idx="0">
+            <a:schemeClr val="accent1"/>
+          </a:effectRef>
+          <a:fontRef idx="minor">
+            <a:schemeClr val="lt1"/>
+          </a:fontRef>
+        </p:style>
+        <p:txBody>
+          <a:bodyPr rtlCol="0" anchor="ctr"/>
+          <a:lstStyle/>
+          <a:p>
+            <a:pPr algn="ctr"/>
+            <a:endParaRPr lang="ko-KR" altLang="en-US"/>
+          </a:p>
+        </p:txBody>
+      </p:sp>
+      <p:cxnSp>
+        <p:nvCxnSpPr>
+          <p:cNvPr id="25" name="연결선: 꺾임 24">
+            <a:extLst>
+              <a:ext uri="{FF2B5EF4-FFF2-40B4-BE49-F238E27FC236}">
+                <a16:creationId xmlns:a16="http://schemas.microsoft.com/office/drawing/2014/main" id="{5AF91CB3-2ECE-4CED-A65A-5718AB01356C}"/>
+              </a:ext>
+            </a:extLst>
+          </p:cNvPr>
+          <p:cNvCxnSpPr>
+            <a:cxnSpLocks/>
+            <a:stCxn id="24" idx="1"/>
+            <a:endCxn id="28" idx="3"/>
+          </p:cNvCxnSpPr>
+          <p:nvPr/>
+        </p:nvCxnSpPr>
+        <p:spPr>
+          <a:xfrm rot="10800000" flipV="1">
+            <a:off x="6305910" y="5182068"/>
+            <a:ext cx="810883" cy="457763"/>
+          </a:xfrm>
+          <a:prstGeom prst="bentConnector3">
+            <a:avLst>
+              <a:gd name="adj1" fmla="val 50000"/>
+            </a:avLst>
+          </a:prstGeom>
+          <a:ln w="28575">
+            <a:solidFill>
+              <a:schemeClr val="accent4"/>
+            </a:solidFill>
+            <a:tailEnd type="triangle"/>
+          </a:ln>
+        </p:spPr>
+        <p:style>
+          <a:lnRef idx="1">
+            <a:schemeClr val="accent1"/>
+          </a:lnRef>
+          <a:fillRef idx="0">
+            <a:schemeClr val="accent1"/>
+          </a:fillRef>
+          <a:effectRef idx="0">
+            <a:schemeClr val="accent1"/>
+          </a:effectRef>
+          <a:fontRef idx="minor">
+            <a:schemeClr val="tx1"/>
+          </a:fontRef>
+        </p:style>
+      </p:cxnSp>
+      <p:sp>
+        <p:nvSpPr>
+          <p:cNvPr id="28" name="TextBox 27">
+            <a:extLst>
+              <a:ext uri="{FF2B5EF4-FFF2-40B4-BE49-F238E27FC236}">
+                <a16:creationId xmlns:a16="http://schemas.microsoft.com/office/drawing/2014/main" id="{0EAC6175-5B5A-4467-BC10-1BC373A92428}"/>
+              </a:ext>
+            </a:extLst>
+          </p:cNvPr>
+          <p:cNvSpPr txBox="1"/>
+          <p:nvPr/>
+        </p:nvSpPr>
+        <p:spPr>
+          <a:xfrm>
+            <a:off x="4517772" y="5470555"/>
+            <a:ext cx="1788137" cy="338554"/>
+          </a:xfrm>
+          <a:prstGeom prst="rect">
+            <a:avLst/>
+          </a:prstGeom>
+          <a:noFill/>
+          <a:ln w="28575">
+            <a:solidFill>
+              <a:schemeClr val="accent4"/>
+            </a:solidFill>
+          </a:ln>
+        </p:spPr>
+        <p:txBody>
+          <a:bodyPr wrap="square" rtlCol="0">
+            <a:spAutoFit/>
+          </a:bodyPr>
+          <a:lstStyle/>
+          <a:p>
+            <a:r>
+              <a:rPr lang="en-US" altLang="ko-KR" sz="1600" b="1" dirty="0">
+                <a:solidFill>
+                  <a:schemeClr val="bg1"/>
+                </a:solidFill>
+              </a:rPr>
+              <a:t>DB</a:t>
+            </a:r>
+            <a:r>
+              <a:rPr lang="ko-KR" altLang="en-US" sz="1600" b="1" dirty="0">
+                <a:solidFill>
+                  <a:schemeClr val="bg1"/>
+                </a:solidFill>
+              </a:rPr>
+              <a:t> 저장 확인</a:t>
+            </a:r>
+            <a:r>
+              <a:rPr lang="en-US" altLang="ko-KR" sz="1600" b="1" dirty="0">
+                <a:solidFill>
+                  <a:schemeClr val="bg1"/>
+                </a:solidFill>
+              </a:rPr>
+              <a:t>!!!</a:t>
+            </a:r>
+            <a:endParaRPr lang="ko-KR" altLang="en-US" sz="1600" b="1" dirty="0">
+              <a:solidFill>
+                <a:schemeClr val="bg1"/>
+              </a:solidFill>
+            </a:endParaRPr>
+          </a:p>
+        </p:txBody>
+      </p:sp>
+      <p:sp>
+        <p:nvSpPr>
+          <p:cNvPr id="30" name="TextBox 29">
+            <a:extLst>
+              <a:ext uri="{FF2B5EF4-FFF2-40B4-BE49-F238E27FC236}">
+                <a16:creationId xmlns:a16="http://schemas.microsoft.com/office/drawing/2014/main" id="{AC1526D2-AC2A-4D67-98D9-1215B01E4FA2}"/>
+              </a:ext>
+            </a:extLst>
+          </p:cNvPr>
+          <p:cNvSpPr txBox="1"/>
+          <p:nvPr/>
+        </p:nvSpPr>
+        <p:spPr>
+          <a:xfrm>
+            <a:off x="3841839" y="1679149"/>
+            <a:ext cx="2630394" cy="1169551"/>
+          </a:xfrm>
+          <a:prstGeom prst="rect">
+            <a:avLst/>
+          </a:prstGeom>
+          <a:noFill/>
+          <a:ln w="28575">
+            <a:solidFill>
+              <a:schemeClr val="accent4"/>
+            </a:solidFill>
+          </a:ln>
+        </p:spPr>
+        <p:txBody>
+          <a:bodyPr wrap="square" rtlCol="0">
+            <a:spAutoFit/>
+          </a:bodyPr>
+          <a:lstStyle/>
+          <a:p>
+            <a:pPr marL="342900" indent="-342900">
+              <a:buAutoNum type="arabicPeriod"/>
+            </a:pPr>
+            <a:r>
+              <a:rPr lang="en-US" altLang="ko-KR" sz="1400" b="1" dirty="0">
+                <a:solidFill>
+                  <a:schemeClr val="bg1"/>
+                </a:solidFill>
+              </a:rPr>
+              <a:t>DB</a:t>
+            </a:r>
+            <a:r>
+              <a:rPr lang="ko-KR" altLang="en-US" sz="1400" b="1" dirty="0">
+                <a:solidFill>
+                  <a:schemeClr val="bg1"/>
+                </a:solidFill>
+              </a:rPr>
+              <a:t> 연결</a:t>
+            </a:r>
+            <a:endParaRPr lang="en-US" altLang="ko-KR" sz="1400" b="1" dirty="0">
+              <a:solidFill>
+                <a:schemeClr val="bg1"/>
+              </a:solidFill>
+            </a:endParaRPr>
+          </a:p>
+          <a:p>
+            <a:pPr marL="342900" indent="-342900">
+              <a:buAutoNum type="arabicPeriod"/>
+            </a:pPr>
+            <a:r>
+              <a:rPr lang="ko-KR" altLang="en-US" sz="1400" b="1" dirty="0">
+                <a:solidFill>
+                  <a:schemeClr val="bg1"/>
+                </a:solidFill>
+              </a:rPr>
+              <a:t>트랜잭션 정상 시작</a:t>
+            </a:r>
+            <a:endParaRPr lang="en-US" altLang="ko-KR" sz="1400" b="1" dirty="0">
+              <a:solidFill>
+                <a:schemeClr val="bg1"/>
+              </a:solidFill>
+            </a:endParaRPr>
+          </a:p>
+          <a:p>
+            <a:pPr marL="342900" indent="-342900">
+              <a:buAutoNum type="arabicPeriod"/>
+            </a:pPr>
+            <a:r>
+              <a:rPr lang="ko-KR" altLang="en-US" sz="1400" b="1" dirty="0">
+                <a:solidFill>
+                  <a:schemeClr val="bg1"/>
+                </a:solidFill>
+              </a:rPr>
+              <a:t>트랜잭션 정상 종료</a:t>
+            </a:r>
+            <a:endParaRPr lang="en-US" altLang="ko-KR" sz="1400" b="1" dirty="0">
+              <a:solidFill>
+                <a:schemeClr val="bg1"/>
+              </a:solidFill>
+            </a:endParaRPr>
+          </a:p>
+          <a:p>
+            <a:pPr marL="342900" indent="-342900">
+              <a:buAutoNum type="arabicPeriod"/>
+            </a:pPr>
+            <a:r>
+              <a:rPr lang="ko-KR" altLang="en-US" sz="1400" b="1" dirty="0">
+                <a:solidFill>
+                  <a:schemeClr val="bg1"/>
+                </a:solidFill>
+              </a:rPr>
+              <a:t>회원가입 성공</a:t>
+            </a:r>
+            <a:r>
+              <a:rPr lang="en-US" altLang="ko-KR" sz="1400" b="1" dirty="0">
+                <a:solidFill>
+                  <a:schemeClr val="bg1"/>
+                </a:solidFill>
+              </a:rPr>
+              <a:t>!!!</a:t>
+            </a:r>
+          </a:p>
+          <a:p>
+            <a:pPr marL="342900" indent="-342900">
+              <a:buAutoNum type="arabicPeriod"/>
+            </a:pPr>
+            <a:r>
+              <a:rPr lang="ko-KR" altLang="en-US" sz="1400" b="1" dirty="0">
+                <a:solidFill>
+                  <a:schemeClr val="bg1"/>
+                </a:solidFill>
+              </a:rPr>
+              <a:t>로그인 페이지로 이동</a:t>
+            </a:r>
+            <a:endParaRPr lang="en-US" altLang="ko-KR" sz="1400" b="1" dirty="0">
+              <a:solidFill>
+                <a:schemeClr val="bg1"/>
+              </a:solidFill>
+            </a:endParaRPr>
+          </a:p>
+        </p:txBody>
+      </p:sp>
+    </p:spTree>
+    <p:extLst>
+      <p:ext uri="{BB962C8B-B14F-4D97-AF65-F5344CB8AC3E}">
+        <p14:creationId xmlns:p14="http://schemas.microsoft.com/office/powerpoint/2010/main" val="4263447207"/>
+      </p:ext>
+    </p:extLst>
+  </p:cSld>
+  <p:clrMapOvr>
+    <a:masterClrMapping/>
+  </p:clrMapOvr>
+</p:sld>
+</file>
+
+<file path=ppt/slides/slide16.xml><?xml version="1.0" encoding="utf-8"?>
+<p:sld xmlns:a="http://schemas.openxmlformats.org/drawingml/2006/main" xmlns:r="http://schemas.openxmlformats.org/officeDocument/2006/relationships" xmlns:p="http://schemas.openxmlformats.org/presentationml/2006/main">
+  <p:cSld>
+    <p:bg>
+      <p:bgPr>
+        <a:solidFill>
+          <a:srgbClr val="2C3930"/>
+        </a:solidFill>
+        <a:effectLst/>
+      </p:bgPr>
+    </p:bg>
+    <p:spTree>
+      <p:nvGrpSpPr>
+        <p:cNvPr id="1" name=""/>
+        <p:cNvGrpSpPr/>
+        <p:nvPr/>
+      </p:nvGrpSpPr>
+      <p:grpSpPr>
+        <a:xfrm>
+          <a:off x="0" y="0"/>
+          <a:ext cx="0" cy="0"/>
+          <a:chOff x="0" y="0"/>
+          <a:chExt cx="0" cy="0"/>
+        </a:xfrm>
+      </p:grpSpPr>
+      <p:sp>
+        <p:nvSpPr>
+          <p:cNvPr id="28" name="제목 27">
+            <a:extLst>
+              <a:ext uri="{FF2B5EF4-FFF2-40B4-BE49-F238E27FC236}">
+                <a16:creationId xmlns:a16="http://schemas.microsoft.com/office/drawing/2014/main" id="{915036D7-6872-454E-9683-74DC284D3DD7}"/>
+              </a:ext>
+            </a:extLst>
+          </p:cNvPr>
+          <p:cNvSpPr>
+            <a:spLocks noGrp="1"/>
+          </p:cNvSpPr>
+          <p:nvPr>
+            <p:ph type="title"/>
+          </p:nvPr>
+        </p:nvSpPr>
+        <p:spPr>
+          <a:xfrm>
+            <a:off x="838200" y="365125"/>
+            <a:ext cx="10653660" cy="1353422"/>
+          </a:xfrm>
+        </p:spPr>
+        <p:txBody>
+          <a:bodyPr/>
+          <a:lstStyle/>
+          <a:p>
+            <a:endParaRPr lang="ko-KR" altLang="en-US"/>
+          </a:p>
+        </p:txBody>
+      </p:sp>
+      <p:sp>
+        <p:nvSpPr>
+          <p:cNvPr id="16" name="제목 1">
+            <a:extLst>
+              <a:ext uri="{FF2B5EF4-FFF2-40B4-BE49-F238E27FC236}">
+                <a16:creationId xmlns:a16="http://schemas.microsoft.com/office/drawing/2014/main" id="{DC70CEF2-FC29-4B06-A003-15A4A4202666}"/>
+              </a:ext>
+            </a:extLst>
+          </p:cNvPr>
+          <p:cNvSpPr txBox="1">
+            <a:spLocks/>
+          </p:cNvSpPr>
+          <p:nvPr/>
+        </p:nvSpPr>
+        <p:spPr>
+          <a:xfrm>
+            <a:off x="0" y="1"/>
+            <a:ext cx="12191999" cy="1453881"/>
+          </a:xfrm>
+          <a:prstGeom prst="rect">
+            <a:avLst/>
+          </a:prstGeom>
+          <a:solidFill>
+            <a:schemeClr val="bg1"/>
+          </a:solidFill>
+        </p:spPr>
+        <p:txBody>
+          <a:bodyPr vert="horz" lIns="91440" tIns="45720" rIns="91440" bIns="45720" rtlCol="0" anchor="ctr">
+            <a:normAutofit/>
+          </a:bodyPr>
+          <a:lstStyle>
+            <a:lvl1pPr algn="l" defTabSz="914400" rtl="0" eaLnBrk="1" latinLnBrk="1" hangingPunct="1">
+              <a:lnSpc>
+                <a:spcPct val="90000"/>
+              </a:lnSpc>
+              <a:spcBef>
+                <a:spcPct val="0"/>
+              </a:spcBef>
+              <a:buNone/>
+              <a:defRPr sz="4400" kern="1200">
+                <a:solidFill>
+                  <a:schemeClr val="tx1"/>
+                </a:solidFill>
+                <a:latin typeface="+mj-lt"/>
+                <a:ea typeface="+mj-ea"/>
+                <a:cs typeface="+mj-cs"/>
+              </a:defRPr>
+            </a:lvl1pPr>
+          </a:lstStyle>
+          <a:p>
+            <a:pPr algn="ctr"/>
+            <a:r>
+              <a:rPr lang="en-US" altLang="ko-KR" dirty="0"/>
+              <a:t>7. </a:t>
+            </a:r>
+            <a:r>
+              <a:rPr lang="ko-KR" altLang="en-US" dirty="0"/>
+              <a:t>회원가입 실패 예시</a:t>
+            </a:r>
+          </a:p>
+        </p:txBody>
+      </p:sp>
+      <p:pic>
+        <p:nvPicPr>
+          <p:cNvPr id="3" name="그림 2" descr="일러스트레이션, 선그림, 디자인이(가) 표시된 사진&#10;&#10;AI 생성 콘텐츠는 정확하지 않을 수 있습니다.">
+            <a:extLst>
+              <a:ext uri="{FF2B5EF4-FFF2-40B4-BE49-F238E27FC236}">
+                <a16:creationId xmlns:a16="http://schemas.microsoft.com/office/drawing/2014/main" id="{AA32B8ED-B3D2-BC65-A7A7-B9656606C411}"/>
+              </a:ext>
+            </a:extLst>
+          </p:cNvPr>
+          <p:cNvPicPr>
+            <a:picLocks noChangeAspect="1"/>
+          </p:cNvPicPr>
+          <p:nvPr/>
+        </p:nvPicPr>
+        <p:blipFill>
+          <a:blip r:embed="rId2">
+            <a:extLst>
+              <a:ext uri="{28A0092B-C50C-407E-A947-70E740481C1C}">
+                <a14:useLocalDpi xmlns:a14="http://schemas.microsoft.com/office/drawing/2010/main" val="0"/>
+              </a:ext>
+            </a:extLst>
+          </a:blip>
+          <a:stretch>
+            <a:fillRect/>
+          </a:stretch>
+        </p:blipFill>
+        <p:spPr>
+          <a:xfrm>
+            <a:off x="312511" y="319316"/>
+            <a:ext cx="815249" cy="815249"/>
+          </a:xfrm>
+          <a:prstGeom prst="rect">
+            <a:avLst/>
+          </a:prstGeom>
+        </p:spPr>
+      </p:pic>
+      <p:sp>
+        <p:nvSpPr>
+          <p:cNvPr id="8" name="TextBox 4">
+            <a:extLst>
+              <a:ext uri="{FF2B5EF4-FFF2-40B4-BE49-F238E27FC236}">
+                <a16:creationId xmlns:a16="http://schemas.microsoft.com/office/drawing/2014/main" id="{6494E9D6-DE83-49B9-8060-F3459DEDC648}"/>
+              </a:ext>
+            </a:extLst>
+          </p:cNvPr>
+          <p:cNvSpPr txBox="1"/>
+          <p:nvPr/>
+        </p:nvSpPr>
+        <p:spPr>
+          <a:xfrm>
+            <a:off x="761624" y="1071943"/>
+            <a:ext cx="11027428" cy="5856475"/>
+          </a:xfrm>
+          <a:prstGeom prst="rect">
+            <a:avLst/>
+          </a:prstGeom>
+        </p:spPr>
+        <p:txBody>
+          <a:bodyPr lIns="33867" tIns="33867" rIns="33867" bIns="33867" rtlCol="0" anchor="ctr"/>
+          <a:lstStyle/>
+          <a:p>
+            <a:pPr algn="ctr" defTabSz="609630" latinLnBrk="0">
+              <a:lnSpc>
+                <a:spcPts val="1773"/>
+              </a:lnSpc>
+              <a:spcBef>
+                <a:spcPct val="0"/>
+              </a:spcBef>
+            </a:pPr>
+            <a:endParaRPr sz="1200">
+              <a:solidFill>
+                <a:prstClr val="black"/>
+              </a:solidFill>
+              <a:latin typeface="Calibri"/>
+            </a:endParaRPr>
+          </a:p>
+        </p:txBody>
+      </p:sp>
+      <p:sp>
+        <p:nvSpPr>
+          <p:cNvPr id="32" name="TextBox 31">
+            <a:extLst>
+              <a:ext uri="{FF2B5EF4-FFF2-40B4-BE49-F238E27FC236}">
+                <a16:creationId xmlns:a16="http://schemas.microsoft.com/office/drawing/2014/main" id="{67A86133-2F05-4C44-81DE-79C0A129E336}"/>
+              </a:ext>
+            </a:extLst>
+          </p:cNvPr>
+          <p:cNvSpPr txBox="1"/>
+          <p:nvPr/>
+        </p:nvSpPr>
+        <p:spPr>
+          <a:xfrm>
+            <a:off x="11513819" y="6389609"/>
+            <a:ext cx="678180" cy="369332"/>
+          </a:xfrm>
+          <a:prstGeom prst="rect">
+            <a:avLst/>
+          </a:prstGeom>
+          <a:noFill/>
+        </p:spPr>
+        <p:txBody>
+          <a:bodyPr wrap="square" rtlCol="0">
+            <a:spAutoFit/>
+          </a:bodyPr>
+          <a:lstStyle/>
+          <a:p>
+            <a:pPr algn="ctr"/>
+            <a:r>
+              <a:rPr lang="en-US" altLang="ko-KR" dirty="0">
+                <a:solidFill>
+                  <a:schemeClr val="bg1"/>
+                </a:solidFill>
+              </a:rPr>
+              <a:t>15</a:t>
+            </a:r>
+            <a:endParaRPr lang="ko-KR" altLang="en-US" dirty="0">
+              <a:solidFill>
+                <a:schemeClr val="bg1"/>
+              </a:solidFill>
+            </a:endParaRPr>
+          </a:p>
+        </p:txBody>
+      </p:sp>
+      <p:pic>
+        <p:nvPicPr>
+          <p:cNvPr id="5" name="그림 4">
+            <a:extLst>
+              <a:ext uri="{FF2B5EF4-FFF2-40B4-BE49-F238E27FC236}">
+                <a16:creationId xmlns:a16="http://schemas.microsoft.com/office/drawing/2014/main" id="{D78EE246-B632-4646-9C10-12F909B32B1F}"/>
+              </a:ext>
+            </a:extLst>
+          </p:cNvPr>
+          <p:cNvPicPr>
+            <a:picLocks noChangeAspect="1"/>
+          </p:cNvPicPr>
+          <p:nvPr/>
+        </p:nvPicPr>
+        <p:blipFill>
+          <a:blip r:embed="rId3">
+            <a:extLst>
+              <a:ext uri="{28A0092B-C50C-407E-A947-70E740481C1C}">
+                <a14:useLocalDpi xmlns:a14="http://schemas.microsoft.com/office/drawing/2010/main" val="0"/>
+              </a:ext>
+            </a:extLst>
+          </a:blip>
+          <a:stretch>
+            <a:fillRect/>
+          </a:stretch>
+        </p:blipFill>
+        <p:spPr>
+          <a:xfrm>
+            <a:off x="5930029" y="1718547"/>
+            <a:ext cx="2736726" cy="4992914"/>
+          </a:xfrm>
+          <a:prstGeom prst="rect">
+            <a:avLst/>
+          </a:prstGeom>
+          <a:ln w="28575">
+            <a:solidFill>
+              <a:schemeClr val="accent4"/>
+            </a:solidFill>
+          </a:ln>
+        </p:spPr>
+      </p:pic>
+      <p:pic>
+        <p:nvPicPr>
+          <p:cNvPr id="10" name="그림 9">
+            <a:extLst>
+              <a:ext uri="{FF2B5EF4-FFF2-40B4-BE49-F238E27FC236}">
+                <a16:creationId xmlns:a16="http://schemas.microsoft.com/office/drawing/2014/main" id="{370EFE20-BDF4-4912-B432-799CB6C790C3}"/>
+              </a:ext>
+            </a:extLst>
+          </p:cNvPr>
+          <p:cNvPicPr>
+            <a:picLocks noChangeAspect="1"/>
+          </p:cNvPicPr>
+          <p:nvPr/>
+        </p:nvPicPr>
+        <p:blipFill>
+          <a:blip r:embed="rId4">
+            <a:extLst>
+              <a:ext uri="{28A0092B-C50C-407E-A947-70E740481C1C}">
+                <a14:useLocalDpi xmlns:a14="http://schemas.microsoft.com/office/drawing/2010/main" val="0"/>
+              </a:ext>
+            </a:extLst>
+          </a:blip>
+          <a:stretch>
+            <a:fillRect/>
+          </a:stretch>
+        </p:blipFill>
+        <p:spPr>
+          <a:xfrm>
+            <a:off x="9026416" y="3073902"/>
+            <a:ext cx="2762636" cy="1695687"/>
+          </a:xfrm>
+          <a:prstGeom prst="rect">
+            <a:avLst/>
+          </a:prstGeom>
+          <a:ln w="28575">
+            <a:solidFill>
+              <a:schemeClr val="accent4"/>
+            </a:solidFill>
+          </a:ln>
+        </p:spPr>
+      </p:pic>
+      <p:pic>
+        <p:nvPicPr>
+          <p:cNvPr id="12" name="그림 11">
+            <a:extLst>
+              <a:ext uri="{FF2B5EF4-FFF2-40B4-BE49-F238E27FC236}">
+                <a16:creationId xmlns:a16="http://schemas.microsoft.com/office/drawing/2014/main" id="{4C808363-9A8E-436B-8F2B-77A6888E9B24}"/>
+              </a:ext>
+            </a:extLst>
+          </p:cNvPr>
+          <p:cNvPicPr>
+            <a:picLocks noChangeAspect="1"/>
+          </p:cNvPicPr>
+          <p:nvPr/>
+        </p:nvPicPr>
+        <p:blipFill>
+          <a:blip r:embed="rId5">
+            <a:extLst>
+              <a:ext uri="{28A0092B-C50C-407E-A947-70E740481C1C}">
+                <a14:useLocalDpi xmlns:a14="http://schemas.microsoft.com/office/drawing/2010/main" val="0"/>
+              </a:ext>
+            </a:extLst>
+          </a:blip>
+          <a:stretch>
+            <a:fillRect/>
+          </a:stretch>
+        </p:blipFill>
+        <p:spPr>
+          <a:xfrm>
+            <a:off x="167705" y="2820313"/>
+            <a:ext cx="5381512" cy="2319141"/>
+          </a:xfrm>
+          <a:prstGeom prst="rect">
+            <a:avLst/>
+          </a:prstGeom>
+          <a:ln w="28575">
+            <a:solidFill>
+              <a:schemeClr val="accent4"/>
+            </a:solidFill>
+          </a:ln>
+        </p:spPr>
+      </p:pic>
+      <p:cxnSp>
+        <p:nvCxnSpPr>
+          <p:cNvPr id="14" name="연결선: 꺾임 13">
+            <a:extLst>
+              <a:ext uri="{FF2B5EF4-FFF2-40B4-BE49-F238E27FC236}">
+                <a16:creationId xmlns:a16="http://schemas.microsoft.com/office/drawing/2014/main" id="{98F947E8-43CC-4651-A344-CB1505641521}"/>
+              </a:ext>
+            </a:extLst>
+          </p:cNvPr>
+          <p:cNvCxnSpPr>
+            <a:cxnSpLocks/>
+            <a:stCxn id="12" idx="3"/>
+            <a:endCxn id="5" idx="1"/>
+          </p:cNvCxnSpPr>
+          <p:nvPr/>
+        </p:nvCxnSpPr>
+        <p:spPr>
+          <a:xfrm>
+            <a:off x="5549217" y="3979884"/>
+            <a:ext cx="380812" cy="235120"/>
+          </a:xfrm>
+          <a:prstGeom prst="bentConnector3">
+            <a:avLst/>
+          </a:prstGeom>
+          <a:ln w="28575">
+            <a:solidFill>
+              <a:schemeClr val="accent4"/>
+            </a:solidFill>
+            <a:tailEnd type="triangle"/>
+          </a:ln>
+        </p:spPr>
+        <p:style>
+          <a:lnRef idx="1">
+            <a:schemeClr val="accent1"/>
+          </a:lnRef>
+          <a:fillRef idx="0">
+            <a:schemeClr val="accent1"/>
+          </a:fillRef>
+          <a:effectRef idx="0">
+            <a:schemeClr val="accent1"/>
+          </a:effectRef>
+          <a:fontRef idx="minor">
+            <a:schemeClr val="tx1"/>
+          </a:fontRef>
+        </p:style>
+      </p:cxnSp>
+      <p:cxnSp>
+        <p:nvCxnSpPr>
+          <p:cNvPr id="19" name="연결선: 꺾임 18">
+            <a:extLst>
+              <a:ext uri="{FF2B5EF4-FFF2-40B4-BE49-F238E27FC236}">
+                <a16:creationId xmlns:a16="http://schemas.microsoft.com/office/drawing/2014/main" id="{239B59FC-7C9A-4989-96D9-DD093E8132C1}"/>
+              </a:ext>
+            </a:extLst>
+          </p:cNvPr>
+          <p:cNvCxnSpPr>
+            <a:cxnSpLocks/>
+            <a:stCxn id="5" idx="3"/>
+            <a:endCxn id="10" idx="1"/>
+          </p:cNvCxnSpPr>
+          <p:nvPr/>
+        </p:nvCxnSpPr>
+        <p:spPr>
+          <a:xfrm flipV="1">
+            <a:off x="8666755" y="3921746"/>
+            <a:ext cx="359661" cy="293258"/>
+          </a:xfrm>
+          <a:prstGeom prst="bentConnector3">
+            <a:avLst>
+              <a:gd name="adj1" fmla="val 50000"/>
+            </a:avLst>
+          </a:prstGeom>
+          <a:ln w="28575">
+            <a:solidFill>
+              <a:schemeClr val="accent4"/>
+            </a:solidFill>
+            <a:tailEnd type="triangle"/>
+          </a:ln>
+        </p:spPr>
+        <p:style>
+          <a:lnRef idx="1">
+            <a:schemeClr val="accent1"/>
+          </a:lnRef>
+          <a:fillRef idx="0">
+            <a:schemeClr val="accent1"/>
+          </a:fillRef>
+          <a:effectRef idx="0">
+            <a:schemeClr val="accent1"/>
+          </a:effectRef>
+          <a:fontRef idx="minor">
+            <a:schemeClr val="tx1"/>
+          </a:fontRef>
+        </p:style>
+      </p:cxnSp>
+      <p:sp>
+        <p:nvSpPr>
+          <p:cNvPr id="21" name="직사각형 20">
+            <a:extLst>
+              <a:ext uri="{FF2B5EF4-FFF2-40B4-BE49-F238E27FC236}">
+                <a16:creationId xmlns:a16="http://schemas.microsoft.com/office/drawing/2014/main" id="{F5BB2707-43F5-4A10-93CC-3FE37EE33F23}"/>
+              </a:ext>
+            </a:extLst>
+          </p:cNvPr>
+          <p:cNvSpPr/>
+          <p:nvPr/>
+        </p:nvSpPr>
+        <p:spPr>
+          <a:xfrm>
+            <a:off x="0" y="3395902"/>
+            <a:ext cx="5754848" cy="306515"/>
+          </a:xfrm>
+          <a:prstGeom prst="rect">
+            <a:avLst/>
+          </a:prstGeom>
+          <a:noFill/>
+          <a:ln w="28575">
+            <a:solidFill>
+              <a:schemeClr val="accent4"/>
+            </a:solidFill>
+          </a:ln>
+        </p:spPr>
+        <p:style>
+          <a:lnRef idx="2">
+            <a:schemeClr val="accent1">
+              <a:shade val="50000"/>
+            </a:schemeClr>
+          </a:lnRef>
+          <a:fillRef idx="1">
+            <a:schemeClr val="accent1"/>
+          </a:fillRef>
+          <a:effectRef idx="0">
+            <a:schemeClr val="accent1"/>
+          </a:effectRef>
+          <a:fontRef idx="minor">
+            <a:schemeClr val="lt1"/>
+          </a:fontRef>
+        </p:style>
+        <p:txBody>
+          <a:bodyPr rtlCol="0" anchor="ctr"/>
+          <a:lstStyle/>
+          <a:p>
+            <a:pPr algn="ctr"/>
+            <a:endParaRPr lang="ko-KR" altLang="en-US"/>
+          </a:p>
+        </p:txBody>
+      </p:sp>
+      <p:sp>
+        <p:nvSpPr>
+          <p:cNvPr id="25" name="TextBox 24">
+            <a:extLst>
+              <a:ext uri="{FF2B5EF4-FFF2-40B4-BE49-F238E27FC236}">
+                <a16:creationId xmlns:a16="http://schemas.microsoft.com/office/drawing/2014/main" id="{D2CC57A7-2D2F-4691-B45F-C877AF5C418D}"/>
+              </a:ext>
+            </a:extLst>
+          </p:cNvPr>
+          <p:cNvSpPr txBox="1"/>
+          <p:nvPr/>
+        </p:nvSpPr>
+        <p:spPr>
+          <a:xfrm>
+            <a:off x="1521799" y="1934497"/>
+            <a:ext cx="2571866" cy="738664"/>
+          </a:xfrm>
+          <a:prstGeom prst="rect">
+            <a:avLst/>
+          </a:prstGeom>
+          <a:noFill/>
+          <a:ln w="28575">
+            <a:solidFill>
+              <a:schemeClr val="accent4"/>
+            </a:solidFill>
+          </a:ln>
+        </p:spPr>
+        <p:txBody>
+          <a:bodyPr wrap="square" rtlCol="0">
+            <a:spAutoFit/>
+          </a:bodyPr>
+          <a:lstStyle/>
+          <a:p>
+            <a:r>
+              <a:rPr lang="en-US" altLang="ko-KR" sz="1400" b="1" dirty="0">
+                <a:solidFill>
+                  <a:schemeClr val="bg1"/>
+                </a:solidFill>
+              </a:rPr>
+              <a:t>- </a:t>
+            </a:r>
+            <a:r>
+              <a:rPr lang="ko-KR" altLang="en-US" sz="1400" b="1" dirty="0">
+                <a:solidFill>
+                  <a:schemeClr val="bg1"/>
+                </a:solidFill>
+              </a:rPr>
+              <a:t>기존에 존재하는 </a:t>
+            </a:r>
+            <a:r>
+              <a:rPr lang="en-US" altLang="ko-KR" sz="1400" b="1" dirty="0">
+                <a:solidFill>
+                  <a:schemeClr val="bg1"/>
+                </a:solidFill>
+              </a:rPr>
+              <a:t>‘dig05252’</a:t>
+            </a:r>
+            <a:r>
+              <a:rPr lang="ko-KR" altLang="en-US" sz="1400" b="1" dirty="0">
+                <a:solidFill>
+                  <a:schemeClr val="bg1"/>
+                </a:solidFill>
+              </a:rPr>
+              <a:t>라는 아이디를 중복으로 사용하여 회원가입 시도</a:t>
+            </a:r>
+          </a:p>
+        </p:txBody>
+      </p:sp>
+      <p:sp>
+        <p:nvSpPr>
+          <p:cNvPr id="26" name="TextBox 25">
+            <a:extLst>
+              <a:ext uri="{FF2B5EF4-FFF2-40B4-BE49-F238E27FC236}">
+                <a16:creationId xmlns:a16="http://schemas.microsoft.com/office/drawing/2014/main" id="{1E4BDFAE-5B86-4CFC-812A-CA704BBDD07F}"/>
+              </a:ext>
+            </a:extLst>
+          </p:cNvPr>
+          <p:cNvSpPr txBox="1"/>
+          <p:nvPr/>
+        </p:nvSpPr>
+        <p:spPr>
+          <a:xfrm>
+            <a:off x="9026417" y="4962464"/>
+            <a:ext cx="2762636" cy="1169551"/>
+          </a:xfrm>
+          <a:prstGeom prst="rect">
+            <a:avLst/>
+          </a:prstGeom>
+          <a:noFill/>
+          <a:ln w="28575">
+            <a:solidFill>
+              <a:schemeClr val="accent4"/>
+            </a:solidFill>
+          </a:ln>
+        </p:spPr>
+        <p:txBody>
+          <a:bodyPr wrap="square" rtlCol="0">
+            <a:spAutoFit/>
+          </a:bodyPr>
+          <a:lstStyle/>
+          <a:p>
+            <a:r>
+              <a:rPr lang="en-US" altLang="ko-KR" sz="1400" b="1" dirty="0">
+                <a:solidFill>
+                  <a:schemeClr val="bg1"/>
+                </a:solidFill>
+              </a:rPr>
+              <a:t>- </a:t>
+            </a:r>
+            <a:r>
+              <a:rPr lang="ko-KR" altLang="en-US" sz="1400" b="1" dirty="0">
+                <a:solidFill>
+                  <a:schemeClr val="bg1"/>
+                </a:solidFill>
+              </a:rPr>
+              <a:t>유효성 검사에서 회원가입시 동일한 아이디가 들어오면 </a:t>
+            </a:r>
+            <a:r>
+              <a:rPr lang="en-US" altLang="ko-KR" sz="1400" b="1" dirty="0">
+                <a:solidFill>
+                  <a:schemeClr val="bg1"/>
+                </a:solidFill>
+              </a:rPr>
+              <a:t>“</a:t>
+            </a:r>
+            <a:r>
+              <a:rPr lang="ko-KR" altLang="en-US" sz="1400" b="1" dirty="0">
+                <a:solidFill>
+                  <a:schemeClr val="bg1"/>
+                </a:solidFill>
+              </a:rPr>
+              <a:t>기존 계정이 존재합니다</a:t>
+            </a:r>
+            <a:r>
+              <a:rPr lang="en-US" altLang="ko-KR" sz="1400" b="1" dirty="0">
+                <a:solidFill>
+                  <a:schemeClr val="bg1"/>
+                </a:solidFill>
+              </a:rPr>
+              <a:t>.” </a:t>
+            </a:r>
+            <a:r>
+              <a:rPr lang="ko-KR" altLang="en-US" sz="1400" b="1" dirty="0">
+                <a:solidFill>
+                  <a:schemeClr val="bg1"/>
+                </a:solidFill>
+              </a:rPr>
+              <a:t>라는 메시지를 띄우고 트랜잭션을 롤백 시켜 다시 회원가입을 하도록 함</a:t>
+            </a:r>
+            <a:r>
+              <a:rPr lang="en-US" altLang="ko-KR" sz="1400" b="1" dirty="0">
+                <a:solidFill>
+                  <a:schemeClr val="bg1"/>
+                </a:solidFill>
+              </a:rPr>
+              <a:t>.</a:t>
+            </a:r>
+            <a:endParaRPr lang="ko-KR" altLang="en-US" sz="1400" b="1" dirty="0">
+              <a:solidFill>
+                <a:schemeClr val="bg1"/>
+              </a:solidFill>
+            </a:endParaRPr>
+          </a:p>
+        </p:txBody>
+      </p:sp>
+    </p:spTree>
+    <p:extLst>
+      <p:ext uri="{BB962C8B-B14F-4D97-AF65-F5344CB8AC3E}">
+        <p14:creationId xmlns:p14="http://schemas.microsoft.com/office/powerpoint/2010/main" val="3077296924"/>
+      </p:ext>
+    </p:extLst>
+  </p:cSld>
+  <p:clrMapOvr>
+    <a:masterClrMapping/>
+  </p:clrMapOvr>
+</p:sld>
+</file>
+
+<file path=ppt/slides/slide17.xml><?xml version="1.0" encoding="utf-8"?>
 <p:sld xmlns:a="http://schemas.openxmlformats.org/drawingml/2006/main" xmlns:r="http://schemas.openxmlformats.org/officeDocument/2006/relationships" xmlns:p="http://schemas.openxmlformats.org/presentationml/2006/main">
   <p:cSld>
     <p:bg>
@@ -4597,10 +7642,10 @@
       </p:sp>
       <p:sp>
         <p:nvSpPr>
-          <p:cNvPr id="11" name="내용 개체 틀 2">
-            <a:extLst>
-              <a:ext uri="{FF2B5EF4-FFF2-40B4-BE49-F238E27FC236}">
-                <a16:creationId xmlns:a16="http://schemas.microsoft.com/office/drawing/2014/main" id="{75567FD7-00BB-4A9F-A4F6-57420AC3B42A}"/>
+          <p:cNvPr id="13" name="내용 개체 틀 2">
+            <a:extLst>
+              <a:ext uri="{FF2B5EF4-FFF2-40B4-BE49-F238E27FC236}">
+                <a16:creationId xmlns:a16="http://schemas.microsoft.com/office/drawing/2014/main" id="{188F3796-C2DD-4B3B-A779-04A4DEF6B8AF}"/>
               </a:ext>
             </a:extLst>
           </p:cNvPr>
@@ -4611,8 +7656,8 @@
         </p:nvSpPr>
         <p:spPr>
           <a:xfrm>
-            <a:off x="9707134" y="5098820"/>
-            <a:ext cx="2247122" cy="1462871"/>
+            <a:off x="9707134" y="5409213"/>
+            <a:ext cx="2247122" cy="1261535"/>
           </a:xfrm>
           <a:prstGeom prst="rect">
             <a:avLst/>
@@ -4859,27 +7904,6 @@
                 <a:latin typeface="+mn-ea"/>
               </a:rPr>
               <a:t>박준형</a:t>
-            </a:r>
-            <a:endParaRPr lang="en-US" altLang="ko-KR" sz="1400" b="1">
-              <a:solidFill>
-                <a:schemeClr val="bg1"/>
-              </a:solidFill>
-              <a:latin typeface="+mn-ea"/>
-            </a:endParaRPr>
-          </a:p>
-          <a:p>
-            <a:pPr marL="0" indent="0" algn="r">
-              <a:buFont typeface="Arial" panose="020B0604020202020204" pitchFamily="34" charset="0"/>
-              <a:buNone/>
-            </a:pPr>
-            <a:r>
-              <a:rPr lang="ko-KR" altLang="en-US" sz="1400" b="1">
-                <a:solidFill>
-                  <a:schemeClr val="bg1"/>
-                </a:solidFill>
-                <a:latin typeface="+mn-ea"/>
-              </a:rPr>
-              <a:t>최지원</a:t>
             </a:r>
             <a:endParaRPr lang="en-US" altLang="ko-KR" sz="1400" b="1">
               <a:solidFill>
@@ -5013,30 +8037,22 @@
         </p:nvSpPr>
         <p:spPr>
           <a:xfrm>
-            <a:off x="466987" y="2423433"/>
-            <a:ext cx="11881608" cy="3863101"/>
+            <a:off x="961938" y="1957042"/>
+            <a:ext cx="11881608" cy="4432567"/>
           </a:xfrm>
         </p:spPr>
         <p:txBody>
           <a:bodyPr>
-            <a:normAutofit/>
+            <a:normAutofit fontScale="85000" lnSpcReduction="10000"/>
           </a:bodyPr>
           <a:lstStyle/>
           <a:p>
-            <a:pPr marL="0" indent="0">
+            <a:pPr marL="457200" indent="-457200">
               <a:lnSpc>
                 <a:spcPct val="200000"/>
               </a:lnSpc>
-              <a:buNone/>
+              <a:buAutoNum type="arabicPeriod"/>
             </a:pPr>
-            <a:r>
-              <a:rPr lang="en-US" altLang="ko-KR" sz="2000" b="1" dirty="0">
-                <a:solidFill>
-                  <a:schemeClr val="bg1"/>
-                </a:solidFill>
-              </a:rPr>
-              <a:t>1. </a:t>
-            </a:r>
             <a:r>
               <a:rPr lang="ko-KR" altLang="en-US" sz="2000" b="1" dirty="0">
                 <a:solidFill>
@@ -5051,31 +8067,34 @@
                   <a:schemeClr val="bg1"/>
                 </a:solidFill>
               </a:rPr>
-              <a:t>--------------------------------------------    2p </a:t>
-            </a:r>
-            <a:r>
-              <a:rPr lang="ko-KR" altLang="en-US" sz="2000" b="1" dirty="0">
+              <a:t>------------------------------------------------------------------------------------ 2p </a:t>
+            </a:r>
+            <a:r>
+              <a:rPr lang="ko-KR" altLang="en-US" sz="2000" b="1" dirty="0" err="1">
                 <a:solidFill>
                   <a:schemeClr val="bg1"/>
                 </a:solidFill>
               </a:rPr>
-              <a:t>최지원</a:t>
-            </a:r>
-            <a:endParaRPr lang="en-US" altLang="ko-KR" sz="2000" b="1" dirty="0">
-              <a:solidFill>
-                <a:schemeClr val="bg1"/>
-              </a:solidFill>
-            </a:endParaRPr>
-          </a:p>
-          <a:p>
-            <a:pPr marL="0" indent="0">
+              <a:t>손보금</a:t>
+            </a:r>
+            <a:r>
+              <a:rPr lang="en-US" altLang="ko-KR" sz="2000" b="1" dirty="0">
+                <a:solidFill>
+                  <a:schemeClr val="bg1"/>
+                </a:solidFill>
+              </a:rPr>
+              <a:t>    </a:t>
+            </a:r>
+          </a:p>
+          <a:p>
+            <a:pPr marL="457200" indent="-457200">
               <a:lnSpc>
                 <a:spcPct val="200000"/>
               </a:lnSpc>
-              <a:buNone/>
+              <a:buAutoNum type="arabicPeriod"/>
             </a:pPr>
             <a:r>
-              <a:rPr kumimoji="0" lang="en-US" altLang="ko-KR" sz="2000" b="1" i="0" u="none" strike="noStrike" kern="1200" cap="none" spc="0" normalizeH="0" baseline="0" noProof="0" dirty="0">
+              <a:rPr kumimoji="0" lang="ko-KR" altLang="en-US" sz="2000" b="1" i="0" u="none" strike="noStrike" kern="1200" cap="none" spc="0" normalizeH="0" baseline="0" noProof="0" dirty="0">
                 <a:ln>
                   <a:noFill/>
                 </a:ln>
@@ -5089,10 +8108,40 @@
                 <a:ea typeface="맑은 고딕" panose="020B0503020000020004" pitchFamily="50" charset="-127"/>
                 <a:cs typeface="+mn-cs"/>
               </a:rPr>
-              <a:t>2. </a:t>
-            </a:r>
-            <a:r>
-              <a:rPr kumimoji="0" lang="ko-KR" altLang="en-US" sz="2000" b="1" i="0" u="none" strike="noStrike" kern="1200" cap="none" spc="0" normalizeH="0" baseline="0" noProof="0" dirty="0">
+              <a:t>전체 파일 구성 및 </a:t>
+            </a:r>
+            <a:r>
+              <a:rPr lang="en-US" altLang="ko-KR" sz="2000" b="1" dirty="0" err="1">
+                <a:solidFill>
+                  <a:prstClr val="white"/>
+                </a:solidFill>
+                <a:latin typeface="맑은 고딕" panose="020F0502020204030204"/>
+                <a:ea typeface="맑은 고딕" panose="020B0503020000020004" pitchFamily="50" charset="-127"/>
+              </a:rPr>
+              <a:t>tbl_member</a:t>
+            </a:r>
+            <a:r>
+              <a:rPr lang="en-US" altLang="ko-KR" sz="2000" b="1" dirty="0">
+                <a:solidFill>
+                  <a:prstClr val="white"/>
+                </a:solidFill>
+                <a:latin typeface="맑은 고딕" panose="020F0502020204030204"/>
+                <a:ea typeface="맑은 고딕" panose="020B0503020000020004" pitchFamily="50" charset="-127"/>
+              </a:rPr>
+              <a:t> </a:t>
+            </a:r>
+            <a:r>
+              <a:rPr lang="ko-KR" altLang="en-US" sz="2000" b="1" dirty="0">
+                <a:solidFill>
+                  <a:prstClr val="white"/>
+                </a:solidFill>
+                <a:latin typeface="맑은 고딕" panose="020F0502020204030204"/>
+                <a:ea typeface="맑은 고딕" panose="020B0503020000020004" pitchFamily="50" charset="-127"/>
+              </a:rPr>
+              <a:t>생성</a:t>
+            </a:r>
+            <a:r>
+              <a:rPr kumimoji="0" lang="en-US" altLang="ko-KR" sz="2000" b="1" i="0" u="none" strike="noStrike" kern="1200" cap="none" spc="0" normalizeH="0" baseline="0" noProof="0" dirty="0">
                 <a:ln>
                   <a:noFill/>
                 </a:ln>
@@ -5106,24 +8155,7 @@
                 <a:ea typeface="맑은 고딕" panose="020B0503020000020004" pitchFamily="50" charset="-127"/>
                 <a:cs typeface="+mn-cs"/>
               </a:rPr>
-              <a:t>전체 파일 구성</a:t>
-            </a:r>
-            <a:r>
-              <a:rPr kumimoji="0" lang="en-US" altLang="ko-KR" sz="2000" b="1" i="0" u="none" strike="noStrike" kern="1200" cap="none" spc="0" normalizeH="0" baseline="0" noProof="0" dirty="0">
-                <a:ln>
-                  <a:noFill/>
-                </a:ln>
-                <a:solidFill>
-                  <a:prstClr val="white"/>
-                </a:solidFill>
-                <a:effectLst/>
-                <a:uLnTx/>
-                <a:uFillTx/>
-                <a:latin typeface="맑은 고딕" panose="020F0502020204030204"/>
-                <a:ea typeface="맑은 고딕" panose="020B0503020000020004" pitchFamily="50" charset="-127"/>
-                <a:cs typeface="+mn-cs"/>
-              </a:rPr>
-              <a:t>----------------------------------------------    8p </a:t>
+              <a:t>---------------------------------------------------- 3p </a:t>
             </a:r>
             <a:r>
               <a:rPr kumimoji="0" lang="ko-KR" altLang="en-US" sz="2000" b="1" i="0" u="none" strike="noStrike" kern="1200" cap="none" spc="0" normalizeH="0" baseline="0" noProof="0" dirty="0" err="1">
@@ -5142,6 +8174,60 @@
               </a:rPr>
               <a:t>손보금</a:t>
             </a:r>
+            <a:endParaRPr kumimoji="0" lang="en-US" altLang="ko-KR" sz="2000" b="1" i="0" u="none" strike="noStrike" kern="1200" cap="none" spc="0" normalizeH="0" baseline="0" noProof="0" dirty="0">
+              <a:ln>
+                <a:noFill/>
+              </a:ln>
+              <a:solidFill>
+                <a:schemeClr val="bg1"/>
+              </a:solidFill>
+              <a:effectLst/>
+              <a:uLnTx/>
+              <a:uFillTx/>
+              <a:latin typeface="맑은 고딕" panose="020F0502020204030204"/>
+              <a:ea typeface="맑은 고딕" panose="020B0503020000020004" pitchFamily="50" charset="-127"/>
+              <a:cs typeface="+mn-cs"/>
+            </a:endParaRPr>
+          </a:p>
+          <a:p>
+            <a:pPr marL="457200" indent="-457200">
+              <a:lnSpc>
+                <a:spcPct val="200000"/>
+              </a:lnSpc>
+              <a:buAutoNum type="arabicPeriod"/>
+            </a:pPr>
+            <a:r>
+              <a:rPr lang="en-US" altLang="ko-KR" sz="2000" b="1" dirty="0">
+                <a:solidFill>
+                  <a:schemeClr val="bg1"/>
+                </a:solidFill>
+              </a:rPr>
+              <a:t>MemberDto.java </a:t>
+            </a:r>
+            <a:r>
+              <a:rPr lang="ko-KR" altLang="en-US" sz="2000" b="1" dirty="0">
+                <a:solidFill>
+                  <a:schemeClr val="bg1"/>
+                </a:solidFill>
+              </a:rPr>
+              <a:t>구현 및 동작 설명 </a:t>
+            </a:r>
+            <a:r>
+              <a:rPr lang="en-US" altLang="ko-KR" sz="2000" b="1" dirty="0">
+                <a:solidFill>
+                  <a:schemeClr val="bg1"/>
+                </a:solidFill>
+              </a:rPr>
+              <a:t>---------------------------------------------------- 4p – 6p </a:t>
+            </a:r>
+            <a:r>
+              <a:rPr lang="ko-KR" altLang="en-US" sz="2000" b="1" dirty="0">
+                <a:solidFill>
+                  <a:schemeClr val="bg1"/>
+                </a:solidFill>
+              </a:rPr>
+              <a:t>박준형</a:t>
+            </a:r>
             <a:endParaRPr lang="en-US" altLang="ko-KR" sz="2000" b="1" dirty="0">
               <a:solidFill>
                 <a:schemeClr val="bg1"/>
@@ -5149,11 +8235,11 @@
             </a:endParaRPr>
           </a:p>
           <a:p>
-            <a:pPr marL="0" indent="0">
+            <a:pPr marL="457200" indent="-457200">
               <a:lnSpc>
                 <a:spcPct val="200000"/>
               </a:lnSpc>
-              <a:buNone/>
+              <a:buAutoNum type="arabicPeriod"/>
             </a:pPr>
             <a:r>
               <a:rPr lang="en-US" altLang="ko-KR" sz="2000" b="1" dirty="0">
@@ -5161,7 +8247,7 @@
                   <a:schemeClr val="bg1"/>
                 </a:solidFill>
               </a:rPr>
-              <a:t>3. MemberDto.java </a:t>
+              <a:t>DbUtils.java </a:t>
             </a:r>
             <a:r>
               <a:rPr lang="ko-KR" altLang="en-US" sz="2000" b="1" dirty="0">
@@ -5169,7 +8255,7 @@
                   <a:schemeClr val="bg1"/>
                 </a:solidFill>
               </a:rPr>
-              <a:t>구현 및 동작 설명</a:t>
+              <a:t>구현 및 동작 설명 </a:t>
             </a:r>
             <a:r>
               <a:rPr lang="en-US" altLang="ko-KR" sz="2000" b="1" dirty="0">
@@ -5177,15 +8263,15 @@
                   <a:schemeClr val="bg1"/>
                 </a:solidFill>
               </a:rPr>
-              <a:t>----------------------------------------------    3p  </a:t>
-            </a:r>
-            <a:r>
-              <a:rPr lang="ko-KR" altLang="en-US" sz="2000" b="1" dirty="0">
+              <a:t>---------------------------------------------------------  7p – 11p </a:t>
+            </a:r>
+            <a:r>
+              <a:rPr lang="ko-KR" altLang="en-US" sz="2000" b="1" dirty="0" err="1">
                 <a:solidFill>
                   <a:schemeClr val="bg1"/>
                 </a:solidFill>
               </a:rPr>
-              <a:t>박준형</a:t>
+              <a:t>손보금</a:t>
             </a:r>
             <a:endParaRPr lang="en-US" altLang="ko-KR" sz="2000" b="1" dirty="0">
               <a:solidFill>
@@ -5194,11 +8280,11 @@
             </a:endParaRPr>
           </a:p>
           <a:p>
-            <a:pPr marL="0" indent="0">
+            <a:pPr marL="457200" indent="-457200">
               <a:lnSpc>
                 <a:spcPct val="200000"/>
               </a:lnSpc>
-              <a:buNone/>
+              <a:buAutoNum type="arabicPeriod"/>
             </a:pPr>
             <a:r>
               <a:rPr lang="en-US" altLang="ko-KR" sz="2000" b="1" dirty="0">
@@ -5206,7 +8292,7 @@
                   <a:schemeClr val="bg1"/>
                 </a:solidFill>
               </a:rPr>
-              <a:t>4. DbUtils.java </a:t>
+              <a:t>02Join.jsp </a:t>
             </a:r>
             <a:r>
               <a:rPr lang="ko-KR" altLang="en-US" sz="2000" b="1" dirty="0">
@@ -5214,7 +8300,7 @@
                   <a:schemeClr val="bg1"/>
                 </a:solidFill>
               </a:rPr>
-              <a:t>구현 및 동작 설명</a:t>
+              <a:t>구현 및 동작 설명 </a:t>
             </a:r>
             <a:r>
               <a:rPr lang="en-US" altLang="ko-KR" sz="2000" b="1" dirty="0">
@@ -5222,15 +8308,15 @@
                   <a:schemeClr val="bg1"/>
                 </a:solidFill>
               </a:rPr>
-              <a:t>--------------------------------------------    4p – 7p </a:t>
-            </a:r>
-            <a:r>
-              <a:rPr lang="ko-KR" altLang="en-US" sz="2000" b="1" dirty="0" err="1">
+              <a:t>----------------------------------------------------------- 12p – 13p </a:t>
+            </a:r>
+            <a:r>
+              <a:rPr lang="ko-KR" altLang="en-US" sz="2000" b="1" dirty="0">
                 <a:solidFill>
                   <a:schemeClr val="bg1"/>
                 </a:solidFill>
               </a:rPr>
-              <a:t>손보금</a:t>
+              <a:t>심예진</a:t>
             </a:r>
             <a:endParaRPr lang="en-US" altLang="ko-KR" sz="2000" b="1" dirty="0">
               <a:solidFill>
@@ -5239,19 +8325,27 @@
             </a:endParaRPr>
           </a:p>
           <a:p>
-            <a:pPr marL="0" indent="0">
+            <a:pPr marL="457200" indent="-457200">
               <a:lnSpc>
                 <a:spcPct val="200000"/>
               </a:lnSpc>
-              <a:buNone/>
+              <a:buAutoNum type="arabicPeriod"/>
             </a:pPr>
             <a:r>
+              <a:rPr lang="ko-KR" altLang="en-US" sz="2000" b="1" dirty="0">
+                <a:solidFill>
+                  <a:schemeClr val="bg1"/>
+                </a:solidFill>
+              </a:rPr>
+              <a:t>회원가입 성공</a:t>
+            </a:r>
+            <a:r>
               <a:rPr lang="en-US" altLang="ko-KR" sz="2000" b="1" dirty="0">
                 <a:solidFill>
                   <a:schemeClr val="bg1"/>
                 </a:solidFill>
               </a:rPr>
-              <a:t>5. 02Join.jsp </a:t>
+              <a:t> </a:t>
             </a:r>
             <a:r>
               <a:rPr lang="ko-KR" altLang="en-US" sz="2000" b="1" dirty="0">
@@ -5259,7 +8353,7 @@
                   <a:schemeClr val="bg1"/>
                 </a:solidFill>
               </a:rPr>
-              <a:t>구현 및 동작 설명 </a:t>
+              <a:t>확인 </a:t>
             </a:r>
             <a:r>
               <a:rPr lang="en-US" altLang="ko-KR" sz="2000" b="1" dirty="0">
@@ -5267,7 +8361,7 @@
                   <a:schemeClr val="bg1"/>
                 </a:solidFill>
               </a:rPr>
-              <a:t>----------------------------------------------    8p </a:t>
+              <a:t>---------------------------------------------------------------------- 14p </a:t>
             </a:r>
             <a:r>
               <a:rPr lang="ko-KR" altLang="en-US" sz="2000" b="1" dirty="0">
@@ -5276,6 +8370,43 @@
                 </a:solidFill>
               </a:rPr>
               <a:t>심예진</a:t>
+            </a:r>
+            <a:endParaRPr lang="en-US" altLang="ko-KR" sz="2000" b="1" dirty="0">
+              <a:solidFill>
+                <a:schemeClr val="bg1"/>
+              </a:solidFill>
+            </a:endParaRPr>
+          </a:p>
+          <a:p>
+            <a:pPr marL="457200" indent="-457200">
+              <a:lnSpc>
+                <a:spcPct val="200000"/>
+              </a:lnSpc>
+              <a:buAutoNum type="arabicPeriod"/>
+            </a:pPr>
+            <a:r>
+              <a:rPr lang="ko-KR" altLang="en-US" sz="2000" b="1" dirty="0">
+                <a:solidFill>
+                  <a:schemeClr val="bg1"/>
+                </a:solidFill>
+              </a:rPr>
+              <a:t>회원가입 실패 확인 </a:t>
+            </a:r>
+            <a:r>
+              <a:rPr lang="en-US" altLang="ko-KR" sz="2000" b="1" dirty="0">
+                <a:solidFill>
+                  <a:schemeClr val="bg1"/>
+                </a:solidFill>
+              </a:rPr>
+              <a:t>---------------------------------------------------------------------- 15p </a:t>
+            </a:r>
+            <a:r>
+              <a:rPr lang="ko-KR" altLang="en-US" sz="2000" b="1" dirty="0">
+                <a:solidFill>
+                  <a:schemeClr val="bg1"/>
+                </a:solidFill>
+              </a:rPr>
+              <a:t>박준형</a:t>
             </a:r>
             <a:endParaRPr lang="en-US" altLang="ko-KR" sz="2000" b="1" dirty="0">
               <a:solidFill>
@@ -5549,98 +8680,6 @@
               </a:rPr>
               <a:t>순서도</a:t>
             </a:r>
-            <a:r>
-              <a:rPr kumimoji="0" lang="en-US" altLang="ko-KR" sz="4400" b="0" i="0" u="none" strike="noStrike" kern="1200" cap="none" spc="0" normalizeH="0" baseline="0" noProof="0" dirty="0">
-                <a:ln>
-                  <a:noFill/>
-                </a:ln>
-                <a:solidFill>
-                  <a:prstClr val="black"/>
-                </a:solidFill>
-                <a:effectLst/>
-                <a:uLnTx/>
-                <a:uFillTx/>
-                <a:latin typeface="맑은 고딕" panose="020F0302020204030204"/>
-                <a:ea typeface="맑은 고딕" panose="020B0503020000020004" pitchFamily="50" charset="-127"/>
-                <a:cs typeface="+mj-cs"/>
-              </a:rPr>
-              <a:t>(</a:t>
-            </a:r>
-            <a:r>
-              <a:rPr kumimoji="0" lang="ko-KR" altLang="en-US" sz="4400" b="0" i="0" u="none" strike="noStrike" kern="1200" cap="none" spc="0" normalizeH="0" baseline="0" noProof="0" dirty="0">
-                <a:ln>
-                  <a:noFill/>
-                </a:ln>
-                <a:solidFill>
-                  <a:prstClr val="black"/>
-                </a:solidFill>
-                <a:effectLst/>
-                <a:uLnTx/>
-                <a:uFillTx/>
-                <a:latin typeface="맑은 고딕" panose="020F0302020204030204"/>
-                <a:ea typeface="맑은 고딕" panose="020B0503020000020004" pitchFamily="50" charset="-127"/>
-                <a:cs typeface="+mj-cs"/>
-              </a:rPr>
-              <a:t>회원가입</a:t>
-            </a:r>
-            <a:r>
-              <a:rPr kumimoji="0" lang="en-US" altLang="ko-KR" sz="4400" b="0" i="0" u="none" strike="noStrike" kern="1200" cap="none" spc="0" normalizeH="0" baseline="0" noProof="0" dirty="0">
-                <a:ln>
-                  <a:noFill/>
-                </a:ln>
-                <a:solidFill>
-                  <a:prstClr val="black"/>
-                </a:solidFill>
-                <a:effectLst/>
-                <a:uLnTx/>
-                <a:uFillTx/>
-                <a:latin typeface="맑은 고딕" panose="020F0302020204030204"/>
-                <a:ea typeface="맑은 고딕" panose="020B0503020000020004" pitchFamily="50" charset="-127"/>
-                <a:cs typeface="+mj-cs"/>
-              </a:rPr>
-              <a:t>draw.io</a:t>
-            </a:r>
-            <a:r>
-              <a:rPr kumimoji="0" lang="ko-KR" altLang="en-US" sz="4400" b="0" i="0" u="none" strike="noStrike" kern="1200" cap="none" spc="0" normalizeH="0" baseline="0" noProof="0" dirty="0">
-                <a:ln>
-                  <a:noFill/>
-                </a:ln>
-                <a:solidFill>
-                  <a:prstClr val="black"/>
-                </a:solidFill>
-                <a:effectLst/>
-                <a:uLnTx/>
-                <a:uFillTx/>
-                <a:latin typeface="맑은 고딕" panose="020F0302020204030204"/>
-                <a:ea typeface="맑은 고딕" panose="020B0503020000020004" pitchFamily="50" charset="-127"/>
-                <a:cs typeface="+mj-cs"/>
-              </a:rPr>
-              <a:t>파일 캡쳐</a:t>
-            </a:r>
-            <a:r>
-              <a:rPr lang="en-US" altLang="ko-KR" dirty="0">
-                <a:solidFill>
-                  <a:prstClr val="black"/>
-                </a:solidFill>
-                <a:latin typeface="맑은 고딕" panose="020F0302020204030204"/>
-                <a:ea typeface="맑은 고딕" panose="020B0503020000020004" pitchFamily="50" charset="-127"/>
-              </a:rPr>
-              <a:t>)</a:t>
-            </a:r>
-            <a:endParaRPr kumimoji="0" lang="ko-KR" altLang="en-US" sz="4400" b="0" i="0" u="none" strike="noStrike" kern="1200" cap="none" spc="0" normalizeH="0" baseline="0" noProof="0" dirty="0">
-              <a:ln>
-                <a:noFill/>
-              </a:ln>
-              <a:solidFill>
-                <a:prstClr val="black"/>
-              </a:solidFill>
-              <a:effectLst/>
-              <a:uLnTx/>
-              <a:uFillTx/>
-              <a:latin typeface="맑은 고딕" panose="020F0302020204030204"/>
-              <a:ea typeface="맑은 고딕" panose="020B0503020000020004" pitchFamily="50" charset="-127"/>
-              <a:cs typeface="+mj-cs"/>
-            </a:endParaRPr>
           </a:p>
         </p:txBody>
       </p:sp>
@@ -5871,8 +8910,8 @@
         </p:blipFill>
         <p:spPr>
           <a:xfrm>
-            <a:off x="244805" y="1661388"/>
-            <a:ext cx="5998325" cy="4672139"/>
+            <a:off x="244805" y="1708714"/>
+            <a:ext cx="5998325" cy="4680896"/>
           </a:xfrm>
           <a:prstGeom prst="rect">
             <a:avLst/>
@@ -5907,8 +8946,8 @@
         </p:blipFill>
         <p:spPr>
           <a:xfrm>
-            <a:off x="6419558" y="1661388"/>
-            <a:ext cx="5527637" cy="4692194"/>
+            <a:off x="6419558" y="1708713"/>
+            <a:ext cx="5527637" cy="4680896"/>
           </a:xfrm>
           <a:prstGeom prst="rect">
             <a:avLst/>
@@ -5931,7 +8970,7 @@
         </p:nvCxnSpPr>
         <p:spPr>
           <a:xfrm flipV="1">
-            <a:off x="3236686" y="2017486"/>
+            <a:off x="3236686" y="2073568"/>
             <a:ext cx="5094514" cy="4070574"/>
           </a:xfrm>
           <a:prstGeom prst="bentConnector3">
@@ -6098,7 +9137,7 @@
               <a:defRPr/>
             </a:pPr>
             <a:r>
-              <a:rPr lang="en-US" altLang="ko-KR" dirty="0">
+              <a:rPr lang="en-US" altLang="ko-KR" sz="3600" dirty="0">
                 <a:solidFill>
                   <a:prstClr val="black"/>
                 </a:solidFill>
@@ -6108,7 +9147,7 @@
               <a:t>2</a:t>
             </a:r>
             <a:r>
-              <a:rPr kumimoji="0" lang="en-US" altLang="ko-KR" sz="4400" b="0" i="0" u="none" strike="noStrike" kern="1200" cap="none" spc="0" normalizeH="0" baseline="0" noProof="0" dirty="0">
+              <a:rPr kumimoji="0" lang="en-US" altLang="ko-KR" sz="3600" b="0" i="0" u="none" strike="noStrike" kern="1200" cap="none" spc="0" normalizeH="0" baseline="0" noProof="0" dirty="0">
                 <a:ln>
                   <a:noFill/>
                 </a:ln>
@@ -6122,82 +9161,25 @@
                 <a:ea typeface="맑은 고딕" panose="020B0503020000020004" pitchFamily="50" charset="-127"/>
                 <a:cs typeface="+mj-cs"/>
               </a:rPr>
-              <a:t>. </a:t>
-            </a:r>
-            <a:r>
-              <a:rPr lang="en-US" altLang="ko-KR" dirty="0" err="1">
+              <a:t>. MemberDto.java/DbUtils.java/02Join.jsp </a:t>
+            </a:r>
+            <a:r>
+              <a:rPr kumimoji="0" lang="ko-KR" altLang="en-US" sz="3600" b="0" i="0" u="none" strike="noStrike" kern="1200" cap="none" spc="0" normalizeH="0" baseline="0" noProof="0" dirty="0">
+                <a:ln>
+                  <a:noFill/>
+                </a:ln>
                 <a:solidFill>
                   <a:prstClr val="black"/>
                 </a:solidFill>
+                <a:effectLst/>
+                <a:uLnTx/>
+                <a:uFillTx/>
                 <a:latin typeface="맑은 고딕" panose="020F0302020204030204"/>
                 <a:ea typeface="맑은 고딕" panose="020B0503020000020004" pitchFamily="50" charset="-127"/>
+                <a:cs typeface="+mj-cs"/>
               </a:rPr>
-              <a:t>MemberDto</a:t>
-            </a:r>
-            <a:r>
-              <a:rPr lang="en-US" altLang="ko-KR" dirty="0">
-                <a:solidFill>
-                  <a:prstClr val="black"/>
-                </a:solidFill>
-                <a:latin typeface="맑은 고딕" panose="020F0302020204030204"/>
-                <a:ea typeface="맑은 고딕" panose="020B0503020000020004" pitchFamily="50" charset="-127"/>
-              </a:rPr>
-              <a:t>, </a:t>
-            </a:r>
-            <a:r>
-              <a:rPr lang="en-US" altLang="ko-KR" dirty="0" err="1">
-                <a:solidFill>
-                  <a:prstClr val="black"/>
-                </a:solidFill>
-                <a:latin typeface="맑은 고딕" panose="020F0302020204030204"/>
-                <a:ea typeface="맑은 고딕" panose="020B0503020000020004" pitchFamily="50" charset="-127"/>
-              </a:rPr>
-              <a:t>DbUtils,Join</a:t>
-            </a:r>
-            <a:r>
-              <a:rPr lang="ko-KR" altLang="en-US" dirty="0">
-                <a:solidFill>
-                  <a:prstClr val="black"/>
-                </a:solidFill>
-                <a:latin typeface="맑은 고딕" panose="020F0302020204030204"/>
-                <a:ea typeface="맑은 고딕" panose="020B0503020000020004" pitchFamily="50" charset="-127"/>
-              </a:rPr>
-              <a:t>파일이 다 있는 지 </a:t>
-            </a:r>
-            <a:r>
-              <a:rPr lang="ko-KR" altLang="en-US" dirty="0" err="1">
-                <a:solidFill>
-                  <a:prstClr val="black"/>
-                </a:solidFill>
-                <a:latin typeface="맑은 고딕" panose="020F0302020204030204"/>
-                <a:ea typeface="맑은 고딕" panose="020B0503020000020004" pitchFamily="50" charset="-127"/>
-              </a:rPr>
-              <a:t>한장</a:t>
-            </a:r>
-            <a:r>
-              <a:rPr lang="ko-KR" altLang="en-US" dirty="0">
-                <a:solidFill>
-                  <a:prstClr val="black"/>
-                </a:solidFill>
-                <a:latin typeface="맑은 고딕" panose="020F0302020204030204"/>
-                <a:ea typeface="맑은 고딕" panose="020B0503020000020004" pitchFamily="50" charset="-127"/>
-              </a:rPr>
-              <a:t> 캡쳐</a:t>
-            </a:r>
-            <a:endParaRPr kumimoji="0" lang="ko-KR" altLang="en-US" sz="4400" b="0" i="0" u="none" strike="noStrike" kern="1200" cap="none" spc="0" normalizeH="0" baseline="0" noProof="0" dirty="0">
-              <a:ln>
-                <a:noFill/>
-              </a:ln>
-              <a:solidFill>
-                <a:prstClr val="black"/>
-              </a:solidFill>
-              <a:effectLst/>
-              <a:uLnTx/>
-              <a:uFillTx/>
-              <a:latin typeface="맑은 고딕" panose="020F0302020204030204"/>
-              <a:ea typeface="맑은 고딕" panose="020B0503020000020004" pitchFamily="50" charset="-127"/>
-              <a:cs typeface="+mj-cs"/>
-            </a:endParaRPr>
+              <a:t>구현</a:t>
+            </a:r>
           </a:p>
         </p:txBody>
       </p:sp>
@@ -6428,7 +9410,7 @@
         </p:blipFill>
         <p:spPr>
           <a:xfrm>
-            <a:off x="1723347" y="1720487"/>
+            <a:off x="500297" y="1838890"/>
             <a:ext cx="3200847" cy="4639322"/>
           </a:xfrm>
           <a:prstGeom prst="rect">
@@ -6450,8 +9432,8 @@
         </p:nvSpPr>
         <p:spPr>
           <a:xfrm>
-            <a:off x="6454783" y="3429000"/>
-            <a:ext cx="4978401" cy="1666162"/>
+            <a:off x="4128811" y="1858697"/>
+            <a:ext cx="3037385" cy="1316451"/>
           </a:xfrm>
           <a:prstGeom prst="rect">
             <a:avLst/>
@@ -6464,7 +9446,7 @@
           </a:ln>
         </p:spPr>
         <p:txBody>
-          <a:bodyPr wrap="square" rtlCol="0">
+          <a:bodyPr wrap="square" rtlCol="0" anchor="t">
             <a:spAutoFit/>
           </a:bodyPr>
           <a:lstStyle/>
@@ -6473,28 +9455,32 @@
               <a:lnSpc>
                 <a:spcPct val="200000"/>
               </a:lnSpc>
+              <a:buFont typeface="+mj-lt"/>
               <a:buAutoNum type="arabicPeriod"/>
             </a:pPr>
             <a:r>
-              <a:rPr lang="en-US" altLang="ko-KR" b="1" dirty="0">
+              <a:rPr lang="en-US" altLang="ko-KR" sz="1400" b="1" dirty="0">
                 <a:solidFill>
                   <a:schemeClr val="bg1"/>
                 </a:solidFill>
+                <a:latin typeface="+mn-ea"/>
               </a:rPr>
               <a:t>MemberDto.java </a:t>
             </a:r>
             <a:r>
-              <a:rPr lang="ko-KR" altLang="en-US" b="1" dirty="0">
+              <a:rPr lang="ko-KR" altLang="en-US" sz="1400" b="1" dirty="0">
                 <a:solidFill>
                   <a:schemeClr val="bg1"/>
                 </a:solidFill>
+                <a:latin typeface="+mn-ea"/>
               </a:rPr>
               <a:t>구현</a:t>
             </a:r>
-            <a:endParaRPr lang="en-US" altLang="ko-KR" b="1" dirty="0">
+            <a:endParaRPr lang="en-US" altLang="ko-KR" sz="1400" b="1" dirty="0">
               <a:solidFill>
                 <a:schemeClr val="bg1"/>
               </a:solidFill>
+              <a:latin typeface="+mn-ea"/>
             </a:endParaRPr>
           </a:p>
           <a:p>
@@ -6502,28 +9488,32 @@
               <a:lnSpc>
                 <a:spcPct val="200000"/>
               </a:lnSpc>
+              <a:buFont typeface="+mj-lt"/>
               <a:buAutoNum type="arabicPeriod"/>
             </a:pPr>
             <a:r>
-              <a:rPr lang="en-US" altLang="ko-KR" b="1" dirty="0">
+              <a:rPr lang="en-US" altLang="ko-KR" sz="1400" b="1" dirty="0">
                 <a:solidFill>
                   <a:schemeClr val="bg1"/>
                 </a:solidFill>
+                <a:latin typeface="+mn-ea"/>
               </a:rPr>
               <a:t>DbUtils.java </a:t>
             </a:r>
             <a:r>
-              <a:rPr lang="ko-KR" altLang="en-US" b="1" dirty="0">
+              <a:rPr lang="ko-KR" altLang="en-US" sz="1400" b="1" dirty="0">
                 <a:solidFill>
                   <a:schemeClr val="bg1"/>
                 </a:solidFill>
+                <a:latin typeface="+mn-ea"/>
               </a:rPr>
               <a:t>구현</a:t>
             </a:r>
-            <a:endParaRPr lang="en-US" altLang="ko-KR" b="1" dirty="0">
+            <a:endParaRPr lang="en-US" altLang="ko-KR" sz="1400" b="1" dirty="0">
               <a:solidFill>
                 <a:schemeClr val="bg1"/>
               </a:solidFill>
+              <a:latin typeface="+mn-ea"/>
             </a:endParaRPr>
           </a:p>
           <a:p>
@@ -6531,24 +9521,33 @@
               <a:lnSpc>
                 <a:spcPct val="200000"/>
               </a:lnSpc>
+              <a:buFont typeface="+mj-lt"/>
               <a:buAutoNum type="arabicPeriod"/>
             </a:pPr>
             <a:r>
-              <a:rPr lang="en-US" altLang="ko-KR" b="1" dirty="0">
+              <a:rPr lang="en-US" altLang="ko-KR" sz="1400" b="1" dirty="0">
                 <a:solidFill>
                   <a:schemeClr val="bg1"/>
                 </a:solidFill>
+                <a:latin typeface="+mn-ea"/>
               </a:rPr>
               <a:t>02Join.jsp </a:t>
             </a:r>
             <a:r>
-              <a:rPr lang="ko-KR" altLang="en-US" b="1" dirty="0">
+              <a:rPr lang="ko-KR" altLang="en-US" sz="1400" b="1" dirty="0">
                 <a:solidFill>
                   <a:schemeClr val="bg1"/>
                 </a:solidFill>
+                <a:latin typeface="+mn-ea"/>
               </a:rPr>
               <a:t>구현</a:t>
             </a:r>
+            <a:endParaRPr lang="en-US" altLang="ko-KR" sz="1400" b="1" dirty="0">
+              <a:solidFill>
+                <a:schemeClr val="bg1"/>
+              </a:solidFill>
+              <a:latin typeface="+mn-ea"/>
+            </a:endParaRPr>
           </a:p>
         </p:txBody>
       </p:sp>
@@ -6566,7 +9565,7 @@
         </p:nvSpPr>
         <p:spPr>
           <a:xfrm>
-            <a:off x="2423884" y="2743201"/>
+            <a:off x="1186483" y="2825124"/>
             <a:ext cx="1277260" cy="188686"/>
           </a:xfrm>
           <a:prstGeom prst="rect">
@@ -6603,7 +9602,7 @@
         </p:nvSpPr>
         <p:spPr>
           <a:xfrm>
-            <a:off x="2423884" y="3242359"/>
+            <a:off x="1186483" y="3324282"/>
             <a:ext cx="1277260" cy="188686"/>
           </a:xfrm>
           <a:prstGeom prst="rect">
@@ -6640,7 +9639,7 @@
         </p:nvSpPr>
         <p:spPr>
           <a:xfrm>
-            <a:off x="2423884" y="5304972"/>
+            <a:off x="1186483" y="5386895"/>
             <a:ext cx="1277260" cy="188686"/>
           </a:xfrm>
           <a:prstGeom prst="rect">
@@ -6680,9 +9679,9 @@
           <p:nvPr/>
         </p:nvCxnSpPr>
         <p:spPr>
-          <a:xfrm>
-            <a:off x="3701144" y="2837544"/>
-            <a:ext cx="2753639" cy="1424537"/>
+          <a:xfrm flipV="1">
+            <a:off x="2463743" y="2516923"/>
+            <a:ext cx="1665068" cy="402544"/>
           </a:xfrm>
           <a:prstGeom prst="bentConnector3">
             <a:avLst/>
@@ -6726,9 +9725,9 @@
           <p:nvPr/>
         </p:nvCxnSpPr>
         <p:spPr>
-          <a:xfrm>
-            <a:off x="3701144" y="3336702"/>
-            <a:ext cx="2753639" cy="925379"/>
+          <a:xfrm flipV="1">
+            <a:off x="2463743" y="2516923"/>
+            <a:ext cx="1665068" cy="901702"/>
           </a:xfrm>
           <a:prstGeom prst="bentConnector3">
             <a:avLst/>
@@ -6773,11 +9772,307 @@
         </p:nvCxnSpPr>
         <p:spPr>
           <a:xfrm flipV="1">
-            <a:off x="3701144" y="4262081"/>
-            <a:ext cx="2753639" cy="1137234"/>
+            <a:off x="2463743" y="2516923"/>
+            <a:ext cx="1665068" cy="2964315"/>
           </a:xfrm>
           <a:prstGeom prst="bentConnector3">
             <a:avLst/>
+          </a:prstGeom>
+          <a:ln w="28575">
+            <a:solidFill>
+              <a:schemeClr val="accent4"/>
+            </a:solidFill>
+            <a:tailEnd type="triangle"/>
+          </a:ln>
+        </p:spPr>
+        <p:style>
+          <a:lnRef idx="1">
+            <a:schemeClr val="accent1"/>
+          </a:lnRef>
+          <a:fillRef idx="0">
+            <a:schemeClr val="accent1"/>
+          </a:fillRef>
+          <a:effectRef idx="0">
+            <a:schemeClr val="accent1"/>
+          </a:effectRef>
+          <a:fontRef idx="minor">
+            <a:schemeClr val="tx1"/>
+          </a:fontRef>
+        </p:style>
+      </p:cxnSp>
+      <p:pic>
+        <p:nvPicPr>
+          <p:cNvPr id="22" name="그림 21">
+            <a:extLst>
+              <a:ext uri="{FF2B5EF4-FFF2-40B4-BE49-F238E27FC236}">
+                <a16:creationId xmlns:a16="http://schemas.microsoft.com/office/drawing/2014/main" id="{85AAC2BD-C292-4DFC-BA02-A720CBEBF0E7}"/>
+              </a:ext>
+            </a:extLst>
+          </p:cNvPr>
+          <p:cNvPicPr>
+            <a:picLocks noChangeAspect="1"/>
+          </p:cNvPicPr>
+          <p:nvPr/>
+        </p:nvPicPr>
+        <p:blipFill>
+          <a:blip r:embed="rId4">
+            <a:extLst>
+              <a:ext uri="{28A0092B-C50C-407E-A947-70E740481C1C}">
+                <a14:useLocalDpi xmlns:a14="http://schemas.microsoft.com/office/drawing/2010/main" val="0"/>
+              </a:ext>
+            </a:extLst>
+          </a:blip>
+          <a:stretch>
+            <a:fillRect/>
+          </a:stretch>
+        </p:blipFill>
+        <p:spPr>
+          <a:xfrm>
+            <a:off x="7646551" y="1819006"/>
+            <a:ext cx="3951952" cy="4547666"/>
+          </a:xfrm>
+          <a:prstGeom prst="rect">
+            <a:avLst/>
+          </a:prstGeom>
+        </p:spPr>
+      </p:pic>
+      <p:sp>
+        <p:nvSpPr>
+          <p:cNvPr id="36" name="TextBox 35">
+            <a:extLst>
+              <a:ext uri="{FF2B5EF4-FFF2-40B4-BE49-F238E27FC236}">
+                <a16:creationId xmlns:a16="http://schemas.microsoft.com/office/drawing/2014/main" id="{C9CA9ACC-57F7-43F1-AA3E-95F9BE9AF393}"/>
+              </a:ext>
+            </a:extLst>
+          </p:cNvPr>
+          <p:cNvSpPr txBox="1"/>
+          <p:nvPr/>
+        </p:nvSpPr>
+        <p:spPr>
+          <a:xfrm>
+            <a:off x="7470123" y="2825124"/>
+            <a:ext cx="4221580" cy="188686"/>
+          </a:xfrm>
+          <a:prstGeom prst="rect">
+            <a:avLst/>
+          </a:prstGeom>
+          <a:noFill/>
+          <a:ln w="28575">
+            <a:solidFill>
+              <a:schemeClr val="accent4"/>
+            </a:solidFill>
+          </a:ln>
+        </p:spPr>
+        <p:txBody>
+          <a:bodyPr wrap="square" rtlCol="0">
+            <a:spAutoFit/>
+          </a:bodyPr>
+          <a:lstStyle/>
+          <a:p>
+            <a:endParaRPr lang="ko-KR" altLang="en-US" dirty="0"/>
+          </a:p>
+        </p:txBody>
+      </p:sp>
+      <p:cxnSp>
+        <p:nvCxnSpPr>
+          <p:cNvPr id="37" name="연결선: 꺾임 36">
+            <a:extLst>
+              <a:ext uri="{FF2B5EF4-FFF2-40B4-BE49-F238E27FC236}">
+                <a16:creationId xmlns:a16="http://schemas.microsoft.com/office/drawing/2014/main" id="{21E63119-0896-4004-ACF5-BEF072DD08E3}"/>
+              </a:ext>
+            </a:extLst>
+          </p:cNvPr>
+          <p:cNvCxnSpPr>
+            <a:cxnSpLocks/>
+            <a:stCxn id="22" idx="1"/>
+            <a:endCxn id="42" idx="3"/>
+          </p:cNvCxnSpPr>
+          <p:nvPr/>
+        </p:nvCxnSpPr>
+        <p:spPr>
+          <a:xfrm rot="10800000" flipV="1">
+            <a:off x="7166197" y="4092838"/>
+            <a:ext cx="480355" cy="1850421"/>
+          </a:xfrm>
+          <a:prstGeom prst="bentConnector3">
+            <a:avLst>
+              <a:gd name="adj1" fmla="val 50000"/>
+            </a:avLst>
+          </a:prstGeom>
+          <a:ln w="28575">
+            <a:solidFill>
+              <a:schemeClr val="accent4"/>
+            </a:solidFill>
+            <a:tailEnd type="triangle"/>
+          </a:ln>
+        </p:spPr>
+        <p:style>
+          <a:lnRef idx="1">
+            <a:schemeClr val="accent1"/>
+          </a:lnRef>
+          <a:fillRef idx="0">
+            <a:schemeClr val="accent1"/>
+          </a:fillRef>
+          <a:effectRef idx="0">
+            <a:schemeClr val="accent1"/>
+          </a:effectRef>
+          <a:fontRef idx="minor">
+            <a:schemeClr val="tx1"/>
+          </a:fontRef>
+        </p:style>
+      </p:cxnSp>
+      <p:sp>
+        <p:nvSpPr>
+          <p:cNvPr id="42" name="TextBox 41">
+            <a:extLst>
+              <a:ext uri="{FF2B5EF4-FFF2-40B4-BE49-F238E27FC236}">
+                <a16:creationId xmlns:a16="http://schemas.microsoft.com/office/drawing/2014/main" id="{B81A17E6-D070-4C3B-80FB-AE4920784240}"/>
+              </a:ext>
+            </a:extLst>
+          </p:cNvPr>
+          <p:cNvSpPr txBox="1"/>
+          <p:nvPr/>
+        </p:nvSpPr>
+        <p:spPr>
+          <a:xfrm>
+            <a:off x="4128811" y="5500478"/>
+            <a:ext cx="3037385" cy="885563"/>
+          </a:xfrm>
+          <a:prstGeom prst="rect">
+            <a:avLst/>
+          </a:prstGeom>
+          <a:noFill/>
+          <a:ln w="28575">
+            <a:solidFill>
+              <a:schemeClr val="accent4"/>
+            </a:solidFill>
+          </a:ln>
+        </p:spPr>
+        <p:txBody>
+          <a:bodyPr wrap="square" rtlCol="0" anchor="t">
+            <a:spAutoFit/>
+          </a:bodyPr>
+          <a:lstStyle/>
+          <a:p>
+            <a:pPr marL="342900" indent="-342900">
+              <a:lnSpc>
+                <a:spcPct val="200000"/>
+              </a:lnSpc>
+              <a:buFont typeface="+mj-lt"/>
+              <a:buAutoNum type="arabicPeriod"/>
+            </a:pPr>
+            <a:r>
+              <a:rPr lang="en-US" altLang="ko-KR" sz="1400" b="1" dirty="0" err="1">
+                <a:solidFill>
+                  <a:schemeClr val="bg1"/>
+                </a:solidFill>
+                <a:latin typeface="+mn-ea"/>
+              </a:rPr>
+              <a:t>Userid</a:t>
+            </a:r>
+            <a:r>
+              <a:rPr lang="ko-KR" altLang="en-US" sz="1400" b="1" dirty="0">
+                <a:solidFill>
+                  <a:schemeClr val="bg1"/>
+                </a:solidFill>
+                <a:latin typeface="+mn-ea"/>
+              </a:rPr>
+              <a:t>는 </a:t>
+            </a:r>
+            <a:r>
+              <a:rPr lang="en-US" altLang="ko-KR" sz="1400" b="1" dirty="0">
+                <a:solidFill>
+                  <a:schemeClr val="bg1"/>
+                </a:solidFill>
+                <a:latin typeface="+mn-ea"/>
+              </a:rPr>
+              <a:t>PK</a:t>
+            </a:r>
+            <a:r>
+              <a:rPr lang="ko-KR" altLang="en-US" sz="1400" b="1" dirty="0">
+                <a:solidFill>
+                  <a:schemeClr val="bg1"/>
+                </a:solidFill>
+                <a:latin typeface="+mn-ea"/>
+              </a:rPr>
+              <a:t>값</a:t>
+            </a:r>
+            <a:endParaRPr lang="en-US" altLang="ko-KR" sz="1400" b="1" dirty="0">
+              <a:solidFill>
+                <a:schemeClr val="bg1"/>
+              </a:solidFill>
+              <a:latin typeface="+mn-ea"/>
+            </a:endParaRPr>
+          </a:p>
+          <a:p>
+            <a:pPr marL="342900" indent="-342900">
+              <a:lnSpc>
+                <a:spcPct val="200000"/>
+              </a:lnSpc>
+              <a:buFont typeface="+mj-lt"/>
+              <a:buAutoNum type="arabicPeriod"/>
+            </a:pPr>
+            <a:r>
+              <a:rPr lang="en-US" altLang="ko-KR" sz="1400" b="1" dirty="0" err="1">
+                <a:solidFill>
+                  <a:schemeClr val="bg1"/>
+                </a:solidFill>
+                <a:latin typeface="+mn-ea"/>
+              </a:rPr>
+              <a:t>tbl_member</a:t>
+            </a:r>
+            <a:r>
+              <a:rPr lang="en-US" altLang="ko-KR" sz="1400" b="1" dirty="0">
+                <a:solidFill>
+                  <a:schemeClr val="bg1"/>
+                </a:solidFill>
+                <a:latin typeface="+mn-ea"/>
+              </a:rPr>
+              <a:t> </a:t>
+            </a:r>
+            <a:r>
+              <a:rPr lang="ko-KR" altLang="en-US" sz="1400" b="1" dirty="0">
+                <a:solidFill>
+                  <a:schemeClr val="bg1"/>
+                </a:solidFill>
+                <a:latin typeface="+mn-ea"/>
+              </a:rPr>
+              <a:t>테이블 생성 완료</a:t>
+            </a:r>
+            <a:endParaRPr lang="en-US" altLang="ko-KR" sz="1400" b="1" dirty="0">
+              <a:solidFill>
+                <a:schemeClr val="bg1"/>
+              </a:solidFill>
+              <a:latin typeface="+mn-ea"/>
+            </a:endParaRPr>
+          </a:p>
+        </p:txBody>
+      </p:sp>
+      <p:cxnSp>
+        <p:nvCxnSpPr>
+          <p:cNvPr id="44" name="연결선: 꺾임 43">
+            <a:extLst>
+              <a:ext uri="{FF2B5EF4-FFF2-40B4-BE49-F238E27FC236}">
+                <a16:creationId xmlns:a16="http://schemas.microsoft.com/office/drawing/2014/main" id="{0E41A831-053F-4ED0-B3B3-573550BE4C70}"/>
+              </a:ext>
+            </a:extLst>
+          </p:cNvPr>
+          <p:cNvCxnSpPr>
+            <a:cxnSpLocks/>
+            <a:stCxn id="36" idx="1"/>
+            <a:endCxn id="42" idx="3"/>
+          </p:cNvCxnSpPr>
+          <p:nvPr/>
+        </p:nvCxnSpPr>
+        <p:spPr>
+          <a:xfrm rot="10800000" flipV="1">
+            <a:off x="7166197" y="2919466"/>
+            <a:ext cx="303927" cy="3023793"/>
+          </a:xfrm>
+          <a:prstGeom prst="bentConnector3">
+            <a:avLst>
+              <a:gd name="adj1" fmla="val 50000"/>
+            </a:avLst>
           </a:prstGeom>
           <a:ln w="28575">
             <a:solidFill>
@@ -6865,7 +10160,7 @@
           <a:bodyPr/>
           <a:lstStyle/>
           <a:p>
-            <a:endParaRPr lang="ko-KR" altLang="en-US"/>
+            <a:endParaRPr lang="ko-KR" altLang="en-US" dirty="0"/>
           </a:p>
         </p:txBody>
       </p:sp>
@@ -6919,13 +10214,55 @@
             </a:lvl1pPr>
           </a:lstStyle>
           <a:p>
-            <a:pPr algn="ctr"/>
-            <a:r>
-              <a:rPr lang="en-US" altLang="ko-KR" dirty="0"/>
+            <a:pPr marL="0" marR="0" lvl="0" indent="0" algn="ctr" defTabSz="914400" rtl="0" eaLnBrk="1" fontAlgn="auto" latinLnBrk="1" hangingPunct="1">
+              <a:lnSpc>
+                <a:spcPct val="90000"/>
+              </a:lnSpc>
+              <a:spcBef>
+                <a:spcPct val="0"/>
+              </a:spcBef>
+              <a:spcAft>
+                <a:spcPts val="0"/>
+              </a:spcAft>
+              <a:buClrTx/>
+              <a:buSzTx/>
+              <a:buFontTx/>
+              <a:buNone/>
+              <a:tabLst/>
+              <a:defRPr/>
+            </a:pPr>
+            <a:r>
+              <a:rPr kumimoji="0" lang="en-US" altLang="ko-KR" sz="4400" b="0" i="0" u="none" strike="noStrike" kern="1200" cap="none" spc="0" normalizeH="0" baseline="0" noProof="0" dirty="0">
+                <a:ln>
+                  <a:noFill/>
+                </a:ln>
+                <a:solidFill>
+                  <a:prstClr val="black"/>
+                </a:solidFill>
+                <a:effectLst/>
+                <a:uLnTx/>
+                <a:uFillTx/>
+                <a:latin typeface="맑은 고딕" panose="020F0302020204030204"/>
+                <a:ea typeface="맑은 고딕" panose="020B0503020000020004" pitchFamily="50" charset="-127"/>
+                <a:cs typeface="+mj-cs"/>
+              </a:rPr>
               <a:t>3. MemberDto.java </a:t>
             </a:r>
             <a:r>
-              <a:rPr lang="ko-KR" altLang="en-US" dirty="0"/>
+              <a:rPr kumimoji="0" lang="ko-KR" altLang="en-US" sz="4400" b="0" i="0" u="none" strike="noStrike" kern="1200" cap="none" spc="0" normalizeH="0" baseline="0" noProof="0" dirty="0">
+                <a:ln>
+                  <a:noFill/>
+                </a:ln>
+                <a:solidFill>
+                  <a:prstClr val="black"/>
+                </a:solidFill>
+                <a:effectLst/>
+                <a:uLnTx/>
+                <a:uFillTx/>
+                <a:latin typeface="맑은 고딕" panose="020F0302020204030204"/>
+                <a:ea typeface="맑은 고딕" panose="020B0503020000020004" pitchFamily="50" charset="-127"/>
+                <a:cs typeface="+mj-cs"/>
+              </a:rPr>
               <a:t>구현 및 동작 설명</a:t>
             </a:r>
           </a:p>
@@ -6992,19 +10329,36 @@
           <a:bodyPr lIns="33867" tIns="33867" rIns="33867" bIns="33867" rtlCol="0" anchor="ctr"/>
           <a:lstStyle/>
           <a:p>
-            <a:pPr algn="ctr" defTabSz="609630" latinLnBrk="0">
+            <a:pPr marL="0" marR="0" lvl="0" indent="0" algn="ctr" defTabSz="609630" rtl="0" eaLnBrk="1" fontAlgn="auto" latinLnBrk="0" hangingPunct="1">
               <a:lnSpc>
                 <a:spcPts val="1773"/>
               </a:lnSpc>
               <a:spcBef>
                 <a:spcPct val="0"/>
               </a:spcBef>
+              <a:spcAft>
+                <a:spcPts val="0"/>
+              </a:spcAft>
+              <a:buClrTx/>
+              <a:buSzTx/>
+              <a:buFontTx/>
+              <a:buNone/>
+              <a:tabLst/>
+              <a:defRPr/>
             </a:pPr>
-            <a:endParaRPr sz="1200">
+            <a:endParaRPr kumimoji="0" sz="1200" b="0" i="0" u="none" strike="noStrike" kern="1200" cap="none" spc="0" normalizeH="0" baseline="0" noProof="0">
+              <a:ln>
+                <a:noFill/>
+              </a:ln>
               <a:solidFill>
                 <a:prstClr val="black"/>
               </a:solidFill>
+              <a:effectLst/>
+              <a:uLnTx/>
+              <a:uFillTx/>
               <a:latin typeface="Calibri"/>
+              <a:ea typeface="+mn-ea"/>
+              <a:cs typeface="+mn-cs"/>
             </a:endParaRPr>
           </a:p>
         </p:txBody>
@@ -7034,19 +10388,36 @@
           <a:bodyPr lIns="33867" tIns="33867" rIns="33867" bIns="33867" rtlCol="0" anchor="ctr"/>
           <a:lstStyle/>
           <a:p>
-            <a:pPr algn="ctr" defTabSz="609630" latinLnBrk="0">
+            <a:pPr marL="0" marR="0" lvl="0" indent="0" algn="ctr" defTabSz="609630" rtl="0" eaLnBrk="1" fontAlgn="auto" latinLnBrk="0" hangingPunct="1">
               <a:lnSpc>
                 <a:spcPts val="1773"/>
               </a:lnSpc>
               <a:spcBef>
                 <a:spcPct val="0"/>
               </a:spcBef>
+              <a:spcAft>
+                <a:spcPts val="0"/>
+              </a:spcAft>
+              <a:buClrTx/>
+              <a:buSzTx/>
+              <a:buFontTx/>
+              <a:buNone/>
+              <a:tabLst/>
+              <a:defRPr/>
             </a:pPr>
-            <a:endParaRPr sz="1200">
+            <a:endParaRPr kumimoji="0" sz="1200" b="0" i="0" u="none" strike="noStrike" kern="1200" cap="none" spc="0" normalizeH="0" baseline="0" noProof="0">
+              <a:ln>
+                <a:noFill/>
+              </a:ln>
               <a:solidFill>
                 <a:prstClr val="black"/>
               </a:solidFill>
+              <a:effectLst/>
+              <a:uLnTx/>
+              <a:uFillTx/>
               <a:latin typeface="Calibri"/>
+              <a:ea typeface="+mn-ea"/>
+              <a:cs typeface="+mn-cs"/>
             </a:endParaRPr>
           </a:p>
         </p:txBody>
@@ -7079,27 +10450,133 @@
           </a:bodyPr>
           <a:lstStyle/>
           <a:p>
-            <a:pPr algn="ctr"/>
-            <a:r>
-              <a:rPr lang="en-US" altLang="ko-KR" dirty="0">
-                <a:solidFill>
-                  <a:schemeClr val="bg1"/>
-                </a:solidFill>
+            <a:pPr marL="0" marR="0" lvl="0" indent="0" algn="ctr" defTabSz="914400" rtl="0" eaLnBrk="1" fontAlgn="auto" latinLnBrk="1" hangingPunct="1">
+              <a:lnSpc>
+                <a:spcPct val="100000"/>
+              </a:lnSpc>
+              <a:spcBef>
+                <a:spcPts val="0"/>
+              </a:spcBef>
+              <a:spcAft>
+                <a:spcPts val="0"/>
+              </a:spcAft>
+              <a:buClrTx/>
+              <a:buSzTx/>
+              <a:buFontTx/>
+              <a:buNone/>
+              <a:tabLst/>
+              <a:defRPr/>
+            </a:pPr>
+            <a:r>
+              <a:rPr kumimoji="0" lang="en-US" altLang="ko-KR" sz="1800" b="0" i="0" u="none" strike="noStrike" kern="1200" cap="none" spc="0" normalizeH="0" baseline="0" noProof="0" dirty="0">
+                <a:ln>
+                  <a:noFill/>
+                </a:ln>
+                <a:solidFill>
+                  <a:prstClr val="white"/>
+                </a:solidFill>
+                <a:effectLst/>
+                <a:uLnTx/>
+                <a:uFillTx/>
+                <a:latin typeface="맑은 고딕" panose="020F0502020204030204"/>
+                <a:ea typeface="맑은 고딕" panose="020B0503020000020004" pitchFamily="50" charset="-127"/>
+                <a:cs typeface="+mn-cs"/>
               </a:rPr>
               <a:t>4</a:t>
             </a:r>
-            <a:endParaRPr lang="ko-KR" altLang="en-US" dirty="0">
+            <a:endParaRPr kumimoji="0" lang="ko-KR" altLang="en-US" sz="1800" b="0" i="0" u="none" strike="noStrike" kern="1200" cap="none" spc="0" normalizeH="0" baseline="0" noProof="0" dirty="0">
+              <a:ln>
+                <a:noFill/>
+              </a:ln>
               <a:solidFill>
-                <a:schemeClr val="bg1"/>
+                <a:prstClr val="white"/>
               </a:solidFill>
+              <a:effectLst/>
+              <a:uLnTx/>
+              <a:uFillTx/>
+              <a:latin typeface="맑은 고딕" panose="020F0502020204030204"/>
+              <a:ea typeface="맑은 고딕" panose="020B0503020000020004" pitchFamily="50" charset="-127"/>
+              <a:cs typeface="+mn-cs"/>
             </a:endParaRPr>
           </a:p>
         </p:txBody>
       </p:sp>
+      <p:pic>
+        <p:nvPicPr>
+          <p:cNvPr id="9" name="그림 8">
+            <a:extLst>
+              <a:ext uri="{FF2B5EF4-FFF2-40B4-BE49-F238E27FC236}">
+                <a16:creationId xmlns:a16="http://schemas.microsoft.com/office/drawing/2014/main" id="{928DE038-E9C7-4E12-B2EF-DD96506C4AA2}"/>
+              </a:ext>
+            </a:extLst>
+          </p:cNvPr>
+          <p:cNvPicPr>
+            <a:picLocks noChangeAspect="1"/>
+          </p:cNvPicPr>
+          <p:nvPr/>
+        </p:nvPicPr>
+        <p:blipFill>
+          <a:blip r:embed="rId3">
+            <a:extLst>
+              <a:ext uri="{28A0092B-C50C-407E-A947-70E740481C1C}">
+                <a14:useLocalDpi xmlns:a14="http://schemas.microsoft.com/office/drawing/2010/main" val="0"/>
+              </a:ext>
+            </a:extLst>
+          </a:blip>
+          <a:stretch>
+            <a:fillRect/>
+          </a:stretch>
+        </p:blipFill>
+        <p:spPr>
+          <a:xfrm>
+            <a:off x="92003" y="1556677"/>
+            <a:ext cx="5187363" cy="4832932"/>
+          </a:xfrm>
+          <a:prstGeom prst="rect">
+            <a:avLst/>
+          </a:prstGeom>
+        </p:spPr>
+      </p:pic>
+      <p:pic>
+        <p:nvPicPr>
+          <p:cNvPr id="11" name="그림 10">
+            <a:extLst>
+              <a:ext uri="{FF2B5EF4-FFF2-40B4-BE49-F238E27FC236}">
+                <a16:creationId xmlns:a16="http://schemas.microsoft.com/office/drawing/2014/main" id="{7EB83B81-9C04-4BD0-8DC7-19B72276A350}"/>
+              </a:ext>
+            </a:extLst>
+          </p:cNvPr>
+          <p:cNvPicPr>
+            <a:picLocks noChangeAspect="1"/>
+          </p:cNvPicPr>
+          <p:nvPr/>
+        </p:nvPicPr>
+        <p:blipFill>
+          <a:blip r:embed="rId4">
+            <a:extLst>
+              <a:ext uri="{28A0092B-C50C-407E-A947-70E740481C1C}">
+                <a14:useLocalDpi xmlns:a14="http://schemas.microsoft.com/office/drawing/2010/main" val="0"/>
+              </a:ext>
+            </a:extLst>
+          </a:blip>
+          <a:stretch>
+            <a:fillRect/>
+          </a:stretch>
+        </p:blipFill>
+        <p:spPr>
+          <a:xfrm>
+            <a:off x="5339523" y="1556675"/>
+            <a:ext cx="6760474" cy="4832933"/>
+          </a:xfrm>
+          <a:prstGeom prst="rect">
+            <a:avLst/>
+          </a:prstGeom>
+        </p:spPr>
+      </p:pic>
     </p:spTree>
     <p:extLst>
       <p:ext uri="{BB962C8B-B14F-4D97-AF65-F5344CB8AC3E}">
-        <p14:creationId xmlns:p14="http://schemas.microsoft.com/office/powerpoint/2010/main" val="3790511899"/>
+        <p14:creationId xmlns:p14="http://schemas.microsoft.com/office/powerpoint/2010/main" val="4293054382"/>
       </p:ext>
     </p:extLst>
   </p:cSld>
@@ -7214,13 +10691,55 @@
             </a:lvl1pPr>
           </a:lstStyle>
           <a:p>
-            <a:pPr algn="ctr"/>
-            <a:r>
-              <a:rPr lang="en-US" altLang="ko-KR" dirty="0"/>
-              <a:t>4. DbUtils.java </a:t>
-            </a:r>
-            <a:r>
-              <a:rPr lang="ko-KR" altLang="en-US" dirty="0"/>
+            <a:pPr marL="0" marR="0" lvl="0" indent="0" algn="ctr" defTabSz="914400" rtl="0" eaLnBrk="1" fontAlgn="auto" latinLnBrk="1" hangingPunct="1">
+              <a:lnSpc>
+                <a:spcPct val="90000"/>
+              </a:lnSpc>
+              <a:spcBef>
+                <a:spcPct val="0"/>
+              </a:spcBef>
+              <a:spcAft>
+                <a:spcPts val="0"/>
+              </a:spcAft>
+              <a:buClrTx/>
+              <a:buSzTx/>
+              <a:buFontTx/>
+              <a:buNone/>
+              <a:tabLst/>
+              <a:defRPr/>
+            </a:pPr>
+            <a:r>
+              <a:rPr kumimoji="0" lang="en-US" altLang="ko-KR" sz="4400" b="0" i="0" u="none" strike="noStrike" kern="1200" cap="none" spc="0" normalizeH="0" baseline="0" noProof="0" dirty="0">
+                <a:ln>
+                  <a:noFill/>
+                </a:ln>
+                <a:solidFill>
+                  <a:prstClr val="black"/>
+                </a:solidFill>
+                <a:effectLst/>
+                <a:uLnTx/>
+                <a:uFillTx/>
+                <a:latin typeface="맑은 고딕" panose="020F0302020204030204"/>
+                <a:ea typeface="맑은 고딕" panose="020B0503020000020004" pitchFamily="50" charset="-127"/>
+                <a:cs typeface="+mj-cs"/>
+              </a:rPr>
+              <a:t>3. MemberDto.java </a:t>
+            </a:r>
+            <a:r>
+              <a:rPr kumimoji="0" lang="ko-KR" altLang="en-US" sz="4400" b="0" i="0" u="none" strike="noStrike" kern="1200" cap="none" spc="0" normalizeH="0" baseline="0" noProof="0" dirty="0">
+                <a:ln>
+                  <a:noFill/>
+                </a:ln>
+                <a:solidFill>
+                  <a:prstClr val="black"/>
+                </a:solidFill>
+                <a:effectLst/>
+                <a:uLnTx/>
+                <a:uFillTx/>
+                <a:latin typeface="맑은 고딕" panose="020F0302020204030204"/>
+                <a:ea typeface="맑은 고딕" panose="020B0503020000020004" pitchFamily="50" charset="-127"/>
+                <a:cs typeface="+mj-cs"/>
+              </a:rPr>
               <a:t>구현 및 동작 설명</a:t>
             </a:r>
           </a:p>
@@ -7287,19 +10806,36 @@
           <a:bodyPr lIns="33867" tIns="33867" rIns="33867" bIns="33867" rtlCol="0" anchor="ctr"/>
           <a:lstStyle/>
           <a:p>
-            <a:pPr algn="ctr" defTabSz="609630" latinLnBrk="0">
+            <a:pPr marL="0" marR="0" lvl="0" indent="0" algn="ctr" defTabSz="609630" rtl="0" eaLnBrk="1" fontAlgn="auto" latinLnBrk="0" hangingPunct="1">
               <a:lnSpc>
                 <a:spcPts val="1773"/>
               </a:lnSpc>
               <a:spcBef>
                 <a:spcPct val="0"/>
               </a:spcBef>
+              <a:spcAft>
+                <a:spcPts val="0"/>
+              </a:spcAft>
+              <a:buClrTx/>
+              <a:buSzTx/>
+              <a:buFontTx/>
+              <a:buNone/>
+              <a:tabLst/>
+              <a:defRPr/>
             </a:pPr>
-            <a:endParaRPr sz="1200">
+            <a:endParaRPr kumimoji="0" sz="1200" b="0" i="0" u="none" strike="noStrike" kern="1200" cap="none" spc="0" normalizeH="0" baseline="0" noProof="0">
+              <a:ln>
+                <a:noFill/>
+              </a:ln>
               <a:solidFill>
                 <a:prstClr val="black"/>
               </a:solidFill>
+              <a:effectLst/>
+              <a:uLnTx/>
+              <a:uFillTx/>
               <a:latin typeface="Calibri"/>
+              <a:ea typeface="+mn-ea"/>
+              <a:cs typeface="+mn-cs"/>
             </a:endParaRPr>
           </a:p>
         </p:txBody>
@@ -7332,27 +10868,169 @@
           </a:bodyPr>
           <a:lstStyle/>
           <a:p>
-            <a:pPr algn="ctr"/>
-            <a:r>
-              <a:rPr lang="en-US" altLang="ko-KR" dirty="0">
-                <a:solidFill>
-                  <a:schemeClr val="bg1"/>
-                </a:solidFill>
+            <a:pPr marL="0" marR="0" lvl="0" indent="0" algn="ctr" defTabSz="914400" rtl="0" eaLnBrk="1" fontAlgn="auto" latinLnBrk="1" hangingPunct="1">
+              <a:lnSpc>
+                <a:spcPct val="100000"/>
+              </a:lnSpc>
+              <a:spcBef>
+                <a:spcPts val="0"/>
+              </a:spcBef>
+              <a:spcAft>
+                <a:spcPts val="0"/>
+              </a:spcAft>
+              <a:buClrTx/>
+              <a:buSzTx/>
+              <a:buFontTx/>
+              <a:buNone/>
+              <a:tabLst/>
+              <a:defRPr/>
+            </a:pPr>
+            <a:r>
+              <a:rPr kumimoji="0" lang="en-US" altLang="ko-KR" sz="1800" b="0" i="0" u="none" strike="noStrike" kern="1200" cap="none" spc="0" normalizeH="0" baseline="0" noProof="0" dirty="0">
+                <a:ln>
+                  <a:noFill/>
+                </a:ln>
+                <a:solidFill>
+                  <a:prstClr val="white"/>
+                </a:solidFill>
+                <a:effectLst/>
+                <a:uLnTx/>
+                <a:uFillTx/>
+                <a:latin typeface="맑은 고딕" panose="020F0502020204030204"/>
+                <a:ea typeface="맑은 고딕" panose="020B0503020000020004" pitchFamily="50" charset="-127"/>
+                <a:cs typeface="+mn-cs"/>
               </a:rPr>
               <a:t>5</a:t>
             </a:r>
-            <a:endParaRPr lang="ko-KR" altLang="en-US" dirty="0">
+            <a:endParaRPr kumimoji="0" lang="ko-KR" altLang="en-US" sz="1800" b="0" i="0" u="none" strike="noStrike" kern="1200" cap="none" spc="0" normalizeH="0" baseline="0" noProof="0" dirty="0">
+              <a:ln>
+                <a:noFill/>
+              </a:ln>
               <a:solidFill>
-                <a:schemeClr val="bg1"/>
+                <a:prstClr val="white"/>
               </a:solidFill>
+              <a:effectLst/>
+              <a:uLnTx/>
+              <a:uFillTx/>
+              <a:latin typeface="맑은 고딕" panose="020F0502020204030204"/>
+              <a:ea typeface="맑은 고딕" panose="020B0503020000020004" pitchFamily="50" charset="-127"/>
+              <a:cs typeface="+mn-cs"/>
             </a:endParaRPr>
           </a:p>
         </p:txBody>
       </p:sp>
+      <p:pic>
+        <p:nvPicPr>
+          <p:cNvPr id="4" name="그림 3">
+            <a:extLst>
+              <a:ext uri="{FF2B5EF4-FFF2-40B4-BE49-F238E27FC236}">
+                <a16:creationId xmlns:a16="http://schemas.microsoft.com/office/drawing/2014/main" id="{3042D3F6-D441-4A82-BA36-57183431A925}"/>
+              </a:ext>
+            </a:extLst>
+          </p:cNvPr>
+          <p:cNvPicPr>
+            <a:picLocks noChangeAspect="1"/>
+          </p:cNvPicPr>
+          <p:nvPr/>
+        </p:nvPicPr>
+        <p:blipFill>
+          <a:blip r:embed="rId3">
+            <a:extLst>
+              <a:ext uri="{28A0092B-C50C-407E-A947-70E740481C1C}">
+                <a14:useLocalDpi xmlns:a14="http://schemas.microsoft.com/office/drawing/2010/main" val="0"/>
+              </a:ext>
+            </a:extLst>
+          </a:blip>
+          <a:stretch>
+            <a:fillRect/>
+          </a:stretch>
+        </p:blipFill>
+        <p:spPr>
+          <a:xfrm>
+            <a:off x="31761" y="1499689"/>
+            <a:ext cx="5303638" cy="5259252"/>
+          </a:xfrm>
+          <a:prstGeom prst="rect">
+            <a:avLst/>
+          </a:prstGeom>
+        </p:spPr>
+      </p:pic>
+      <p:pic>
+        <p:nvPicPr>
+          <p:cNvPr id="11" name="그림 10">
+            <a:extLst>
+              <a:ext uri="{FF2B5EF4-FFF2-40B4-BE49-F238E27FC236}">
+                <a16:creationId xmlns:a16="http://schemas.microsoft.com/office/drawing/2014/main" id="{06082C22-7577-4C0A-85C4-07153AD87971}"/>
+              </a:ext>
+            </a:extLst>
+          </p:cNvPr>
+          <p:cNvPicPr>
+            <a:picLocks noChangeAspect="1"/>
+          </p:cNvPicPr>
+          <p:nvPr/>
+        </p:nvPicPr>
+        <p:blipFill>
+          <a:blip r:embed="rId4">
+            <a:extLst>
+              <a:ext uri="{28A0092B-C50C-407E-A947-70E740481C1C}">
+                <a14:useLocalDpi xmlns:a14="http://schemas.microsoft.com/office/drawing/2010/main" val="0"/>
+              </a:ext>
+            </a:extLst>
+          </a:blip>
+          <a:stretch>
+            <a:fillRect/>
+          </a:stretch>
+        </p:blipFill>
+        <p:spPr>
+          <a:xfrm>
+            <a:off x="5351462" y="1499689"/>
+            <a:ext cx="3513911" cy="4889920"/>
+          </a:xfrm>
+          <a:prstGeom prst="rect">
+            <a:avLst/>
+          </a:prstGeom>
+        </p:spPr>
+      </p:pic>
+      <p:pic>
+        <p:nvPicPr>
+          <p:cNvPr id="13" name="그림 12">
+            <a:extLst>
+              <a:ext uri="{FF2B5EF4-FFF2-40B4-BE49-F238E27FC236}">
+                <a16:creationId xmlns:a16="http://schemas.microsoft.com/office/drawing/2014/main" id="{62D39C6B-63D5-4130-BCEE-8F84F0EC704C}"/>
+              </a:ext>
+            </a:extLst>
+          </p:cNvPr>
+          <p:cNvPicPr>
+            <a:picLocks noChangeAspect="1"/>
+          </p:cNvPicPr>
+          <p:nvPr/>
+        </p:nvPicPr>
+        <p:blipFill>
+          <a:blip r:embed="rId5">
+            <a:extLst>
+              <a:ext uri="{28A0092B-C50C-407E-A947-70E740481C1C}">
+                <a14:useLocalDpi xmlns:a14="http://schemas.microsoft.com/office/drawing/2010/main" val="0"/>
+              </a:ext>
+            </a:extLst>
+          </a:blip>
+          <a:stretch>
+            <a:fillRect/>
+          </a:stretch>
+        </p:blipFill>
+        <p:spPr>
+          <a:xfrm>
+            <a:off x="8885016" y="1499689"/>
+            <a:ext cx="3266309" cy="4889920"/>
+          </a:xfrm>
+          <a:prstGeom prst="rect">
+            <a:avLst/>
+          </a:prstGeom>
+        </p:spPr>
+      </p:pic>
     </p:spTree>
     <p:extLst>
       <p:ext uri="{BB962C8B-B14F-4D97-AF65-F5344CB8AC3E}">
-        <p14:creationId xmlns:p14="http://schemas.microsoft.com/office/powerpoint/2010/main" val="80129858"/>
+        <p14:creationId xmlns:p14="http://schemas.microsoft.com/office/powerpoint/2010/main" val="3339127024"/>
       </p:ext>
     </p:extLst>
   </p:cSld>
@@ -7467,13 +11145,55 @@
             </a:lvl1pPr>
           </a:lstStyle>
           <a:p>
-            <a:pPr algn="ctr"/>
-            <a:r>
-              <a:rPr lang="en-US" altLang="ko-KR" dirty="0"/>
-              <a:t>4. DbUtils.java </a:t>
-            </a:r>
-            <a:r>
-              <a:rPr lang="ko-KR" altLang="en-US" dirty="0"/>
+            <a:pPr marL="0" marR="0" lvl="0" indent="0" algn="ctr" defTabSz="914400" rtl="0" eaLnBrk="1" fontAlgn="auto" latinLnBrk="1" hangingPunct="1">
+              <a:lnSpc>
+                <a:spcPct val="90000"/>
+              </a:lnSpc>
+              <a:spcBef>
+                <a:spcPct val="0"/>
+              </a:spcBef>
+              <a:spcAft>
+                <a:spcPts val="0"/>
+              </a:spcAft>
+              <a:buClrTx/>
+              <a:buSzTx/>
+              <a:buFontTx/>
+              <a:buNone/>
+              <a:tabLst/>
+              <a:defRPr/>
+            </a:pPr>
+            <a:r>
+              <a:rPr kumimoji="0" lang="en-US" altLang="ko-KR" sz="4400" b="0" i="0" u="none" strike="noStrike" kern="1200" cap="none" spc="0" normalizeH="0" baseline="0" noProof="0" dirty="0">
+                <a:ln>
+                  <a:noFill/>
+                </a:ln>
+                <a:solidFill>
+                  <a:prstClr val="black"/>
+                </a:solidFill>
+                <a:effectLst/>
+                <a:uLnTx/>
+                <a:uFillTx/>
+                <a:latin typeface="맑은 고딕" panose="020F0302020204030204"/>
+                <a:ea typeface="맑은 고딕" panose="020B0503020000020004" pitchFamily="50" charset="-127"/>
+                <a:cs typeface="+mj-cs"/>
+              </a:rPr>
+              <a:t>3. MemberDto.java </a:t>
+            </a:r>
+            <a:r>
+              <a:rPr kumimoji="0" lang="ko-KR" altLang="en-US" sz="4400" b="0" i="0" u="none" strike="noStrike" kern="1200" cap="none" spc="0" normalizeH="0" baseline="0" noProof="0" dirty="0">
+                <a:ln>
+                  <a:noFill/>
+                </a:ln>
+                <a:solidFill>
+                  <a:prstClr val="black"/>
+                </a:solidFill>
+                <a:effectLst/>
+                <a:uLnTx/>
+                <a:uFillTx/>
+                <a:latin typeface="맑은 고딕" panose="020F0302020204030204"/>
+                <a:ea typeface="맑은 고딕" panose="020B0503020000020004" pitchFamily="50" charset="-127"/>
+                <a:cs typeface="+mj-cs"/>
+              </a:rPr>
               <a:t>구현 및 동작 설명</a:t>
             </a:r>
           </a:p>
@@ -7540,29 +11260,105 @@
           <a:bodyPr lIns="33867" tIns="33867" rIns="33867" bIns="33867" rtlCol="0" anchor="ctr"/>
           <a:lstStyle/>
           <a:p>
-            <a:pPr algn="ctr" defTabSz="609630" latinLnBrk="0">
+            <a:pPr marL="0" marR="0" lvl="0" indent="0" algn="ctr" defTabSz="609630" rtl="0" eaLnBrk="1" fontAlgn="auto" latinLnBrk="0" hangingPunct="1">
               <a:lnSpc>
                 <a:spcPts val="1773"/>
               </a:lnSpc>
               <a:spcBef>
                 <a:spcPct val="0"/>
               </a:spcBef>
+              <a:spcAft>
+                <a:spcPts val="0"/>
+              </a:spcAft>
+              <a:buClrTx/>
+              <a:buSzTx/>
+              <a:buFontTx/>
+              <a:buNone/>
+              <a:tabLst/>
+              <a:defRPr/>
             </a:pPr>
-            <a:endParaRPr sz="1200">
+            <a:endParaRPr kumimoji="0" sz="1200" b="0" i="0" u="none" strike="noStrike" kern="1200" cap="none" spc="0" normalizeH="0" baseline="0" noProof="0">
+              <a:ln>
+                <a:noFill/>
+              </a:ln>
               <a:solidFill>
                 <a:prstClr val="black"/>
               </a:solidFill>
+              <a:effectLst/>
+              <a:uLnTx/>
+              <a:uFillTx/>
               <a:latin typeface="Calibri"/>
+              <a:ea typeface="+mn-ea"/>
+              <a:cs typeface="+mn-cs"/>
             </a:endParaRPr>
           </a:p>
         </p:txBody>
       </p:sp>
       <p:sp>
         <p:nvSpPr>
-          <p:cNvPr id="32" name="TextBox 31">
-            <a:extLst>
-              <a:ext uri="{FF2B5EF4-FFF2-40B4-BE49-F238E27FC236}">
-                <a16:creationId xmlns:a16="http://schemas.microsoft.com/office/drawing/2014/main" id="{67A86133-2F05-4C44-81DE-79C0A129E336}"/>
+          <p:cNvPr id="25" name="TextBox 7">
+            <a:extLst>
+              <a:ext uri="{FF2B5EF4-FFF2-40B4-BE49-F238E27FC236}">
+                <a16:creationId xmlns:a16="http://schemas.microsoft.com/office/drawing/2014/main" id="{80BD38C2-90CB-4236-B711-038246B42D23}"/>
+              </a:ext>
+            </a:extLst>
+          </p:cNvPr>
+          <p:cNvSpPr txBox="1"/>
+          <p:nvPr/>
+        </p:nvSpPr>
+        <p:spPr>
+          <a:xfrm>
+            <a:off x="494950" y="1495081"/>
+            <a:ext cx="11113156" cy="5214649"/>
+          </a:xfrm>
+          <a:prstGeom prst="rect">
+            <a:avLst/>
+          </a:prstGeom>
+        </p:spPr>
+        <p:txBody>
+          <a:bodyPr lIns="33867" tIns="33867" rIns="33867" bIns="33867" rtlCol="0" anchor="ctr"/>
+          <a:lstStyle/>
+          <a:p>
+            <a:pPr marL="0" marR="0" lvl="0" indent="0" algn="ctr" defTabSz="609630" rtl="0" eaLnBrk="1" fontAlgn="auto" latinLnBrk="0" hangingPunct="1">
+              <a:lnSpc>
+                <a:spcPts val="1773"/>
+              </a:lnSpc>
+              <a:spcBef>
+                <a:spcPct val="0"/>
+              </a:spcBef>
+              <a:spcAft>
+                <a:spcPts val="0"/>
+              </a:spcAft>
+              <a:buClrTx/>
+              <a:buSzTx/>
+              <a:buFontTx/>
+              <a:buNone/>
+              <a:tabLst/>
+              <a:defRPr/>
+            </a:pPr>
+            <a:endParaRPr kumimoji="0" sz="1200" b="0" i="0" u="none" strike="noStrike" kern="1200" cap="none" spc="0" normalizeH="0" baseline="0" noProof="0">
+              <a:ln>
+                <a:noFill/>
+              </a:ln>
+              <a:solidFill>
+                <a:prstClr val="black"/>
+              </a:solidFill>
+              <a:effectLst/>
+              <a:uLnTx/>
+              <a:uFillTx/>
+              <a:latin typeface="Calibri"/>
+              <a:ea typeface="+mn-ea"/>
+              <a:cs typeface="+mn-cs"/>
+            </a:endParaRPr>
+          </a:p>
+        </p:txBody>
+      </p:sp>
+      <p:sp>
+        <p:nvSpPr>
+          <p:cNvPr id="34" name="TextBox 33">
+            <a:extLst>
+              <a:ext uri="{FF2B5EF4-FFF2-40B4-BE49-F238E27FC236}">
+                <a16:creationId xmlns:a16="http://schemas.microsoft.com/office/drawing/2014/main" id="{9398C2A7-D0F3-46AB-A3C0-12D7A4FBC3AE}"/>
               </a:ext>
             </a:extLst>
           </p:cNvPr>
@@ -7585,20 +11381,40 @@
           </a:bodyPr>
           <a:lstStyle/>
           <a:p>
-            <a:pPr algn="ctr"/>
-            <a:r>
-              <a:rPr lang="en-US" altLang="ko-KR" dirty="0">
-                <a:solidFill>
-                  <a:schemeClr val="bg1"/>
-                </a:solidFill>
+            <a:pPr marL="0" marR="0" lvl="0" indent="0" algn="ctr" defTabSz="914400" rtl="0" eaLnBrk="1" fontAlgn="auto" latinLnBrk="1" hangingPunct="1">
+              <a:lnSpc>
+                <a:spcPct val="100000"/>
+              </a:lnSpc>
+              <a:spcBef>
+                <a:spcPts val="0"/>
+              </a:spcBef>
+              <a:spcAft>
+                <a:spcPts val="0"/>
+              </a:spcAft>
+              <a:buClrTx/>
+              <a:buSzTx/>
+              <a:buFontTx/>
+              <a:buNone/>
+              <a:tabLst/>
+              <a:defRPr/>
+            </a:pPr>
+            <a:r>
+              <a:rPr kumimoji="0" lang="en-US" altLang="ko-KR" sz="1800" b="0" i="0" u="none" strike="noStrike" kern="1200" cap="none" spc="0" normalizeH="0" baseline="0" noProof="0" dirty="0">
+                <a:ln>
+                  <a:noFill/>
+                </a:ln>
+                <a:solidFill>
+                  <a:prstClr val="white"/>
+                </a:solidFill>
+                <a:effectLst/>
+                <a:uLnTx/>
+                <a:uFillTx/>
+                <a:latin typeface="맑은 고딕" panose="020F0502020204030204"/>
+                <a:ea typeface="맑은 고딕" panose="020B0503020000020004" pitchFamily="50" charset="-127"/>
+                <a:cs typeface="+mn-cs"/>
               </a:rPr>
-              <a:t>5</a:t>
-            </a:r>
-            <a:endParaRPr lang="ko-KR" altLang="en-US" dirty="0">
-              <a:solidFill>
-                <a:schemeClr val="bg1"/>
-              </a:solidFill>
-            </a:endParaRPr>
+              <a:t>6</a:t>
+            </a:r>
           </a:p>
         </p:txBody>
       </p:sp>
@@ -7607,7 +11423,7 @@
           <p:cNvPr id="4" name="그림 3">
             <a:extLst>
               <a:ext uri="{FF2B5EF4-FFF2-40B4-BE49-F238E27FC236}">
-                <a16:creationId xmlns:a16="http://schemas.microsoft.com/office/drawing/2014/main" id="{68D3609A-0087-4518-96C5-73308A28F0C7}"/>
+                <a16:creationId xmlns:a16="http://schemas.microsoft.com/office/drawing/2014/main" id="{19012005-F2C9-46CE-BD5B-DAA0F43F7796}"/>
               </a:ext>
             </a:extLst>
           </p:cNvPr>
@@ -7630,8 +11446,8 @@
         </p:blipFill>
         <p:spPr>
           <a:xfrm>
-            <a:off x="3101711" y="1696750"/>
-            <a:ext cx="6072021" cy="4877525"/>
+            <a:off x="817551" y="2525824"/>
+            <a:ext cx="10555173" cy="2314624"/>
           </a:xfrm>
           <a:prstGeom prst="rect">
             <a:avLst/>
@@ -7641,7 +11457,7 @@
     </p:spTree>
     <p:extLst>
       <p:ext uri="{BB962C8B-B14F-4D97-AF65-F5344CB8AC3E}">
-        <p14:creationId xmlns:p14="http://schemas.microsoft.com/office/powerpoint/2010/main" val="1931076274"/>
+        <p14:creationId xmlns:p14="http://schemas.microsoft.com/office/powerpoint/2010/main" val="3790511899"/>
       </p:ext>
     </p:extLst>
   </p:cSld>
@@ -7881,7 +11697,7 @@
                   <a:schemeClr val="bg1"/>
                 </a:solidFill>
               </a:rPr>
-              <a:t>5</a:t>
+              <a:t>7</a:t>
             </a:r>
             <a:endParaRPr lang="ko-KR" altLang="en-US" dirty="0">
               <a:solidFill>
@@ -7893,10 +11709,10 @@
       </p:sp>
       <p:pic>
         <p:nvPicPr>
-          <p:cNvPr id="7" name="그림 6">
-            <a:extLst>
-              <a:ext uri="{FF2B5EF4-FFF2-40B4-BE49-F238E27FC236}">
-                <a16:creationId xmlns:a16="http://schemas.microsoft.com/office/drawing/2014/main" id="{D2EEC26F-00CD-41E1-9205-B86454E463EC}"/>
+          <p:cNvPr id="4" name="그림 3">
+            <a:extLst>
+              <a:ext uri="{FF2B5EF4-FFF2-40B4-BE49-F238E27FC236}">
+                <a16:creationId xmlns:a16="http://schemas.microsoft.com/office/drawing/2014/main" id="{68D3609A-0087-4518-96C5-73308A28F0C7}"/>
               </a:ext>
             </a:extLst>
           </p:cNvPr>
@@ -7919,8 +11735,8 @@
         </p:blipFill>
         <p:spPr>
           <a:xfrm>
-            <a:off x="2182880" y="1718547"/>
-            <a:ext cx="7826237" cy="4845528"/>
+            <a:off x="3101711" y="1696750"/>
+            <a:ext cx="6072021" cy="4877525"/>
           </a:xfrm>
           <a:prstGeom prst="rect">
             <a:avLst/>
@@ -7930,7 +11746,7 @@
     </p:spTree>
     <p:extLst>
       <p:ext uri="{BB962C8B-B14F-4D97-AF65-F5344CB8AC3E}">
-        <p14:creationId xmlns:p14="http://schemas.microsoft.com/office/powerpoint/2010/main" val="2154414888"/>
+        <p14:creationId xmlns:p14="http://schemas.microsoft.com/office/powerpoint/2010/main" val="1931076274"/>
       </p:ext>
     </p:extLst>
   </p:cSld>
@@ -7967,6 +11783,36 @@
       </p:grpSpPr>
       <p:sp>
         <p:nvSpPr>
+          <p:cNvPr id="28" name="제목 27">
+            <a:extLst>
+              <a:ext uri="{FF2B5EF4-FFF2-40B4-BE49-F238E27FC236}">
+                <a16:creationId xmlns:a16="http://schemas.microsoft.com/office/drawing/2014/main" id="{915036D7-6872-454E-9683-74DC284D3DD7}"/>
+              </a:ext>
+            </a:extLst>
+          </p:cNvPr>
+          <p:cNvSpPr>
+            <a:spLocks noGrp="1"/>
+          </p:cNvSpPr>
+          <p:nvPr>
+            <p:ph type="title"/>
+          </p:nvPr>
+        </p:nvSpPr>
+        <p:spPr>
+          <a:xfrm>
+            <a:off x="838200" y="365125"/>
+            <a:ext cx="10653660" cy="1353422"/>
+          </a:xfrm>
+        </p:spPr>
+        <p:txBody>
+          <a:bodyPr/>
+          <a:lstStyle/>
+          <a:p>
+            <a:endParaRPr lang="ko-KR" altLang="en-US"/>
+          </a:p>
+        </p:txBody>
+      </p:sp>
+      <p:sp>
+        <p:nvSpPr>
           <p:cNvPr id="16" name="제목 1">
             <a:extLst>
               <a:ext uri="{FF2B5EF4-FFF2-40B4-BE49-F238E27FC236}">
@@ -8018,7 +11864,7 @@
             <a:pPr algn="ctr"/>
             <a:r>
               <a:rPr lang="en-US" altLang="ko-KR" dirty="0"/>
-              <a:t>5. 02Join.jsp </a:t>
+              <a:t>4. DbUtils.java </a:t>
             </a:r>
             <a:r>
               <a:rPr lang="ko-KR" altLang="en-US" dirty="0"/>
@@ -8065,10 +11911,10 @@
       </p:pic>
       <p:sp>
         <p:nvSpPr>
-          <p:cNvPr id="11" name="TextBox 7">
-            <a:extLst>
-              <a:ext uri="{FF2B5EF4-FFF2-40B4-BE49-F238E27FC236}">
-                <a16:creationId xmlns:a16="http://schemas.microsoft.com/office/drawing/2014/main" id="{3E8ACEFC-BE3F-4B14-BC73-1BCC62CCB99F}"/>
+          <p:cNvPr id="8" name="TextBox 4">
+            <a:extLst>
+              <a:ext uri="{FF2B5EF4-FFF2-40B4-BE49-F238E27FC236}">
+                <a16:creationId xmlns:a16="http://schemas.microsoft.com/office/drawing/2014/main" id="{6494E9D6-DE83-49B9-8060-F3459DEDC648}"/>
               </a:ext>
             </a:extLst>
           </p:cNvPr>
@@ -8077,35 +11923,40 @@
         </p:nvSpPr>
         <p:spPr>
           <a:xfrm>
-            <a:off x="1095372" y="528831"/>
-            <a:ext cx="16541142" cy="8784712"/>
+            <a:off x="761624" y="1071943"/>
+            <a:ext cx="11027428" cy="5856475"/>
           </a:xfrm>
           <a:prstGeom prst="rect">
             <a:avLst/>
           </a:prstGeom>
         </p:spPr>
         <p:txBody>
-          <a:bodyPr lIns="50800" tIns="50800" rIns="50800" bIns="50800" rtlCol="0" anchor="ctr"/>
+          <a:bodyPr lIns="33867" tIns="33867" rIns="33867" bIns="33867" rtlCol="0" anchor="ctr"/>
           <a:lstStyle/>
           <a:p>
-            <a:pPr algn="ctr">
+            <a:pPr algn="ctr" defTabSz="609630" latinLnBrk="0">
               <a:lnSpc>
-                <a:spcPts val="2659"/>
+                <a:spcPts val="1773"/>
               </a:lnSpc>
               <a:spcBef>
                 <a:spcPct val="0"/>
               </a:spcBef>
             </a:pPr>
-            <a:endParaRPr/>
-          </a:p>
-        </p:txBody>
-      </p:sp>
-      <p:sp>
-        <p:nvSpPr>
-          <p:cNvPr id="23" name="TextBox 22">
-            <a:extLst>
-              <a:ext uri="{FF2B5EF4-FFF2-40B4-BE49-F238E27FC236}">
-                <a16:creationId xmlns:a16="http://schemas.microsoft.com/office/drawing/2014/main" id="{2D3838F2-387F-48AD-91D9-BA84FB29DA12}"/>
+            <a:endParaRPr sz="1200">
+              <a:solidFill>
+                <a:prstClr val="black"/>
+              </a:solidFill>
+              <a:latin typeface="Calibri"/>
+            </a:endParaRPr>
+          </a:p>
+        </p:txBody>
+      </p:sp>
+      <p:sp>
+        <p:nvSpPr>
+          <p:cNvPr id="32" name="TextBox 31">
+            <a:extLst>
+              <a:ext uri="{FF2B5EF4-FFF2-40B4-BE49-F238E27FC236}">
+                <a16:creationId xmlns:a16="http://schemas.microsoft.com/office/drawing/2014/main" id="{67A86133-2F05-4C44-81DE-79C0A129E336}"/>
               </a:ext>
             </a:extLst>
           </p:cNvPr>
@@ -8135,7 +11986,7 @@
                   <a:schemeClr val="bg1"/>
                 </a:solidFill>
               </a:rPr>
-              <a:t>6</a:t>
+              <a:t>8</a:t>
             </a:r>
             <a:endParaRPr lang="ko-KR" altLang="en-US" dirty="0">
               <a:solidFill>
@@ -8145,10 +11996,46 @@
           </a:p>
         </p:txBody>
       </p:sp>
+      <p:pic>
+        <p:nvPicPr>
+          <p:cNvPr id="7" name="그림 6">
+            <a:extLst>
+              <a:ext uri="{FF2B5EF4-FFF2-40B4-BE49-F238E27FC236}">
+                <a16:creationId xmlns:a16="http://schemas.microsoft.com/office/drawing/2014/main" id="{D2EEC26F-00CD-41E1-9205-B86454E463EC}"/>
+              </a:ext>
+            </a:extLst>
+          </p:cNvPr>
+          <p:cNvPicPr>
+            <a:picLocks noChangeAspect="1"/>
+          </p:cNvPicPr>
+          <p:nvPr/>
+        </p:nvPicPr>
+        <p:blipFill>
+          <a:blip r:embed="rId3">
+            <a:extLst>
+              <a:ext uri="{28A0092B-C50C-407E-A947-70E740481C1C}">
+                <a14:useLocalDpi xmlns:a14="http://schemas.microsoft.com/office/drawing/2010/main" val="0"/>
+              </a:ext>
+            </a:extLst>
+          </a:blip>
+          <a:stretch>
+            <a:fillRect/>
+          </a:stretch>
+        </p:blipFill>
+        <p:spPr>
+          <a:xfrm>
+            <a:off x="2182880" y="1718547"/>
+            <a:ext cx="7826237" cy="4845528"/>
+          </a:xfrm>
+          <a:prstGeom prst="rect">
+            <a:avLst/>
+          </a:prstGeom>
+        </p:spPr>
+      </p:pic>
     </p:spTree>
     <p:extLst>
       <p:ext uri="{BB962C8B-B14F-4D97-AF65-F5344CB8AC3E}">
-        <p14:creationId xmlns:p14="http://schemas.microsoft.com/office/powerpoint/2010/main" val="4263447207"/>
+        <p14:creationId xmlns:p14="http://schemas.microsoft.com/office/powerpoint/2010/main" val="2154414888"/>
       </p:ext>
     </p:extLst>
   </p:cSld>
